--- a/22 Jmeter性能测试实战.pptx
+++ b/22 Jmeter性能测试实战.pptx
@@ -5,25 +5,24 @@
     <p:sldMasterId id="2147483662" r:id="rId1"/>
   </p:sldMasterIdLst>
   <p:notesMasterIdLst>
-    <p:notesMasterId r:id="rId18"/>
+    <p:notesMasterId r:id="rId17"/>
   </p:notesMasterIdLst>
   <p:sldIdLst>
     <p:sldId id="256" r:id="rId2"/>
-    <p:sldId id="276" r:id="rId3"/>
-    <p:sldId id="287" r:id="rId4"/>
-    <p:sldId id="277" r:id="rId5"/>
-    <p:sldId id="282" r:id="rId6"/>
-    <p:sldId id="288" r:id="rId7"/>
-    <p:sldId id="278" r:id="rId8"/>
-    <p:sldId id="289" r:id="rId9"/>
-    <p:sldId id="290" r:id="rId10"/>
-    <p:sldId id="291" r:id="rId11"/>
-    <p:sldId id="279" r:id="rId12"/>
-    <p:sldId id="284" r:id="rId13"/>
-    <p:sldId id="285" r:id="rId14"/>
-    <p:sldId id="286" r:id="rId15"/>
-    <p:sldId id="292" r:id="rId16"/>
-    <p:sldId id="293" r:id="rId17"/>
+    <p:sldId id="306" r:id="rId3"/>
+    <p:sldId id="297" r:id="rId4"/>
+    <p:sldId id="309" r:id="rId5"/>
+    <p:sldId id="310" r:id="rId6"/>
+    <p:sldId id="294" r:id="rId7"/>
+    <p:sldId id="296" r:id="rId8"/>
+    <p:sldId id="298" r:id="rId9"/>
+    <p:sldId id="299" r:id="rId10"/>
+    <p:sldId id="300" r:id="rId11"/>
+    <p:sldId id="301" r:id="rId12"/>
+    <p:sldId id="302" r:id="rId13"/>
+    <p:sldId id="303" r:id="rId14"/>
+    <p:sldId id="304" r:id="rId15"/>
+    <p:sldId id="305" r:id="rId16"/>
   </p:sldIdLst>
   <p:sldSz cx="9144000" cy="6858000" type="screen4x3"/>
   <p:notesSz cx="6858000" cy="9144000"/>
@@ -207,7 +206,7 @@
           <a:p>
             <a:fld id="{12917036-4097-4A67-B82A-FD5C6195453D}" type="datetimeFigureOut">
               <a:rPr lang="zh-CN" altLang="en-US" smtClean="0"/>
-              <a:t>2018/2/3</a:t>
+              <a:t>2018/4/3</a:t>
             </a:fld>
             <a:endParaRPr lang="zh-CN" altLang="en-US"/>
           </a:p>
@@ -520,68 +519,29 @@
           <a:lstStyle/>
           <a:p>
             <a:r>
+              <a:rPr lang="en-US" altLang="zh-CN" dirty="0" err="1" smtClean="0"/>
+              <a:t>jdbc:mysql</a:t>
+            </a:r>
+            <a:r>
               <a:rPr lang="en-US" altLang="zh-CN" dirty="0" smtClean="0"/>
-              <a:t>import </a:t>
+              <a:t>://localhost:3306/</a:t>
             </a:r>
             <a:r>
               <a:rPr lang="en-US" altLang="zh-CN" dirty="0" err="1" smtClean="0"/>
-              <a:t>com.jin.com.SHA</a:t>
+              <a:t>test?useUnicode</a:t>
             </a:r>
             <a:r>
               <a:rPr lang="en-US" altLang="zh-CN" dirty="0" smtClean="0"/>
-              <a:t>;</a:t>
-            </a:r>
-          </a:p>
-          <a:p>
+              <a:t>=</a:t>
+            </a:r>
+            <a:r>
+              <a:rPr lang="en-US" altLang="zh-CN" dirty="0" err="1" smtClean="0"/>
+              <a:t>true&amp;characterEncoding</a:t>
+            </a:r>
             <a:r>
               <a:rPr lang="en-US" altLang="zh-CN" dirty="0" smtClean="0"/>
-              <a:t>String result=</a:t>
-            </a:r>
-            <a:r>
-              <a:rPr lang="en-US" altLang="zh-CN" dirty="0" err="1" smtClean="0"/>
-              <a:t>SHA.getResult</a:t>
-            </a:r>
-            <a:r>
-              <a:rPr lang="en-US" altLang="zh-CN" dirty="0" smtClean="0"/>
-              <a:t>("hello");</a:t>
-            </a:r>
-          </a:p>
-          <a:p>
-            <a:r>
-              <a:rPr lang="en-US" altLang="zh-CN" dirty="0" smtClean="0"/>
-              <a:t> </a:t>
-            </a:r>
-            <a:r>
-              <a:rPr lang="en-US" altLang="zh-CN" dirty="0" err="1" smtClean="0"/>
-              <a:t>System.out.println</a:t>
-            </a:r>
-            <a:r>
-              <a:rPr lang="en-US" altLang="zh-CN" dirty="0" smtClean="0"/>
-              <a:t>(result); </a:t>
-            </a:r>
-          </a:p>
-          <a:p>
-            <a:r>
-              <a:rPr lang="en-US" altLang="zh-CN" dirty="0" err="1" smtClean="0"/>
-              <a:t>vars.put</a:t>
-            </a:r>
-            <a:r>
-              <a:rPr lang="en-US" altLang="zh-CN" dirty="0" smtClean="0"/>
-              <a:t>("</a:t>
-            </a:r>
-            <a:r>
-              <a:rPr lang="en-US" altLang="zh-CN" dirty="0" err="1" smtClean="0"/>
-              <a:t>sha</a:t>
-            </a:r>
-            <a:r>
-              <a:rPr lang="en-US" altLang="zh-CN" dirty="0" smtClean="0"/>
-              <a:t>",result);</a:t>
-            </a:r>
-          </a:p>
-          <a:p>
-            <a:endParaRPr lang="en-US" altLang="zh-CN" dirty="0" smtClean="0"/>
-          </a:p>
-          <a:p>
+              <a:t>=utf8&amp;allowMultiQueries=true</a:t>
+            </a:r>
             <a:endParaRPr lang="zh-CN" altLang="en-US" dirty="0"/>
           </a:p>
         </p:txBody>
@@ -603,7 +563,7 @@
           <a:p>
             <a:fld id="{492130AA-67D2-4DB7-A4EE-A3ADA8CA71A6}" type="slidenum">
               <a:rPr lang="zh-CN" altLang="en-US" smtClean="0"/>
-              <a:t>8</a:t>
+              <a:t>9</a:t>
             </a:fld>
             <a:endParaRPr lang="zh-CN" altLang="en-US"/>
           </a:p>
@@ -612,7 +572,7 @@
     </p:spTree>
     <p:extLst>
       <p:ext uri="{BB962C8B-B14F-4D97-AF65-F5344CB8AC3E}">
-        <p14:creationId xmlns:p14="http://schemas.microsoft.com/office/powerpoint/2010/main" val="3375514275"/>
+        <p14:creationId xmlns:p14="http://schemas.microsoft.com/office/powerpoint/2010/main" val="3909275698"/>
       </p:ext>
     </p:extLst>
   </p:cSld>
@@ -666,26 +626,6 @@
           <a:bodyPr/>
           <a:lstStyle/>
           <a:p>
-            <a:r>
-              <a:rPr lang="en-US" altLang="zh-CN" dirty="0" smtClean="0"/>
-              <a:t>/</a:t>
-            </a:r>
-            <a:r>
-              <a:rPr lang="en-US" altLang="zh-CN" dirty="0" err="1" smtClean="0"/>
-              <a:t>webservices</a:t>
-            </a:r>
-            <a:r>
-              <a:rPr lang="en-US" altLang="zh-CN" dirty="0" smtClean="0"/>
-              <a:t>/qqOnlineWebService.asmx</a:t>
-            </a:r>
-            <a:r>
-              <a:rPr lang="zh-CN" altLang="en-US" dirty="0" smtClean="0"/>
-              <a:t>找不到</a:t>
-            </a:r>
-            <a:r>
-              <a:rPr lang="zh-CN" altLang="en-US" dirty="0" smtClean="0"/>
-              <a:t>，需要插件安装</a:t>
-            </a:r>
             <a:endParaRPr lang="zh-CN" altLang="en-US" dirty="0"/>
           </a:p>
         </p:txBody>
@@ -707,7 +647,7 @@
           <a:p>
             <a:fld id="{492130AA-67D2-4DB7-A4EE-A3ADA8CA71A6}" type="slidenum">
               <a:rPr lang="zh-CN" altLang="en-US" smtClean="0"/>
-              <a:t>9</a:t>
+              <a:t>10</a:t>
             </a:fld>
             <a:endParaRPr lang="zh-CN" altLang="en-US"/>
           </a:p>
@@ -716,7 +656,7 @@
     </p:spTree>
     <p:extLst>
       <p:ext uri="{BB962C8B-B14F-4D97-AF65-F5344CB8AC3E}">
-        <p14:creationId xmlns:p14="http://schemas.microsoft.com/office/powerpoint/2010/main" val="137671309"/>
+        <p14:creationId xmlns:p14="http://schemas.microsoft.com/office/powerpoint/2010/main" val="1015842734"/>
       </p:ext>
     </p:extLst>
   </p:cSld>
@@ -791,7 +731,7 @@
           <a:p>
             <a:fld id="{492130AA-67D2-4DB7-A4EE-A3ADA8CA71A6}" type="slidenum">
               <a:rPr lang="zh-CN" altLang="en-US" smtClean="0"/>
-              <a:t>14</a:t>
+              <a:t>11</a:t>
             </a:fld>
             <a:endParaRPr lang="zh-CN" altLang="en-US"/>
           </a:p>
@@ -800,7 +740,7 @@
     </p:spTree>
     <p:extLst>
       <p:ext uri="{BB962C8B-B14F-4D97-AF65-F5344CB8AC3E}">
-        <p14:creationId xmlns:p14="http://schemas.microsoft.com/office/powerpoint/2010/main" val="1015842734"/>
+        <p14:creationId xmlns:p14="http://schemas.microsoft.com/office/powerpoint/2010/main" val="2717083285"/>
       </p:ext>
     </p:extLst>
   </p:cSld>
@@ -875,7 +815,7 @@
           <a:p>
             <a:fld id="{492130AA-67D2-4DB7-A4EE-A3ADA8CA71A6}" type="slidenum">
               <a:rPr lang="zh-CN" altLang="en-US" smtClean="0"/>
-              <a:t>15</a:t>
+              <a:t>12</a:t>
             </a:fld>
             <a:endParaRPr lang="zh-CN" altLang="en-US"/>
           </a:p>
@@ -884,7 +824,238 @@
     </p:spTree>
     <p:extLst>
       <p:ext uri="{BB962C8B-B14F-4D97-AF65-F5344CB8AC3E}">
-        <p14:creationId xmlns:p14="http://schemas.microsoft.com/office/powerpoint/2010/main" val="2717083285"/>
+        <p14:creationId xmlns:p14="http://schemas.microsoft.com/office/powerpoint/2010/main" val="2713805386"/>
+      </p:ext>
+    </p:extLst>
+  </p:cSld>
+  <p:clrMapOvr>
+    <a:masterClrMapping/>
+  </p:clrMapOvr>
+</p:notes>
+</file>
+
+<file path=ppt/notesSlides/notesSlide5.xml><?xml version="1.0" encoding="utf-8"?>
+<p:notes xmlns:a="http://schemas.openxmlformats.org/drawingml/2006/main" xmlns:r="http://schemas.openxmlformats.org/officeDocument/2006/relationships" xmlns:p="http://schemas.openxmlformats.org/presentationml/2006/main">
+  <p:cSld>
+    <p:spTree>
+      <p:nvGrpSpPr>
+        <p:cNvPr id="1" name=""/>
+        <p:cNvGrpSpPr/>
+        <p:nvPr/>
+      </p:nvGrpSpPr>
+      <p:grpSpPr>
+        <a:xfrm>
+          <a:off x="0" y="0"/>
+          <a:ext cx="0" cy="0"/>
+          <a:chOff x="0" y="0"/>
+          <a:chExt cx="0" cy="0"/>
+        </a:xfrm>
+      </p:grpSpPr>
+      <p:sp>
+        <p:nvSpPr>
+          <p:cNvPr id="2" name="幻灯片图像占位符 1"/>
+          <p:cNvSpPr>
+            <a:spLocks noGrp="1" noRot="1" noChangeAspect="1"/>
+          </p:cNvSpPr>
+          <p:nvPr>
+            <p:ph type="sldImg"/>
+          </p:nvPr>
+        </p:nvSpPr>
+        <p:spPr/>
+      </p:sp>
+      <p:sp>
+        <p:nvSpPr>
+          <p:cNvPr id="3" name="备注占位符 2"/>
+          <p:cNvSpPr>
+            <a:spLocks noGrp="1"/>
+          </p:cNvSpPr>
+          <p:nvPr>
+            <p:ph type="body" idx="1"/>
+          </p:nvPr>
+        </p:nvSpPr>
+        <p:spPr/>
+        <p:txBody>
+          <a:bodyPr/>
+          <a:lstStyle/>
+          <a:p>
+            <a:r>
+              <a:rPr lang="en-US" altLang="zh-CN" dirty="0" smtClean="0"/>
+              <a:t>import </a:t>
+            </a:r>
+            <a:r>
+              <a:rPr lang="en-US" altLang="zh-CN" dirty="0" err="1" smtClean="0"/>
+              <a:t>com.jin.com.SHA</a:t>
+            </a:r>
+            <a:r>
+              <a:rPr lang="en-US" altLang="zh-CN" dirty="0" smtClean="0"/>
+              <a:t>;</a:t>
+            </a:r>
+          </a:p>
+          <a:p>
+            <a:r>
+              <a:rPr lang="en-US" altLang="zh-CN" dirty="0" smtClean="0"/>
+              <a:t>String result=</a:t>
+            </a:r>
+            <a:r>
+              <a:rPr lang="en-US" altLang="zh-CN" dirty="0" err="1" smtClean="0"/>
+              <a:t>SHA.getResult</a:t>
+            </a:r>
+            <a:r>
+              <a:rPr lang="en-US" altLang="zh-CN" dirty="0" smtClean="0"/>
+              <a:t>("hello");</a:t>
+            </a:r>
+          </a:p>
+          <a:p>
+            <a:r>
+              <a:rPr lang="en-US" altLang="zh-CN" dirty="0" err="1" smtClean="0"/>
+              <a:t>System.out.println</a:t>
+            </a:r>
+            <a:r>
+              <a:rPr lang="en-US" altLang="zh-CN" dirty="0" smtClean="0"/>
+              <a:t>(result); </a:t>
+            </a:r>
+          </a:p>
+          <a:p>
+            <a:r>
+              <a:rPr lang="en-US" altLang="zh-CN" dirty="0" err="1" smtClean="0"/>
+              <a:t>vars.put</a:t>
+            </a:r>
+            <a:r>
+              <a:rPr lang="en-US" altLang="zh-CN" dirty="0" smtClean="0"/>
+              <a:t>("</a:t>
+            </a:r>
+            <a:r>
+              <a:rPr lang="en-US" altLang="zh-CN" dirty="0" err="1" smtClean="0"/>
+              <a:t>sha</a:t>
+            </a:r>
+            <a:r>
+              <a:rPr lang="en-US" altLang="zh-CN" dirty="0" smtClean="0"/>
+              <a:t>",result);</a:t>
+            </a:r>
+          </a:p>
+          <a:p>
+            <a:endParaRPr lang="en-US" altLang="zh-CN" dirty="0" smtClean="0"/>
+          </a:p>
+          <a:p>
+            <a:endParaRPr lang="zh-CN" altLang="en-US" dirty="0"/>
+          </a:p>
+        </p:txBody>
+      </p:sp>
+      <p:sp>
+        <p:nvSpPr>
+          <p:cNvPr id="4" name="灯片编号占位符 3"/>
+          <p:cNvSpPr>
+            <a:spLocks noGrp="1"/>
+          </p:cNvSpPr>
+          <p:nvPr>
+            <p:ph type="sldNum" sz="quarter" idx="10"/>
+          </p:nvPr>
+        </p:nvSpPr>
+        <p:spPr/>
+        <p:txBody>
+          <a:bodyPr/>
+          <a:lstStyle/>
+          <a:p>
+            <a:fld id="{492130AA-67D2-4DB7-A4EE-A3ADA8CA71A6}" type="slidenum">
+              <a:rPr lang="zh-CN" altLang="en-US" smtClean="0"/>
+              <a:t>13</a:t>
+            </a:fld>
+            <a:endParaRPr lang="zh-CN" altLang="en-US"/>
+          </a:p>
+        </p:txBody>
+      </p:sp>
+    </p:spTree>
+    <p:extLst>
+      <p:ext uri="{BB962C8B-B14F-4D97-AF65-F5344CB8AC3E}">
+        <p14:creationId xmlns:p14="http://schemas.microsoft.com/office/powerpoint/2010/main" val="3375514275"/>
+      </p:ext>
+    </p:extLst>
+  </p:cSld>
+  <p:clrMapOvr>
+    <a:masterClrMapping/>
+  </p:clrMapOvr>
+</p:notes>
+</file>
+
+<file path=ppt/notesSlides/notesSlide6.xml><?xml version="1.0" encoding="utf-8"?>
+<p:notes xmlns:a="http://schemas.openxmlformats.org/drawingml/2006/main" xmlns:r="http://schemas.openxmlformats.org/officeDocument/2006/relationships" xmlns:p="http://schemas.openxmlformats.org/presentationml/2006/main">
+  <p:cSld>
+    <p:spTree>
+      <p:nvGrpSpPr>
+        <p:cNvPr id="1" name=""/>
+        <p:cNvGrpSpPr/>
+        <p:nvPr/>
+      </p:nvGrpSpPr>
+      <p:grpSpPr>
+        <a:xfrm>
+          <a:off x="0" y="0"/>
+          <a:ext cx="0" cy="0"/>
+          <a:chOff x="0" y="0"/>
+          <a:chExt cx="0" cy="0"/>
+        </a:xfrm>
+      </p:grpSpPr>
+      <p:sp>
+        <p:nvSpPr>
+          <p:cNvPr id="2" name="幻灯片图像占位符 1"/>
+          <p:cNvSpPr>
+            <a:spLocks noGrp="1" noRot="1" noChangeAspect="1"/>
+          </p:cNvSpPr>
+          <p:nvPr>
+            <p:ph type="sldImg"/>
+          </p:nvPr>
+        </p:nvSpPr>
+        <p:spPr/>
+      </p:sp>
+      <p:sp>
+        <p:nvSpPr>
+          <p:cNvPr id="3" name="备注占位符 2"/>
+          <p:cNvSpPr>
+            <a:spLocks noGrp="1"/>
+          </p:cNvSpPr>
+          <p:nvPr>
+            <p:ph type="body" idx="1"/>
+          </p:nvPr>
+        </p:nvSpPr>
+        <p:spPr/>
+        <p:txBody>
+          <a:bodyPr/>
+          <a:lstStyle/>
+          <a:p>
+            <a:r>
+              <a:rPr lang="en-US" altLang="zh-CN" dirty="0" smtClean="0"/>
+              <a:t>http://www.webxml.com.cn/zh_cn/web_services.aspx?offset=2</a:t>
+            </a:r>
+            <a:endParaRPr lang="zh-CN" altLang="en-US" dirty="0"/>
+          </a:p>
+        </p:txBody>
+      </p:sp>
+      <p:sp>
+        <p:nvSpPr>
+          <p:cNvPr id="4" name="灯片编号占位符 3"/>
+          <p:cNvSpPr>
+            <a:spLocks noGrp="1"/>
+          </p:cNvSpPr>
+          <p:nvPr>
+            <p:ph type="sldNum" sz="quarter" idx="10"/>
+          </p:nvPr>
+        </p:nvSpPr>
+        <p:spPr/>
+        <p:txBody>
+          <a:bodyPr/>
+          <a:lstStyle/>
+          <a:p>
+            <a:fld id="{492130AA-67D2-4DB7-A4EE-A3ADA8CA71A6}" type="slidenum">
+              <a:rPr lang="zh-CN" altLang="en-US" smtClean="0"/>
+              <a:t>14</a:t>
+            </a:fld>
+            <a:endParaRPr lang="zh-CN" altLang="en-US"/>
+          </a:p>
+        </p:txBody>
+      </p:sp>
+    </p:spTree>
+    <p:extLst>
+      <p:ext uri="{BB962C8B-B14F-4D97-AF65-F5344CB8AC3E}">
+        <p14:creationId xmlns:p14="http://schemas.microsoft.com/office/powerpoint/2010/main" val="137671309"/>
       </p:ext>
     </p:extLst>
   </p:cSld>
@@ -928,7 +1099,7 @@
           <a:p>
             <a:fld id="{530820CF-B880-4189-942D-D702A7CBA730}" type="datetimeFigureOut">
               <a:rPr lang="zh-CN" altLang="en-US" smtClean="0"/>
-              <a:t>2018/2/3</a:t>
+              <a:t>2018/4/3</a:t>
             </a:fld>
             <a:endParaRPr lang="zh-CN" altLang="en-US"/>
           </a:p>
@@ -3337,7 +3508,7 @@
           <a:p>
             <a:fld id="{530820CF-B880-4189-942D-D702A7CBA730}" type="datetimeFigureOut">
               <a:rPr lang="zh-CN" altLang="en-US" smtClean="0"/>
-              <a:t>2018/2/3</a:t>
+              <a:t>2018/4/3</a:t>
             </a:fld>
             <a:endParaRPr lang="zh-CN" altLang="en-US"/>
           </a:p>
@@ -5257,7 +5428,7 @@
           <a:p>
             <a:fld id="{530820CF-B880-4189-942D-D702A7CBA730}" type="datetimeFigureOut">
               <a:rPr lang="zh-CN" altLang="en-US" smtClean="0"/>
-              <a:t>2018/2/3</a:t>
+              <a:t>2018/4/3</a:t>
             </a:fld>
             <a:endParaRPr lang="zh-CN" altLang="en-US"/>
           </a:p>
@@ -5886,7 +6057,7 @@
                 <a:latin typeface="华文楷体" panose="02010600040101010101" pitchFamily="2" charset="-122"/>
                 <a:ea typeface="华文楷体" panose="02010600040101010101" pitchFamily="2" charset="-122"/>
               </a:rPr>
-              <a:t>Jmeter</a:t>
+              <a:t>JMeter</a:t>
             </a:r>
             <a:r>
               <a:rPr lang="zh-CN" altLang="en-US" sz="4800" b="1" dirty="0" smtClean="0">
@@ -5946,124 +6117,16 @@
           <a:chExt cx="0" cy="0"/>
         </a:xfrm>
       </p:grpSpPr>
-      <p:sp>
-        <p:nvSpPr>
-          <p:cNvPr id="2" name="内容占位符 1"/>
-          <p:cNvSpPr>
-            <a:spLocks noGrp="1"/>
-          </p:cNvSpPr>
-          <p:nvPr>
-            <p:ph idx="1"/>
-          </p:nvPr>
-        </p:nvSpPr>
-        <p:spPr>
-          <a:xfrm>
-            <a:off x="539552" y="1124744"/>
-            <a:ext cx="8229600" cy="4525963"/>
-          </a:xfrm>
-        </p:spPr>
-        <p:txBody>
-          <a:bodyPr/>
-          <a:lstStyle/>
-          <a:p>
-            <a:pPr marL="0" indent="0">
-              <a:buNone/>
-            </a:pPr>
-            <a:r>
-              <a:rPr lang="en-US" altLang="zh-CN" dirty="0"/>
-              <a:t>Jmeter3.2</a:t>
-            </a:r>
-            <a:r>
-              <a:rPr lang="zh-CN" altLang="en-US" dirty="0"/>
-              <a:t>版本就</a:t>
-            </a:r>
-            <a:r>
-              <a:rPr lang="zh-CN" altLang="en-US" dirty="0" smtClean="0"/>
-              <a:t>没有</a:t>
-            </a:r>
-            <a:r>
-              <a:rPr lang="en-US" altLang="zh-CN" i="1" dirty="0"/>
-              <a:t>SOAP</a:t>
-            </a:r>
-            <a:r>
-              <a:rPr lang="en-US" altLang="zh-CN" dirty="0"/>
-              <a:t>/XML-RPC Request</a:t>
-            </a:r>
-            <a:r>
-              <a:rPr lang="zh-CN" altLang="en-US" dirty="0" smtClean="0"/>
-              <a:t>了</a:t>
-            </a:r>
-            <a:r>
-              <a:rPr lang="zh-CN" altLang="en-US" dirty="0"/>
-              <a:t>；可以直接使用</a:t>
-            </a:r>
-            <a:r>
-              <a:rPr lang="en-US" altLang="zh-CN" dirty="0">
-                <a:solidFill>
-                  <a:srgbClr val="FF0000"/>
-                </a:solidFill>
-              </a:rPr>
-              <a:t>HTTP</a:t>
-            </a:r>
-            <a:r>
-              <a:rPr lang="zh-CN" altLang="en-US" dirty="0">
-                <a:solidFill>
-                  <a:srgbClr val="FF0000"/>
-                </a:solidFill>
-              </a:rPr>
-              <a:t>请求</a:t>
-            </a:r>
-            <a:r>
-              <a:rPr lang="zh-CN" altLang="en-US" dirty="0"/>
-              <a:t>来进行发送</a:t>
-            </a:r>
-            <a:r>
-              <a:rPr lang="en-US" altLang="zh-CN" dirty="0"/>
-              <a:t>SOAP</a:t>
-            </a:r>
-            <a:r>
-              <a:rPr lang="zh-CN" altLang="en-US" dirty="0"/>
-              <a:t>请求进行测试</a:t>
-            </a:r>
-          </a:p>
-        </p:txBody>
-      </p:sp>
-      <p:sp>
-        <p:nvSpPr>
-          <p:cNvPr id="3" name="标题 2"/>
-          <p:cNvSpPr>
-            <a:spLocks noGrp="1"/>
-          </p:cNvSpPr>
-          <p:nvPr>
-            <p:ph type="title"/>
-          </p:nvPr>
-        </p:nvSpPr>
-        <p:spPr/>
-        <p:txBody>
-          <a:bodyPr/>
-          <a:lstStyle/>
-          <a:p>
-            <a:r>
-              <a:rPr lang="en-US" altLang="zh-CN" dirty="0" err="1"/>
-              <a:t>WebService</a:t>
-            </a:r>
-            <a:r>
-              <a:rPr lang="zh-CN" altLang="en-US" dirty="0"/>
-              <a:t>测试</a:t>
-            </a:r>
-          </a:p>
-        </p:txBody>
-      </p:sp>
       <p:pic>
         <p:nvPicPr>
-          <p:cNvPr id="4" name="Picture 2"/>
+          <p:cNvPr id="2051" name="Picture 3"/>
           <p:cNvPicPr>
             <a:picLocks noChangeAspect="1" noChangeArrowheads="1"/>
           </p:cNvPicPr>
           <p:nvPr/>
         </p:nvPicPr>
         <p:blipFill>
-          <a:blip r:embed="rId2">
+          <a:blip r:embed="rId3">
             <a:extLst>
               <a:ext uri="{28A0092B-C50C-407E-A947-70E740481C1C}">
                 <a14:useLocalDpi xmlns:a14="http://schemas.microsoft.com/office/drawing/2010/main" val="0"/>
@@ -6077,8 +6140,265 @@
         </p:blipFill>
         <p:spPr bwMode="auto">
           <a:xfrm>
-            <a:off x="1403648" y="2924944"/>
-            <a:ext cx="5809367" cy="2636912"/>
+            <a:off x="-34178" y="1124744"/>
+            <a:ext cx="9064007" cy="4896544"/>
+          </a:xfrm>
+          <a:prstGeom prst="rect">
+            <a:avLst/>
+          </a:prstGeom>
+          <a:noFill/>
+          <a:ln>
+            <a:noFill/>
+          </a:ln>
+          <a:effectLst/>
+          <a:extLst>
+            <a:ext uri="{909E8E84-426E-40DD-AFC4-6F175D3DCCD1}">
+              <a14:hiddenFill xmlns:a14="http://schemas.microsoft.com/office/drawing/2010/main">
+                <a:solidFill>
+                  <a:schemeClr val="accent1"/>
+                </a:solidFill>
+              </a14:hiddenFill>
+            </a:ext>
+            <a:ext uri="{91240B29-F687-4F45-9708-019B960494DF}">
+              <a14:hiddenLine xmlns:a14="http://schemas.microsoft.com/office/drawing/2010/main" w="9525">
+                <a:solidFill>
+                  <a:schemeClr val="tx1"/>
+                </a:solidFill>
+                <a:miter lim="800000"/>
+                <a:headEnd/>
+                <a:tailEnd/>
+              </a14:hiddenLine>
+            </a:ext>
+            <a:ext uri="{AF507438-7753-43E0-B8FC-AC1667EBCBE1}">
+              <a14:hiddenEffects xmlns:a14="http://schemas.microsoft.com/office/drawing/2010/main">
+                <a:effectLst>
+                  <a:outerShdw dist="35921" dir="2700000" algn="ctr" rotWithShape="0">
+                    <a:schemeClr val="bg2"/>
+                  </a:outerShdw>
+                </a:effectLst>
+              </a14:hiddenEffects>
+            </a:ext>
+          </a:extLst>
+        </p:spPr>
+      </p:pic>
+      <p:sp>
+        <p:nvSpPr>
+          <p:cNvPr id="2" name="矩形 1"/>
+          <p:cNvSpPr/>
+          <p:nvPr/>
+        </p:nvSpPr>
+        <p:spPr>
+          <a:xfrm>
+            <a:off x="2676288" y="55070"/>
+            <a:ext cx="3791424" cy="707886"/>
+          </a:xfrm>
+          <a:prstGeom prst="rect">
+            <a:avLst/>
+          </a:prstGeom>
+        </p:spPr>
+        <p:txBody>
+          <a:bodyPr wrap="none">
+            <a:spAutoFit/>
+          </a:bodyPr>
+          <a:lstStyle/>
+          <a:p>
+            <a:pPr algn="ctr">
+              <a:spcBef>
+                <a:spcPct val="0"/>
+              </a:spcBef>
+            </a:pPr>
+            <a:r>
+              <a:rPr lang="en-US" altLang="zh-CN" sz="4000" b="1" dirty="0" err="1" smtClean="0">
+                <a:solidFill>
+                  <a:schemeClr val="bg1"/>
+                </a:solidFill>
+                <a:latin typeface="+mn-ea"/>
+                <a:cs typeface="+mj-cs"/>
+              </a:rPr>
+              <a:t>JMeter</a:t>
+            </a:r>
+            <a:r>
+              <a:rPr lang="zh-CN" altLang="en-US" sz="4000" b="1" dirty="0" smtClean="0">
+                <a:solidFill>
+                  <a:schemeClr val="bg1"/>
+                </a:solidFill>
+                <a:latin typeface="+mn-ea"/>
+                <a:cs typeface="+mj-cs"/>
+              </a:rPr>
+              <a:t>之数据库</a:t>
+            </a:r>
+            <a:endParaRPr lang="zh-CN" altLang="en-US" sz="4000" b="1" dirty="0">
+              <a:solidFill>
+                <a:schemeClr val="bg1"/>
+              </a:solidFill>
+              <a:latin typeface="+mn-ea"/>
+              <a:cs typeface="+mj-cs"/>
+            </a:endParaRPr>
+          </a:p>
+        </p:txBody>
+      </p:sp>
+    </p:spTree>
+    <p:extLst>
+      <p:ext uri="{BB962C8B-B14F-4D97-AF65-F5344CB8AC3E}">
+        <p14:creationId xmlns:p14="http://schemas.microsoft.com/office/powerpoint/2010/main" val="1211084464"/>
+      </p:ext>
+    </p:extLst>
+  </p:cSld>
+  <p:clrMapOvr>
+    <a:masterClrMapping/>
+  </p:clrMapOvr>
+  <p:timing>
+    <p:tnLst>
+      <p:par>
+        <p:cTn id="1" dur="indefinite" restart="never" nodeType="tmRoot"/>
+      </p:par>
+    </p:tnLst>
+  </p:timing>
+</p:sld>
+</file>
+
+<file path=ppt/slides/slide11.xml><?xml version="1.0" encoding="utf-8"?>
+<p:sld xmlns:a="http://schemas.openxmlformats.org/drawingml/2006/main" xmlns:r="http://schemas.openxmlformats.org/officeDocument/2006/relationships" xmlns:p="http://schemas.openxmlformats.org/presentationml/2006/main">
+  <p:cSld>
+    <p:spTree>
+      <p:nvGrpSpPr>
+        <p:cNvPr id="1" name=""/>
+        <p:cNvGrpSpPr/>
+        <p:nvPr/>
+      </p:nvGrpSpPr>
+      <p:grpSpPr>
+        <a:xfrm>
+          <a:off x="0" y="0"/>
+          <a:ext cx="0" cy="0"/>
+          <a:chOff x="0" y="0"/>
+          <a:chExt cx="0" cy="0"/>
+        </a:xfrm>
+      </p:grpSpPr>
+      <p:sp>
+        <p:nvSpPr>
+          <p:cNvPr id="2" name="内容占位符 1"/>
+          <p:cNvSpPr>
+            <a:spLocks noGrp="1"/>
+          </p:cNvSpPr>
+          <p:nvPr>
+            <p:ph idx="1"/>
+          </p:nvPr>
+        </p:nvSpPr>
+        <p:spPr>
+          <a:xfrm>
+            <a:off x="539552" y="980728"/>
+            <a:ext cx="8229600" cy="4525963"/>
+          </a:xfrm>
+        </p:spPr>
+        <p:txBody>
+          <a:bodyPr/>
+          <a:lstStyle/>
+          <a:p>
+            <a:r>
+              <a:rPr lang="zh-CN" altLang="en-US" dirty="0" smtClean="0"/>
+              <a:t>实现</a:t>
+            </a:r>
+            <a:r>
+              <a:rPr lang="en-US" altLang="zh-CN" dirty="0" err="1" smtClean="0"/>
+              <a:t>jdbc</a:t>
+            </a:r>
+            <a:r>
+              <a:rPr lang="zh-CN" altLang="en-US" dirty="0" smtClean="0"/>
+              <a:t>请求与</a:t>
+            </a:r>
+            <a:r>
+              <a:rPr lang="en-US" altLang="zh-CN" dirty="0" smtClean="0"/>
+              <a:t>http</a:t>
+            </a:r>
+            <a:r>
+              <a:rPr lang="zh-CN" altLang="en-US" dirty="0" smtClean="0"/>
+              <a:t>请求的关联</a:t>
+            </a:r>
+            <a:endParaRPr lang="zh-CN" altLang="en-US" dirty="0"/>
+          </a:p>
+        </p:txBody>
+      </p:sp>
+      <p:sp>
+        <p:nvSpPr>
+          <p:cNvPr id="5" name="标题 4"/>
+          <p:cNvSpPr>
+            <a:spLocks noGrp="1"/>
+          </p:cNvSpPr>
+          <p:nvPr>
+            <p:ph type="title"/>
+          </p:nvPr>
+        </p:nvSpPr>
+        <p:spPr>
+          <a:prstGeom prst="rect">
+            <a:avLst/>
+          </a:prstGeom>
+        </p:spPr>
+        <p:txBody>
+          <a:bodyPr wrap="none">
+            <a:spAutoFit/>
+          </a:bodyPr>
+          <a:lstStyle/>
+          <a:p>
+            <a:pPr algn="ctr">
+              <a:spcBef>
+                <a:spcPct val="0"/>
+              </a:spcBef>
+            </a:pPr>
+            <a:r>
+              <a:rPr lang="en-US" altLang="zh-CN" sz="4000" b="1" dirty="0" err="1" smtClean="0">
+                <a:solidFill>
+                  <a:schemeClr val="bg1"/>
+                </a:solidFill>
+                <a:latin typeface="+mn-ea"/>
+                <a:cs typeface="+mj-cs"/>
+              </a:rPr>
+              <a:t>JMeter</a:t>
+            </a:r>
+            <a:r>
+              <a:rPr lang="zh-CN" altLang="en-US" sz="4000" b="1" dirty="0" smtClean="0">
+                <a:solidFill>
+                  <a:schemeClr val="bg1"/>
+                </a:solidFill>
+                <a:latin typeface="+mn-ea"/>
+                <a:cs typeface="+mj-cs"/>
+              </a:rPr>
+              <a:t>之数据库</a:t>
+            </a:r>
+            <a:endParaRPr lang="zh-CN" altLang="en-US" sz="4000" b="1" dirty="0">
+              <a:solidFill>
+                <a:schemeClr val="bg1"/>
+              </a:solidFill>
+              <a:latin typeface="+mn-ea"/>
+              <a:cs typeface="+mj-cs"/>
+            </a:endParaRPr>
+          </a:p>
+        </p:txBody>
+      </p:sp>
+      <p:pic>
+        <p:nvPicPr>
+          <p:cNvPr id="4" name="Picture 2"/>
+          <p:cNvPicPr>
+            <a:picLocks noChangeAspect="1" noChangeArrowheads="1"/>
+          </p:cNvPicPr>
+          <p:nvPr/>
+        </p:nvPicPr>
+        <p:blipFill>
+          <a:blip r:embed="rId3">
+            <a:extLst>
+              <a:ext uri="{28A0092B-C50C-407E-A947-70E740481C1C}">
+                <a14:useLocalDpi xmlns:a14="http://schemas.microsoft.com/office/drawing/2010/main" val="0"/>
+              </a:ext>
+            </a:extLst>
+          </a:blip>
+          <a:srcRect/>
+          <a:stretch>
+            <a:fillRect/>
+          </a:stretch>
+        </p:blipFill>
+        <p:spPr bwMode="auto">
+          <a:xfrm>
+            <a:off x="1115616" y="1772816"/>
+            <a:ext cx="6076950" cy="4143375"/>
           </a:xfrm>
           <a:prstGeom prst="rect">
             <a:avLst/>
@@ -6121,255 +6441,13 @@
     </p:spTree>
     <p:extLst>
       <p:ext uri="{BB962C8B-B14F-4D97-AF65-F5344CB8AC3E}">
-        <p14:creationId xmlns:p14="http://schemas.microsoft.com/office/powerpoint/2010/main" val="2340059308"/>
+        <p14:creationId xmlns:p14="http://schemas.microsoft.com/office/powerpoint/2010/main" val="3805770668"/>
       </p:ext>
     </p:extLst>
   </p:cSld>
   <p:clrMapOvr>
     <a:masterClrMapping/>
   </p:clrMapOvr>
-  <p:timing>
-    <p:tnLst>
-      <p:par>
-        <p:cTn id="1" dur="indefinite" restart="never" nodeType="tmRoot"/>
-      </p:par>
-    </p:tnLst>
-  </p:timing>
-</p:sld>
-</file>
-
-<file path=ppt/slides/slide11.xml><?xml version="1.0" encoding="utf-8"?>
-<p:sld xmlns:a="http://schemas.openxmlformats.org/drawingml/2006/main" xmlns:r="http://schemas.openxmlformats.org/officeDocument/2006/relationships" xmlns:p="http://schemas.openxmlformats.org/presentationml/2006/main">
-  <p:cSld>
-    <p:spTree>
-      <p:nvGrpSpPr>
-        <p:cNvPr id="1" name=""/>
-        <p:cNvGrpSpPr/>
-        <p:nvPr/>
-      </p:nvGrpSpPr>
-      <p:grpSpPr>
-        <a:xfrm>
-          <a:off x="0" y="0"/>
-          <a:ext cx="0" cy="0"/>
-          <a:chOff x="0" y="0"/>
-          <a:chExt cx="0" cy="0"/>
-        </a:xfrm>
-      </p:grpSpPr>
-      <p:sp>
-        <p:nvSpPr>
-          <p:cNvPr id="2" name="内容占位符 1"/>
-          <p:cNvSpPr>
-            <a:spLocks noGrp="1"/>
-          </p:cNvSpPr>
-          <p:nvPr>
-            <p:ph idx="1"/>
-          </p:nvPr>
-        </p:nvSpPr>
-        <p:spPr/>
-        <p:txBody>
-          <a:bodyPr>
-            <a:normAutofit/>
-          </a:bodyPr>
-          <a:lstStyle/>
-          <a:p>
-            <a:pPr marL="0" indent="0">
-              <a:buFont typeface="Arial" pitchFamily="34" charset="0"/>
-              <a:buNone/>
-            </a:pPr>
-            <a:r>
-              <a:rPr lang="zh-CN" altLang="en-US" dirty="0">
-                <a:latin typeface="+mn-ea"/>
-              </a:rPr>
-              <a:t>步骤</a:t>
-            </a:r>
-            <a:endParaRPr lang="en-US" altLang="zh-CN" dirty="0">
-              <a:latin typeface="+mn-ea"/>
-            </a:endParaRPr>
-          </a:p>
-          <a:p>
-            <a:r>
-              <a:rPr lang="en-US" altLang="zh-CN" dirty="0" err="1">
-                <a:latin typeface="+mn-ea"/>
-              </a:rPr>
-              <a:t>badboy</a:t>
-            </a:r>
-            <a:r>
-              <a:rPr lang="zh-CN" altLang="en-US" dirty="0" smtClean="0">
-                <a:latin typeface="+mn-ea"/>
-              </a:rPr>
-              <a:t>录制</a:t>
-            </a:r>
-            <a:r>
-              <a:rPr lang="en-US" altLang="zh-CN" dirty="0" smtClean="0">
-                <a:latin typeface="+mn-ea"/>
-              </a:rPr>
-              <a:t>(</a:t>
-            </a:r>
-            <a:r>
-              <a:rPr lang="zh-CN" altLang="en-US" dirty="0" smtClean="0">
-                <a:latin typeface="+mn-ea"/>
-              </a:rPr>
-              <a:t>或者使用</a:t>
-            </a:r>
-            <a:r>
-              <a:rPr lang="en-US" altLang="zh-CN" dirty="0" smtClean="0">
-                <a:latin typeface="+mn-ea"/>
-              </a:rPr>
-              <a:t>fiddler</a:t>
-            </a:r>
-            <a:r>
-              <a:rPr lang="zh-CN" altLang="en-US" dirty="0" smtClean="0">
-                <a:latin typeface="+mn-ea"/>
-              </a:rPr>
-              <a:t>抓包</a:t>
-            </a:r>
-            <a:r>
-              <a:rPr lang="en-US" altLang="zh-CN" dirty="0" smtClean="0">
-                <a:latin typeface="+mn-ea"/>
-              </a:rPr>
-              <a:t>)</a:t>
-            </a:r>
-            <a:endParaRPr lang="en-US" altLang="zh-CN" dirty="0">
-              <a:latin typeface="+mn-ea"/>
-            </a:endParaRPr>
-          </a:p>
-          <a:p>
-            <a:r>
-              <a:rPr lang="zh-CN" altLang="en-US" dirty="0">
-                <a:latin typeface="+mn-ea"/>
-              </a:rPr>
-              <a:t>导入</a:t>
-            </a:r>
-            <a:r>
-              <a:rPr lang="en-US" altLang="zh-CN" dirty="0" err="1">
-                <a:latin typeface="+mn-ea"/>
-              </a:rPr>
-              <a:t>jmeter</a:t>
-            </a:r>
-            <a:endParaRPr lang="en-US" altLang="zh-CN" dirty="0">
-              <a:latin typeface="+mn-ea"/>
-            </a:endParaRPr>
-          </a:p>
-          <a:p>
-            <a:r>
-              <a:rPr lang="zh-CN" altLang="en-US" dirty="0">
-                <a:solidFill>
-                  <a:srgbClr val="FF0000"/>
-                </a:solidFill>
-                <a:latin typeface="+mn-ea"/>
-              </a:rPr>
-              <a:t>参数化、检查点、集合点</a:t>
-            </a:r>
-            <a:endParaRPr lang="en-US" altLang="zh-CN" dirty="0">
-              <a:solidFill>
-                <a:srgbClr val="FF0000"/>
-              </a:solidFill>
-              <a:latin typeface="+mn-ea"/>
-            </a:endParaRPr>
-          </a:p>
-          <a:p>
-            <a:r>
-              <a:rPr lang="zh-CN" altLang="en-US" dirty="0">
-                <a:latin typeface="+mn-ea"/>
-              </a:rPr>
-              <a:t>指标监控、资源监控</a:t>
-            </a:r>
-            <a:endParaRPr lang="en-US" altLang="zh-CN" dirty="0">
-              <a:latin typeface="+mn-ea"/>
-            </a:endParaRPr>
-          </a:p>
-          <a:p>
-            <a:r>
-              <a:rPr lang="zh-CN" altLang="en-US" dirty="0">
-                <a:latin typeface="+mn-ea"/>
-              </a:rPr>
-              <a:t>报告（可导入</a:t>
-            </a:r>
-            <a:r>
-              <a:rPr lang="zh-CN" altLang="en-US" dirty="0" smtClean="0">
-                <a:latin typeface="+mn-ea"/>
-              </a:rPr>
-              <a:t>到</a:t>
-            </a:r>
-            <a:r>
-              <a:rPr lang="en-US" altLang="zh-CN" dirty="0" err="1" smtClean="0">
-                <a:latin typeface="+mn-ea"/>
-              </a:rPr>
-              <a:t>xls</a:t>
-            </a:r>
-            <a:r>
-              <a:rPr lang="zh-CN" altLang="en-US" dirty="0" smtClean="0">
-                <a:latin typeface="+mn-ea"/>
-              </a:rPr>
-              <a:t>，并行</a:t>
-            </a:r>
-            <a:r>
-              <a:rPr lang="zh-CN" altLang="en-US" dirty="0">
-                <a:latin typeface="+mn-ea"/>
-              </a:rPr>
-              <a:t>生成报表</a:t>
-            </a:r>
-            <a:r>
-              <a:rPr lang="zh-CN" altLang="en-US" dirty="0">
-                <a:latin typeface="华文楷体" panose="02010600040101010101" pitchFamily="2" charset="-122"/>
-                <a:ea typeface="华文楷体" panose="02010600040101010101" pitchFamily="2" charset="-122"/>
-              </a:rPr>
-              <a:t>）</a:t>
-            </a:r>
-          </a:p>
-        </p:txBody>
-      </p:sp>
-      <p:sp>
-        <p:nvSpPr>
-          <p:cNvPr id="3" name="标题 2"/>
-          <p:cNvSpPr>
-            <a:spLocks noGrp="1"/>
-          </p:cNvSpPr>
-          <p:nvPr>
-            <p:ph type="title"/>
-          </p:nvPr>
-        </p:nvSpPr>
-        <p:spPr/>
-        <p:txBody>
-          <a:bodyPr/>
-          <a:lstStyle/>
-          <a:p>
-            <a:r>
-              <a:rPr lang="en-US" altLang="zh-CN" dirty="0" err="1"/>
-              <a:t>Jmeter</a:t>
-            </a:r>
-            <a:r>
-              <a:rPr lang="zh-CN" altLang="en-US" dirty="0"/>
-              <a:t>之</a:t>
-            </a:r>
-            <a:r>
-              <a:rPr lang="en-US" altLang="zh-CN" dirty="0"/>
-              <a:t>Web</a:t>
-            </a:r>
-            <a:r>
-              <a:rPr lang="zh-CN" altLang="en-US" dirty="0"/>
-              <a:t>程序</a:t>
-            </a:r>
-          </a:p>
-        </p:txBody>
-      </p:sp>
-    </p:spTree>
-    <p:extLst>
-      <p:ext uri="{BB962C8B-B14F-4D97-AF65-F5344CB8AC3E}">
-        <p14:creationId xmlns:p14="http://schemas.microsoft.com/office/powerpoint/2010/main" val="778531062"/>
-      </p:ext>
-    </p:extLst>
-  </p:cSld>
-  <p:clrMapOvr>
-    <a:masterClrMapping/>
-  </p:clrMapOvr>
-  <p:timing>
-    <p:tnLst>
-      <p:par>
-        <p:cTn id="1" dur="indefinite" restart="never" nodeType="tmRoot"/>
-      </p:par>
-    </p:tnLst>
-  </p:timing>
 </p:sld>
 </file>
 
@@ -6405,576 +6483,13 @@
           <a:bodyPr/>
           <a:lstStyle/>
           <a:p>
-            <a:r>
-              <a:rPr lang="zh-CN" altLang="en-US" dirty="0" smtClean="0">
-                <a:latin typeface="+mn-ea"/>
-              </a:rPr>
-              <a:t>需求：</a:t>
-            </a:r>
-            <a:endParaRPr lang="en-US" altLang="zh-CN" dirty="0" smtClean="0">
-              <a:latin typeface="+mn-ea"/>
-            </a:endParaRPr>
-          </a:p>
-          <a:p>
-            <a:pPr lvl="1"/>
-            <a:r>
-              <a:rPr lang="zh-CN" altLang="en-US" dirty="0">
-                <a:latin typeface="+mn-ea"/>
-              </a:rPr>
-              <a:t>上</a:t>
-            </a:r>
-            <a:r>
-              <a:rPr lang="zh-CN" altLang="en-US" dirty="0" smtClean="0">
-                <a:latin typeface="+mn-ea"/>
-              </a:rPr>
-              <a:t>传文件</a:t>
-            </a:r>
-            <a:r>
-              <a:rPr lang="zh-CN" altLang="en-US" dirty="0">
-                <a:latin typeface="+mn-ea"/>
-              </a:rPr>
-              <a:t>到服务器</a:t>
-            </a:r>
-            <a:r>
-              <a:rPr lang="en-US" altLang="zh-CN" dirty="0" smtClean="0">
-                <a:latin typeface="+mn-ea"/>
-              </a:rPr>
-              <a:t>put</a:t>
-            </a:r>
-          </a:p>
-          <a:p>
-            <a:pPr lvl="1"/>
-            <a:r>
-              <a:rPr lang="zh-CN" altLang="en-US" dirty="0" smtClean="0">
-                <a:latin typeface="+mn-ea"/>
-              </a:rPr>
-              <a:t>下载文件到本地</a:t>
-            </a:r>
-            <a:r>
-              <a:rPr lang="en-US" altLang="zh-CN" dirty="0" smtClean="0">
-                <a:latin typeface="+mn-ea"/>
-              </a:rPr>
-              <a:t>get</a:t>
-            </a:r>
-          </a:p>
-          <a:p>
-            <a:pPr marL="0" indent="0">
-              <a:buNone/>
-            </a:pPr>
-            <a:r>
-              <a:rPr lang="zh-CN" altLang="en-US" dirty="0" smtClean="0">
-                <a:latin typeface="+mn-ea"/>
-              </a:rPr>
-              <a:t>添加</a:t>
-            </a:r>
-            <a:r>
-              <a:rPr lang="en-US" altLang="zh-CN" dirty="0" smtClean="0">
-                <a:latin typeface="+mn-ea"/>
-              </a:rPr>
-              <a:t>-&gt;sampler-&gt; FTP </a:t>
-            </a:r>
-            <a:r>
-              <a:rPr lang="zh-CN" altLang="en-US" dirty="0" smtClean="0">
-                <a:latin typeface="+mn-ea"/>
-              </a:rPr>
-              <a:t>服务器</a:t>
-            </a:r>
-            <a:endParaRPr lang="en-US" altLang="zh-CN" dirty="0" smtClean="0">
-              <a:latin typeface="+mn-ea"/>
-            </a:endParaRPr>
-          </a:p>
-          <a:p>
-            <a:pPr marL="0" indent="0">
-              <a:buNone/>
-            </a:pPr>
-            <a:r>
-              <a:rPr lang="zh-CN" altLang="en-US" dirty="0" smtClean="0">
-                <a:latin typeface="+mn-ea"/>
-              </a:rPr>
-              <a:t>注意：“</a:t>
-            </a:r>
-            <a:r>
-              <a:rPr lang="en-US" altLang="zh-CN" dirty="0">
-                <a:latin typeface="+mn-ea"/>
-              </a:rPr>
-              <a:t>FTP</a:t>
-            </a:r>
-            <a:r>
-              <a:rPr lang="zh-CN" altLang="en-US" dirty="0">
-                <a:latin typeface="+mn-ea"/>
-              </a:rPr>
-              <a:t>请求缺省值</a:t>
-            </a:r>
-            <a:r>
-              <a:rPr lang="zh-CN" altLang="en-US" dirty="0" smtClean="0">
-                <a:latin typeface="+mn-ea"/>
-              </a:rPr>
-              <a:t>”</a:t>
-            </a:r>
-            <a:r>
-              <a:rPr lang="en-US" altLang="zh-CN" dirty="0" smtClean="0">
-                <a:latin typeface="+mn-ea"/>
-              </a:rPr>
-              <a:t> </a:t>
-            </a:r>
-            <a:r>
-              <a:rPr lang="zh-CN" altLang="en-US" dirty="0" smtClean="0">
-                <a:latin typeface="+mn-ea"/>
-              </a:rPr>
-              <a:t>的使用</a:t>
-            </a:r>
-            <a:endParaRPr lang="zh-CN" altLang="en-US" dirty="0">
-              <a:latin typeface="+mn-ea"/>
-            </a:endParaRPr>
-          </a:p>
-        </p:txBody>
-      </p:sp>
-      <p:sp>
-        <p:nvSpPr>
-          <p:cNvPr id="3" name="标题 2"/>
-          <p:cNvSpPr>
-            <a:spLocks noGrp="1"/>
-          </p:cNvSpPr>
-          <p:nvPr>
-            <p:ph type="title"/>
-          </p:nvPr>
-        </p:nvSpPr>
-        <p:spPr/>
-        <p:txBody>
-          <a:bodyPr/>
-          <a:lstStyle/>
-          <a:p>
-            <a:r>
-              <a:rPr lang="en-US" altLang="zh-CN" dirty="0" err="1"/>
-              <a:t>Jmeter</a:t>
-            </a:r>
-            <a:r>
-              <a:rPr lang="zh-CN" altLang="en-US" dirty="0" smtClean="0"/>
-              <a:t>之</a:t>
-            </a:r>
-            <a:r>
-              <a:rPr lang="en-US" altLang="zh-CN" dirty="0" smtClean="0"/>
-              <a:t>FTP</a:t>
-            </a:r>
-            <a:r>
-              <a:rPr lang="zh-CN" altLang="en-US" dirty="0" smtClean="0"/>
-              <a:t>程序</a:t>
-            </a:r>
             <a:endParaRPr lang="zh-CN" altLang="en-US" dirty="0"/>
           </a:p>
         </p:txBody>
       </p:sp>
-    </p:spTree>
-    <p:extLst>
-      <p:ext uri="{BB962C8B-B14F-4D97-AF65-F5344CB8AC3E}">
-        <p14:creationId xmlns:p14="http://schemas.microsoft.com/office/powerpoint/2010/main" val="4289262061"/>
-      </p:ext>
-    </p:extLst>
-  </p:cSld>
-  <p:clrMapOvr>
-    <a:masterClrMapping/>
-  </p:clrMapOvr>
-  <p:timing>
-    <p:tnLst>
-      <p:par>
-        <p:cTn id="1" dur="indefinite" restart="never" nodeType="tmRoot"/>
-      </p:par>
-    </p:tnLst>
-  </p:timing>
-</p:sld>
-</file>
-
-<file path=ppt/slides/slide13.xml><?xml version="1.0" encoding="utf-8"?>
-<p:sld xmlns:a="http://schemas.openxmlformats.org/drawingml/2006/main" xmlns:r="http://schemas.openxmlformats.org/officeDocument/2006/relationships" xmlns:p="http://schemas.openxmlformats.org/presentationml/2006/main">
-  <p:cSld>
-    <p:spTree>
-      <p:nvGrpSpPr>
-        <p:cNvPr id="1" name=""/>
-        <p:cNvGrpSpPr/>
-        <p:nvPr/>
-      </p:nvGrpSpPr>
-      <p:grpSpPr>
-        <a:xfrm>
-          <a:off x="0" y="0"/>
-          <a:ext cx="0" cy="0"/>
-          <a:chOff x="0" y="0"/>
-          <a:chExt cx="0" cy="0"/>
-        </a:xfrm>
-      </p:grpSpPr>
-      <p:sp>
-        <p:nvSpPr>
-          <p:cNvPr id="2" name="内容占位符 1"/>
-          <p:cNvSpPr>
-            <a:spLocks noGrp="1"/>
-          </p:cNvSpPr>
-          <p:nvPr>
-            <p:ph idx="1"/>
-          </p:nvPr>
-        </p:nvSpPr>
-        <p:spPr>
-          <a:xfrm>
-            <a:off x="539552" y="908720"/>
-            <a:ext cx="8229600" cy="4525963"/>
-          </a:xfrm>
-        </p:spPr>
-        <p:txBody>
-          <a:bodyPr>
-            <a:noAutofit/>
-          </a:bodyPr>
-          <a:lstStyle/>
-          <a:p>
-            <a:pPr marL="0" indent="0">
-              <a:buNone/>
-            </a:pPr>
-            <a:r>
-              <a:rPr lang="zh-CN" altLang="en-US" sz="2400" dirty="0" smtClean="0">
-                <a:latin typeface="+mn-ea"/>
-              </a:rPr>
-              <a:t>需求</a:t>
-            </a:r>
-            <a:endParaRPr lang="en-US" altLang="zh-CN" sz="2400" dirty="0" smtClean="0">
-              <a:latin typeface="+mn-ea"/>
-            </a:endParaRPr>
-          </a:p>
-          <a:p>
-            <a:r>
-              <a:rPr lang="zh-CN" altLang="en-US" sz="2400" dirty="0" smtClean="0">
-                <a:latin typeface="+mn-ea"/>
-              </a:rPr>
-              <a:t>测试</a:t>
-            </a:r>
-            <a:r>
-              <a:rPr lang="en-US" altLang="zh-CN" sz="2400" dirty="0" smtClean="0">
-                <a:latin typeface="+mn-ea"/>
-              </a:rPr>
-              <a:t>student</a:t>
-            </a:r>
-            <a:r>
-              <a:rPr lang="zh-CN" altLang="en-US" sz="2400" dirty="0" smtClean="0">
-                <a:latin typeface="+mn-ea"/>
-              </a:rPr>
-              <a:t>表</a:t>
-            </a:r>
-            <a:endParaRPr lang="en-US" altLang="zh-CN" sz="2400" dirty="0" smtClean="0">
-              <a:latin typeface="+mn-ea"/>
-            </a:endParaRPr>
-          </a:p>
-          <a:p>
-            <a:pPr marL="0" indent="0">
-              <a:buNone/>
-            </a:pPr>
-            <a:r>
-              <a:rPr lang="zh-CN" altLang="en-US" sz="2400" dirty="0" smtClean="0">
-                <a:latin typeface="+mn-ea"/>
-              </a:rPr>
-              <a:t>环境准备</a:t>
-            </a:r>
-            <a:endParaRPr lang="en-US" altLang="zh-CN" sz="2400" dirty="0" smtClean="0">
-              <a:latin typeface="+mn-ea"/>
-            </a:endParaRPr>
-          </a:p>
-          <a:p>
-            <a:pPr marL="0" indent="0">
-              <a:buNone/>
-            </a:pPr>
-            <a:r>
-              <a:rPr lang="en-US" altLang="zh-CN" sz="2400" dirty="0"/>
-              <a:t>https://dev.mysql.com/downloads/connector/j</a:t>
-            </a:r>
-            <a:r>
-              <a:rPr lang="en-US" altLang="zh-CN" sz="2400" dirty="0" smtClean="0"/>
-              <a:t>/</a:t>
-            </a:r>
-            <a:endParaRPr lang="en-US" altLang="zh-CN" sz="2400" dirty="0" smtClean="0">
-              <a:latin typeface="+mn-ea"/>
-            </a:endParaRPr>
-          </a:p>
-          <a:p>
-            <a:r>
-              <a:rPr lang="en-US" altLang="zh-CN" sz="2400" dirty="0" err="1">
-                <a:latin typeface="+mn-ea"/>
-              </a:rPr>
-              <a:t>mysql</a:t>
-            </a:r>
-            <a:r>
-              <a:rPr lang="zh-CN" altLang="en-US" sz="2400" dirty="0" smtClean="0">
-                <a:latin typeface="+mn-ea"/>
-              </a:rPr>
-              <a:t>驱动 </a:t>
-            </a:r>
-            <a:r>
-              <a:rPr lang="en-US" altLang="zh-CN" sz="2400" dirty="0">
-                <a:latin typeface="+mn-ea"/>
-              </a:rPr>
-              <a:t>mysql-connector-java-5.1.6-bin.jar</a:t>
-            </a:r>
-          </a:p>
-          <a:p>
-            <a:r>
-              <a:rPr lang="en-US" altLang="zh-CN" sz="2400" dirty="0" err="1">
-                <a:latin typeface="+mn-ea"/>
-              </a:rPr>
-              <a:t>jmeter</a:t>
-            </a:r>
-            <a:r>
-              <a:rPr lang="en-US" altLang="zh-CN" sz="2400" dirty="0">
-                <a:latin typeface="+mn-ea"/>
-              </a:rPr>
-              <a:t>-&gt;jdbc </a:t>
-            </a:r>
-            <a:r>
-              <a:rPr lang="zh-CN" altLang="en-US" sz="2400" dirty="0">
-                <a:latin typeface="+mn-ea"/>
-              </a:rPr>
-              <a:t>配置</a:t>
-            </a:r>
-            <a:endParaRPr lang="en-US" altLang="zh-CN" sz="2400" dirty="0">
-              <a:latin typeface="+mn-ea"/>
-            </a:endParaRPr>
-          </a:p>
-          <a:p>
-            <a:r>
-              <a:rPr lang="en-US" altLang="zh-CN" sz="2400" dirty="0" err="1">
-                <a:latin typeface="+mn-ea"/>
-              </a:rPr>
-              <a:t>jmeter</a:t>
-            </a:r>
-            <a:r>
-              <a:rPr lang="en-US" altLang="zh-CN" sz="2400" dirty="0">
-                <a:latin typeface="+mn-ea"/>
-              </a:rPr>
-              <a:t>-&gt;jdbc</a:t>
-            </a:r>
-            <a:r>
-              <a:rPr lang="zh-CN" altLang="en-US" sz="2400" dirty="0" smtClean="0">
-                <a:latin typeface="+mn-ea"/>
-              </a:rPr>
-              <a:t>请求</a:t>
-            </a:r>
-            <a:endParaRPr lang="en-US" altLang="zh-CN" sz="2400" dirty="0">
-              <a:latin typeface="+mn-ea"/>
-            </a:endParaRPr>
-          </a:p>
-          <a:p>
-            <a:pPr marL="0" indent="0">
-              <a:buNone/>
-            </a:pPr>
-            <a:r>
-              <a:rPr lang="zh-CN" altLang="en-US" sz="2400" dirty="0" smtClean="0">
-                <a:latin typeface="+mn-ea"/>
-              </a:rPr>
-              <a:t>步骤：</a:t>
-            </a:r>
-            <a:endParaRPr lang="en-US" altLang="zh-CN" sz="2400" dirty="0" smtClean="0">
-              <a:latin typeface="+mn-ea"/>
-            </a:endParaRPr>
-          </a:p>
-          <a:p>
-            <a:pPr marL="457200" indent="-457200">
-              <a:buFont typeface="+mj-lt"/>
-              <a:buAutoNum type="arabicPeriod"/>
-            </a:pPr>
-            <a:r>
-              <a:rPr lang="zh-CN" altLang="en-US" sz="2400" dirty="0">
-                <a:latin typeface="+mn-ea"/>
-              </a:rPr>
-              <a:t>在测试计划中加入</a:t>
-            </a:r>
-            <a:r>
-              <a:rPr lang="en-US" altLang="zh-CN" sz="2400" dirty="0">
-                <a:latin typeface="+mn-ea"/>
-              </a:rPr>
-              <a:t>jar</a:t>
-            </a:r>
-            <a:r>
-              <a:rPr lang="zh-CN" altLang="en-US" sz="2400" dirty="0">
-                <a:latin typeface="+mn-ea"/>
-              </a:rPr>
-              <a:t>包</a:t>
-            </a:r>
-            <a:endParaRPr lang="en-US" altLang="zh-CN" sz="2400" dirty="0">
-              <a:latin typeface="+mn-ea"/>
-            </a:endParaRPr>
-          </a:p>
-          <a:p>
-            <a:pPr marL="457200" indent="-457200">
-              <a:buFont typeface="+mj-lt"/>
-              <a:buAutoNum type="arabicPeriod"/>
-            </a:pPr>
-            <a:r>
-              <a:rPr lang="en-US" altLang="zh-CN" sz="2400" dirty="0">
-                <a:latin typeface="+mn-ea"/>
-              </a:rPr>
-              <a:t>jdbc</a:t>
-            </a:r>
-            <a:r>
-              <a:rPr lang="zh-CN" altLang="en-US" sz="2400" dirty="0" smtClean="0">
-                <a:latin typeface="+mn-ea"/>
-              </a:rPr>
-              <a:t>配置 </a:t>
-            </a:r>
-            <a:r>
-              <a:rPr lang="en-US" altLang="zh-CN" sz="2400" dirty="0" err="1">
-                <a:solidFill>
-                  <a:srgbClr val="FF0000"/>
-                </a:solidFill>
-                <a:latin typeface="+mn-ea"/>
-              </a:rPr>
-              <a:t>jdbc:mysql</a:t>
-            </a:r>
-            <a:r>
-              <a:rPr lang="en-US" altLang="zh-CN" sz="2400" dirty="0">
-                <a:solidFill>
-                  <a:srgbClr val="FF0000"/>
-                </a:solidFill>
-                <a:latin typeface="+mn-ea"/>
-              </a:rPr>
-              <a:t>://</a:t>
-            </a:r>
-            <a:r>
-              <a:rPr lang="en-US" altLang="zh-CN" sz="2400" dirty="0" smtClean="0">
-                <a:solidFill>
-                  <a:srgbClr val="FF0000"/>
-                </a:solidFill>
-                <a:latin typeface="+mn-ea"/>
-              </a:rPr>
-              <a:t>localhost:3306/test</a:t>
-            </a:r>
-          </a:p>
-          <a:p>
-            <a:pPr marL="0" indent="0">
-              <a:buNone/>
-            </a:pPr>
-            <a:r>
-              <a:rPr lang="en-US" altLang="zh-CN" sz="2400" dirty="0" err="1">
-                <a:solidFill>
-                  <a:srgbClr val="FF0000"/>
-                </a:solidFill>
-                <a:latin typeface="+mn-ea"/>
-              </a:rPr>
-              <a:t>com.mysql.jdbc.Driver</a:t>
-            </a:r>
-            <a:endParaRPr lang="en-US" altLang="zh-CN" sz="2400" dirty="0">
-              <a:solidFill>
-                <a:srgbClr val="FF0000"/>
-              </a:solidFill>
-              <a:latin typeface="+mn-ea"/>
-            </a:endParaRPr>
-          </a:p>
-          <a:p>
-            <a:pPr marL="457200" indent="-457200">
-              <a:buFont typeface="+mj-lt"/>
-              <a:buAutoNum type="arabicPeriod" startAt="3"/>
-            </a:pPr>
-            <a:r>
-              <a:rPr lang="en-US" altLang="zh-CN" sz="2400" dirty="0">
-                <a:latin typeface="+mn-ea"/>
-              </a:rPr>
-              <a:t>jdbc</a:t>
-            </a:r>
-            <a:r>
-              <a:rPr lang="zh-CN" altLang="en-US" sz="2400" dirty="0">
-                <a:latin typeface="+mn-ea"/>
-              </a:rPr>
-              <a:t>请求</a:t>
-            </a:r>
-            <a:endParaRPr lang="en-US" altLang="zh-CN" sz="2400" dirty="0">
-              <a:latin typeface="+mn-ea"/>
-            </a:endParaRPr>
-          </a:p>
-          <a:p>
-            <a:pPr marL="457200" indent="-457200">
-              <a:buFont typeface="+mj-lt"/>
-              <a:buAutoNum type="arabicPeriod" startAt="3"/>
-            </a:pPr>
-            <a:r>
-              <a:rPr lang="zh-CN" altLang="en-US" sz="2400" dirty="0">
-                <a:latin typeface="+mn-ea"/>
-              </a:rPr>
-              <a:t>断言、结</a:t>
-            </a:r>
-            <a:r>
-              <a:rPr lang="zh-CN" altLang="en-US" sz="2400" dirty="0" smtClean="0">
-                <a:latin typeface="+mn-ea"/>
-              </a:rPr>
-              <a:t>果树</a:t>
-            </a:r>
-            <a:endParaRPr lang="en-US" altLang="zh-CN" sz="2400" dirty="0">
-              <a:latin typeface="+mn-ea"/>
-            </a:endParaRPr>
-          </a:p>
-        </p:txBody>
-      </p:sp>
-      <p:sp>
-        <p:nvSpPr>
-          <p:cNvPr id="3" name="标题 2"/>
-          <p:cNvSpPr>
-            <a:spLocks noGrp="1"/>
-          </p:cNvSpPr>
-          <p:nvPr>
-            <p:ph type="title"/>
-          </p:nvPr>
-        </p:nvSpPr>
-        <p:spPr/>
-        <p:txBody>
-          <a:bodyPr/>
-          <a:lstStyle/>
-          <a:p>
-            <a:r>
-              <a:rPr lang="en-US" altLang="zh-CN" dirty="0" err="1"/>
-              <a:t>Jmeter</a:t>
-            </a:r>
-            <a:r>
-              <a:rPr lang="zh-CN" altLang="en-US" dirty="0" smtClean="0"/>
-              <a:t>之</a:t>
-            </a:r>
-            <a:r>
-              <a:rPr lang="zh-CN" altLang="en-US" dirty="0"/>
-              <a:t>数据库</a:t>
-            </a:r>
-          </a:p>
-        </p:txBody>
-      </p:sp>
-    </p:spTree>
-    <p:extLst>
-      <p:ext uri="{BB962C8B-B14F-4D97-AF65-F5344CB8AC3E}">
-        <p14:creationId xmlns:p14="http://schemas.microsoft.com/office/powerpoint/2010/main" val="3726788585"/>
-      </p:ext>
-    </p:extLst>
-  </p:cSld>
-  <p:clrMapOvr>
-    <a:masterClrMapping/>
-  </p:clrMapOvr>
-  <p:timing>
-    <p:tnLst>
-      <p:par>
-        <p:cTn id="1" dur="indefinite" restart="never" nodeType="tmRoot"/>
-      </p:par>
-    </p:tnLst>
-  </p:timing>
-</p:sld>
-</file>
-
-<file path=ppt/slides/slide14.xml><?xml version="1.0" encoding="utf-8"?>
-<p:sld xmlns:a="http://schemas.openxmlformats.org/drawingml/2006/main" xmlns:r="http://schemas.openxmlformats.org/officeDocument/2006/relationships" xmlns:p="http://schemas.openxmlformats.org/presentationml/2006/main">
-  <p:cSld>
-    <p:spTree>
-      <p:nvGrpSpPr>
-        <p:cNvPr id="1" name=""/>
-        <p:cNvGrpSpPr/>
-        <p:nvPr/>
-      </p:nvGrpSpPr>
-      <p:grpSpPr>
-        <a:xfrm>
-          <a:off x="0" y="0"/>
-          <a:ext cx="0" cy="0"/>
-          <a:chOff x="0" y="0"/>
-          <a:chExt cx="0" cy="0"/>
-        </a:xfrm>
-      </p:grpSpPr>
       <p:pic>
         <p:nvPicPr>
-          <p:cNvPr id="2051" name="Picture 3"/>
+          <p:cNvPr id="3074" name="Picture 2"/>
           <p:cNvPicPr>
             <a:picLocks noChangeAspect="1" noChangeArrowheads="1"/>
           </p:cNvPicPr>
@@ -6995,8 +6510,8 @@
         </p:blipFill>
         <p:spPr bwMode="auto">
           <a:xfrm>
-            <a:off x="723216" y="1484784"/>
-            <a:ext cx="7413786" cy="4005064"/>
+            <a:off x="1161492" y="1268761"/>
+            <a:ext cx="6120680" cy="3700930"/>
           </a:xfrm>
           <a:prstGeom prst="rect">
             <a:avLst/>
@@ -7036,27 +6551,170 @@
           </a:extLst>
         </p:spPr>
       </p:pic>
+      <p:sp>
+        <p:nvSpPr>
+          <p:cNvPr id="5" name="标题 4"/>
+          <p:cNvSpPr>
+            <a:spLocks noGrp="1"/>
+          </p:cNvSpPr>
+          <p:nvPr>
+            <p:ph type="title"/>
+          </p:nvPr>
+        </p:nvSpPr>
+        <p:spPr>
+          <a:prstGeom prst="rect">
+            <a:avLst/>
+          </a:prstGeom>
+        </p:spPr>
+        <p:txBody>
+          <a:bodyPr wrap="none">
+            <a:spAutoFit/>
+          </a:bodyPr>
+          <a:lstStyle/>
+          <a:p>
+            <a:pPr algn="ctr">
+              <a:spcBef>
+                <a:spcPct val="0"/>
+              </a:spcBef>
+            </a:pPr>
+            <a:r>
+              <a:rPr lang="en-US" altLang="zh-CN" sz="4000" b="1" dirty="0" err="1" smtClean="0">
+                <a:solidFill>
+                  <a:schemeClr val="bg1"/>
+                </a:solidFill>
+                <a:latin typeface="+mn-ea"/>
+                <a:cs typeface="+mj-cs"/>
+              </a:rPr>
+              <a:t>JMeter</a:t>
+            </a:r>
+            <a:r>
+              <a:rPr lang="zh-CN" altLang="en-US" sz="4000" b="1" dirty="0" smtClean="0">
+                <a:solidFill>
+                  <a:schemeClr val="bg1"/>
+                </a:solidFill>
+                <a:latin typeface="+mn-ea"/>
+                <a:cs typeface="+mj-cs"/>
+              </a:rPr>
+              <a:t>之数据库</a:t>
+            </a:r>
+            <a:endParaRPr lang="zh-CN" altLang="en-US" sz="4000" b="1" dirty="0">
+              <a:solidFill>
+                <a:schemeClr val="bg1"/>
+              </a:solidFill>
+              <a:latin typeface="+mn-ea"/>
+              <a:cs typeface="+mj-cs"/>
+            </a:endParaRPr>
+          </a:p>
+        </p:txBody>
+      </p:sp>
+      <p:sp>
+        <p:nvSpPr>
+          <p:cNvPr id="4" name="矩形 3"/>
+          <p:cNvSpPr/>
+          <p:nvPr/>
+        </p:nvSpPr>
+        <p:spPr>
+          <a:xfrm>
+            <a:off x="576554" y="4966166"/>
+            <a:ext cx="8315926" cy="1200329"/>
+          </a:xfrm>
+          <a:prstGeom prst="rect">
+            <a:avLst/>
+          </a:prstGeom>
+        </p:spPr>
+        <p:txBody>
+          <a:bodyPr wrap="square">
+            <a:spAutoFit/>
+          </a:bodyPr>
+          <a:lstStyle/>
+          <a:p>
+            <a:r>
+              <a:rPr lang="zh-CN" altLang="en-US" sz="2400" dirty="0">
+                <a:latin typeface="+mn-ea"/>
+              </a:rPr>
+              <a:t>获取指定的数据：</a:t>
+            </a:r>
+            <a:endParaRPr lang="en-US" altLang="zh-CN" sz="2400" dirty="0">
+              <a:latin typeface="+mn-ea"/>
+            </a:endParaRPr>
+          </a:p>
+          <a:p>
+            <a:r>
+              <a:rPr lang="en-US" altLang="zh-CN" sz="2400" dirty="0">
+                <a:latin typeface="+mn-ea"/>
+              </a:rPr>
+              <a:t>cv =</a:t>
+            </a:r>
+            <a:r>
+              <a:rPr lang="en-US" altLang="zh-CN" sz="2400" dirty="0" err="1">
+                <a:latin typeface="+mn-ea"/>
+              </a:rPr>
+              <a:t>vars.getObject</a:t>
+            </a:r>
+            <a:r>
+              <a:rPr lang="en-US" altLang="zh-CN" sz="2400" dirty="0">
+                <a:latin typeface="+mn-ea"/>
+              </a:rPr>
+              <a:t>("result").get(0).get("</a:t>
+            </a:r>
+            <a:r>
+              <a:rPr lang="en-US" altLang="zh-CN" sz="2400" dirty="0" err="1">
+                <a:latin typeface="+mn-ea"/>
+              </a:rPr>
+              <a:t>sname</a:t>
+            </a:r>
+            <a:r>
+              <a:rPr lang="en-US" altLang="zh-CN" sz="2400" dirty="0">
+                <a:latin typeface="+mn-ea"/>
+              </a:rPr>
+              <a:t>");</a:t>
+            </a:r>
+          </a:p>
+          <a:p>
+            <a:r>
+              <a:rPr lang="en-US" altLang="zh-CN" sz="2400" dirty="0" err="1">
+                <a:latin typeface="+mn-ea"/>
+              </a:rPr>
+              <a:t>vars.put</a:t>
+            </a:r>
+            <a:r>
+              <a:rPr lang="en-US" altLang="zh-CN" sz="2400" dirty="0">
+                <a:latin typeface="+mn-ea"/>
+              </a:rPr>
+              <a:t>("</a:t>
+            </a:r>
+            <a:r>
+              <a:rPr lang="en-US" altLang="zh-CN" sz="2400" dirty="0" err="1">
+                <a:latin typeface="+mn-ea"/>
+              </a:rPr>
+              <a:t>rr</a:t>
+            </a:r>
+            <a:r>
+              <a:rPr lang="en-US" altLang="zh-CN" sz="2400" dirty="0">
+                <a:latin typeface="+mn-ea"/>
+              </a:rPr>
+              <a:t>",cv);</a:t>
+            </a:r>
+            <a:endParaRPr lang="zh-CN" altLang="en-US" sz="2400" dirty="0">
+              <a:latin typeface="+mn-ea"/>
+            </a:endParaRPr>
+          </a:p>
+        </p:txBody>
+      </p:sp>
     </p:spTree>
     <p:extLst>
       <p:ext uri="{BB962C8B-B14F-4D97-AF65-F5344CB8AC3E}">
-        <p14:creationId xmlns:p14="http://schemas.microsoft.com/office/powerpoint/2010/main" val="2312875379"/>
+        <p14:creationId xmlns:p14="http://schemas.microsoft.com/office/powerpoint/2010/main" val="2701715511"/>
       </p:ext>
     </p:extLst>
   </p:cSld>
   <p:clrMapOvr>
     <a:masterClrMapping/>
   </p:clrMapOvr>
-  <p:timing>
-    <p:tnLst>
-      <p:par>
-        <p:cTn id="1" dur="indefinite" restart="never" nodeType="tmRoot"/>
-      </p:par>
-    </p:tnLst>
-  </p:timing>
 </p:sld>
 </file>
 
-<file path=ppt/slides/slide15.xml><?xml version="1.0" encoding="utf-8"?>
+<file path=ppt/slides/slide13.xml><?xml version="1.0" encoding="utf-8"?>
 <p:sld xmlns:a="http://schemas.openxmlformats.org/drawingml/2006/main" xmlns:r="http://schemas.openxmlformats.org/officeDocument/2006/relationships" xmlns:p="http://schemas.openxmlformats.org/presentationml/2006/main">
   <p:cSld>
     <p:spTree>
@@ -7083,2609 +6741,6 @@
             <p:ph idx="1"/>
           </p:nvPr>
         </p:nvSpPr>
-        <p:spPr/>
-        <p:txBody>
-          <a:bodyPr/>
-          <a:lstStyle/>
-          <a:p>
-            <a:r>
-              <a:rPr lang="zh-CN" altLang="en-US" dirty="0" smtClean="0"/>
-              <a:t>实现</a:t>
-            </a:r>
-            <a:r>
-              <a:rPr lang="en-US" altLang="zh-CN" dirty="0" err="1" smtClean="0"/>
-              <a:t>jdbc</a:t>
-            </a:r>
-            <a:r>
-              <a:rPr lang="zh-CN" altLang="en-US" dirty="0" smtClean="0"/>
-              <a:t>请求与</a:t>
-            </a:r>
-            <a:r>
-              <a:rPr lang="en-US" altLang="zh-CN" dirty="0" smtClean="0"/>
-              <a:t>http</a:t>
-            </a:r>
-            <a:r>
-              <a:rPr lang="zh-CN" altLang="en-US" dirty="0" smtClean="0"/>
-              <a:t>请求的关联</a:t>
-            </a:r>
-            <a:endParaRPr lang="zh-CN" altLang="en-US" dirty="0"/>
-          </a:p>
-        </p:txBody>
-      </p:sp>
-      <p:sp>
-        <p:nvSpPr>
-          <p:cNvPr id="3" name="标题 2"/>
-          <p:cNvSpPr>
-            <a:spLocks noGrp="1"/>
-          </p:cNvSpPr>
-          <p:nvPr>
-            <p:ph type="title"/>
-          </p:nvPr>
-        </p:nvSpPr>
-        <p:spPr/>
-        <p:txBody>
-          <a:bodyPr/>
-          <a:lstStyle/>
-          <a:p>
-            <a:endParaRPr lang="zh-CN" altLang="en-US"/>
-          </a:p>
-        </p:txBody>
-      </p:sp>
-      <p:pic>
-        <p:nvPicPr>
-          <p:cNvPr id="2050" name="Picture 2"/>
-          <p:cNvPicPr>
-            <a:picLocks noChangeAspect="1" noChangeArrowheads="1"/>
-          </p:cNvPicPr>
-          <p:nvPr/>
-        </p:nvPicPr>
-        <p:blipFill>
-          <a:blip r:embed="rId3">
-            <a:extLst>
-              <a:ext uri="{28A0092B-C50C-407E-A947-70E740481C1C}">
-                <a14:useLocalDpi xmlns:a14="http://schemas.microsoft.com/office/drawing/2010/main" val="0"/>
-              </a:ext>
-            </a:extLst>
-          </a:blip>
-          <a:srcRect/>
-          <a:stretch>
-            <a:fillRect/>
-          </a:stretch>
-        </p:blipFill>
-        <p:spPr bwMode="auto">
-          <a:xfrm>
-            <a:off x="1907704" y="2190522"/>
-            <a:ext cx="4272136" cy="4252110"/>
-          </a:xfrm>
-          <a:prstGeom prst="rect">
-            <a:avLst/>
-          </a:prstGeom>
-          <a:noFill/>
-          <a:ln>
-            <a:noFill/>
-          </a:ln>
-          <a:effectLst/>
-          <a:extLst>
-            <a:ext uri="{909E8E84-426E-40DD-AFC4-6F175D3DCCD1}">
-              <a14:hiddenFill xmlns:a14="http://schemas.microsoft.com/office/drawing/2010/main">
-                <a:solidFill>
-                  <a:schemeClr val="accent1"/>
-                </a:solidFill>
-              </a14:hiddenFill>
-            </a:ext>
-            <a:ext uri="{91240B29-F687-4F45-9708-019B960494DF}">
-              <a14:hiddenLine xmlns:a14="http://schemas.microsoft.com/office/drawing/2010/main" w="9525">
-                <a:solidFill>
-                  <a:schemeClr val="tx1"/>
-                </a:solidFill>
-                <a:miter lim="800000"/>
-                <a:headEnd/>
-                <a:tailEnd/>
-              </a14:hiddenLine>
-            </a:ext>
-            <a:ext uri="{AF507438-7753-43E0-B8FC-AC1667EBCBE1}">
-              <a14:hiddenEffects xmlns:a14="http://schemas.microsoft.com/office/drawing/2010/main">
-                <a:effectLst>
-                  <a:outerShdw dist="35921" dir="2700000" algn="ctr" rotWithShape="0">
-                    <a:schemeClr val="bg2"/>
-                  </a:outerShdw>
-                </a:effectLst>
-              </a14:hiddenEffects>
-            </a:ext>
-          </a:extLst>
-        </p:spPr>
-      </p:pic>
-    </p:spTree>
-    <p:extLst>
-      <p:ext uri="{BB962C8B-B14F-4D97-AF65-F5344CB8AC3E}">
-        <p14:creationId xmlns:p14="http://schemas.microsoft.com/office/powerpoint/2010/main" val="989314536"/>
-      </p:ext>
-    </p:extLst>
-  </p:cSld>
-  <p:clrMapOvr>
-    <a:masterClrMapping/>
-  </p:clrMapOvr>
-</p:sld>
-</file>
-
-<file path=ppt/slides/slide16.xml><?xml version="1.0" encoding="utf-8"?>
-<p:sld xmlns:a="http://schemas.openxmlformats.org/drawingml/2006/main" xmlns:r="http://schemas.openxmlformats.org/officeDocument/2006/relationships" xmlns:p="http://schemas.openxmlformats.org/presentationml/2006/main">
-  <p:cSld>
-    <p:spTree>
-      <p:nvGrpSpPr>
-        <p:cNvPr id="1" name=""/>
-        <p:cNvGrpSpPr/>
-        <p:nvPr/>
-      </p:nvGrpSpPr>
-      <p:grpSpPr>
-        <a:xfrm>
-          <a:off x="0" y="0"/>
-          <a:ext cx="0" cy="0"/>
-          <a:chOff x="0" y="0"/>
-          <a:chExt cx="0" cy="0"/>
-        </a:xfrm>
-      </p:grpSpPr>
-      <p:sp>
-        <p:nvSpPr>
-          <p:cNvPr id="2" name="内容占位符 1"/>
-          <p:cNvSpPr>
-            <a:spLocks noGrp="1"/>
-          </p:cNvSpPr>
-          <p:nvPr>
-            <p:ph idx="1"/>
-          </p:nvPr>
-        </p:nvSpPr>
-        <p:spPr/>
-        <p:txBody>
-          <a:bodyPr/>
-          <a:lstStyle/>
-          <a:p>
-            <a:endParaRPr lang="zh-CN" altLang="en-US"/>
-          </a:p>
-        </p:txBody>
-      </p:sp>
-      <p:sp>
-        <p:nvSpPr>
-          <p:cNvPr id="3" name="标题 2"/>
-          <p:cNvSpPr>
-            <a:spLocks noGrp="1"/>
-          </p:cNvSpPr>
-          <p:nvPr>
-            <p:ph type="title"/>
-          </p:nvPr>
-        </p:nvSpPr>
-        <p:spPr/>
-        <p:txBody>
-          <a:bodyPr/>
-          <a:lstStyle/>
-          <a:p>
-            <a:endParaRPr lang="zh-CN" altLang="en-US"/>
-          </a:p>
-        </p:txBody>
-      </p:sp>
-      <p:pic>
-        <p:nvPicPr>
-          <p:cNvPr id="3074" name="Picture 2"/>
-          <p:cNvPicPr>
-            <a:picLocks noChangeAspect="1" noChangeArrowheads="1"/>
-          </p:cNvPicPr>
-          <p:nvPr/>
-        </p:nvPicPr>
-        <p:blipFill>
-          <a:blip r:embed="rId2">
-            <a:extLst>
-              <a:ext uri="{28A0092B-C50C-407E-A947-70E740481C1C}">
-                <a14:useLocalDpi xmlns:a14="http://schemas.microsoft.com/office/drawing/2010/main" val="0"/>
-              </a:ext>
-            </a:extLst>
-          </a:blip>
-          <a:srcRect/>
-          <a:stretch>
-            <a:fillRect/>
-          </a:stretch>
-        </p:blipFill>
-        <p:spPr bwMode="auto">
-          <a:xfrm>
-            <a:off x="251520" y="1078300"/>
-            <a:ext cx="8077845" cy="4884349"/>
-          </a:xfrm>
-          <a:prstGeom prst="rect">
-            <a:avLst/>
-          </a:prstGeom>
-          <a:noFill/>
-          <a:ln>
-            <a:noFill/>
-          </a:ln>
-          <a:effectLst/>
-          <a:extLst>
-            <a:ext uri="{909E8E84-426E-40DD-AFC4-6F175D3DCCD1}">
-              <a14:hiddenFill xmlns:a14="http://schemas.microsoft.com/office/drawing/2010/main">
-                <a:solidFill>
-                  <a:schemeClr val="accent1"/>
-                </a:solidFill>
-              </a14:hiddenFill>
-            </a:ext>
-            <a:ext uri="{91240B29-F687-4F45-9708-019B960494DF}">
-              <a14:hiddenLine xmlns:a14="http://schemas.microsoft.com/office/drawing/2010/main" w="9525">
-                <a:solidFill>
-                  <a:schemeClr val="tx1"/>
-                </a:solidFill>
-                <a:miter lim="800000"/>
-                <a:headEnd/>
-                <a:tailEnd/>
-              </a14:hiddenLine>
-            </a:ext>
-            <a:ext uri="{AF507438-7753-43E0-B8FC-AC1667EBCBE1}">
-              <a14:hiddenEffects xmlns:a14="http://schemas.microsoft.com/office/drawing/2010/main">
-                <a:effectLst>
-                  <a:outerShdw dist="35921" dir="2700000" algn="ctr" rotWithShape="0">
-                    <a:schemeClr val="bg2"/>
-                  </a:outerShdw>
-                </a:effectLst>
-              </a14:hiddenEffects>
-            </a:ext>
-          </a:extLst>
-        </p:spPr>
-      </p:pic>
-    </p:spTree>
-    <p:extLst>
-      <p:ext uri="{BB962C8B-B14F-4D97-AF65-F5344CB8AC3E}">
-        <p14:creationId xmlns:p14="http://schemas.microsoft.com/office/powerpoint/2010/main" val="3295170678"/>
-      </p:ext>
-    </p:extLst>
-  </p:cSld>
-  <p:clrMapOvr>
-    <a:masterClrMapping/>
-  </p:clrMapOvr>
-</p:sld>
-</file>
-
-<file path=ppt/slides/slide2.xml><?xml version="1.0" encoding="utf-8"?>
-<p:sld xmlns:a="http://schemas.openxmlformats.org/drawingml/2006/main" xmlns:r="http://schemas.openxmlformats.org/officeDocument/2006/relationships" xmlns:p="http://schemas.openxmlformats.org/presentationml/2006/main">
-  <p:cSld>
-    <p:spTree>
-      <p:nvGrpSpPr>
-        <p:cNvPr id="1" name=""/>
-        <p:cNvGrpSpPr/>
-        <p:nvPr/>
-      </p:nvGrpSpPr>
-      <p:grpSpPr>
-        <a:xfrm>
-          <a:off x="0" y="0"/>
-          <a:ext cx="0" cy="0"/>
-          <a:chOff x="0" y="0"/>
-          <a:chExt cx="0" cy="0"/>
-        </a:xfrm>
-      </p:grpSpPr>
-      <p:sp>
-        <p:nvSpPr>
-          <p:cNvPr id="3" name="内容占位符 2"/>
-          <p:cNvSpPr>
-            <a:spLocks noGrp="1"/>
-          </p:cNvSpPr>
-          <p:nvPr>
-            <p:ph idx="1"/>
-          </p:nvPr>
-        </p:nvSpPr>
-        <p:spPr/>
-        <p:txBody>
-          <a:bodyPr>
-            <a:normAutofit/>
-          </a:bodyPr>
-          <a:lstStyle/>
-          <a:p>
-            <a:r>
-              <a:rPr lang="en-US" altLang="zh-CN" dirty="0" err="1">
-                <a:solidFill>
-                  <a:schemeClr val="tx1">
-                    <a:lumMod val="10000"/>
-                  </a:schemeClr>
-                </a:solidFill>
-                <a:latin typeface="+mn-ea"/>
-              </a:rPr>
-              <a:t>J</a:t>
-            </a:r>
-            <a:r>
-              <a:rPr lang="en-US" altLang="zh-CN" dirty="0" err="1" smtClean="0">
-                <a:solidFill>
-                  <a:schemeClr val="tx1">
-                    <a:lumMod val="10000"/>
-                  </a:schemeClr>
-                </a:solidFill>
-                <a:latin typeface="+mn-ea"/>
-              </a:rPr>
-              <a:t>meter</a:t>
-            </a:r>
-            <a:r>
-              <a:rPr lang="en-US" altLang="zh-CN" dirty="0" smtClean="0">
-                <a:solidFill>
-                  <a:schemeClr val="tx1">
-                    <a:lumMod val="10000"/>
-                  </a:schemeClr>
-                </a:solidFill>
-                <a:latin typeface="+mn-ea"/>
-              </a:rPr>
-              <a:t> </a:t>
-            </a:r>
-            <a:r>
-              <a:rPr lang="zh-CN" altLang="en-US" dirty="0">
-                <a:solidFill>
-                  <a:schemeClr val="tx1">
-                    <a:lumMod val="10000"/>
-                  </a:schemeClr>
-                </a:solidFill>
-                <a:latin typeface="+mn-ea"/>
-              </a:rPr>
-              <a:t>性能</a:t>
-            </a:r>
-            <a:r>
-              <a:rPr lang="zh-CN" altLang="en-US" dirty="0" smtClean="0">
-                <a:solidFill>
-                  <a:schemeClr val="tx1">
-                    <a:lumMod val="10000"/>
-                  </a:schemeClr>
-                </a:solidFill>
-                <a:latin typeface="+mn-ea"/>
-              </a:rPr>
-              <a:t>测试</a:t>
-            </a:r>
-            <a:r>
-              <a:rPr lang="en-US" altLang="zh-CN" dirty="0" smtClean="0">
-                <a:solidFill>
-                  <a:schemeClr val="tx1">
-                    <a:lumMod val="10000"/>
-                  </a:schemeClr>
-                </a:solidFill>
-                <a:latin typeface="+mn-ea"/>
-              </a:rPr>
-              <a:t>-</a:t>
-            </a:r>
-            <a:r>
-              <a:rPr lang="zh-CN" altLang="en-US" dirty="0" smtClean="0">
-                <a:solidFill>
-                  <a:schemeClr val="tx1">
-                    <a:lumMod val="10000"/>
-                  </a:schemeClr>
-                </a:solidFill>
-                <a:latin typeface="+mn-ea"/>
-              </a:rPr>
-              <a:t>图形监控</a:t>
-            </a:r>
-            <a:endParaRPr lang="en-US" altLang="zh-CN" dirty="0" smtClean="0">
-              <a:solidFill>
-                <a:schemeClr val="tx1">
-                  <a:lumMod val="10000"/>
-                </a:schemeClr>
-              </a:solidFill>
-              <a:latin typeface="+mn-ea"/>
-            </a:endParaRPr>
-          </a:p>
-          <a:p>
-            <a:r>
-              <a:rPr lang="en-US" altLang="zh-CN" dirty="0" err="1">
-                <a:solidFill>
-                  <a:schemeClr val="tx1">
-                    <a:lumMod val="10000"/>
-                  </a:schemeClr>
-                </a:solidFill>
-                <a:latin typeface="+mn-ea"/>
-              </a:rPr>
-              <a:t>Jmeter</a:t>
-            </a:r>
-            <a:r>
-              <a:rPr lang="en-US" altLang="zh-CN" dirty="0">
-                <a:solidFill>
-                  <a:schemeClr val="tx1">
-                    <a:lumMod val="10000"/>
-                  </a:schemeClr>
-                </a:solidFill>
-                <a:latin typeface="+mn-ea"/>
-              </a:rPr>
-              <a:t> </a:t>
-            </a:r>
-            <a:r>
-              <a:rPr lang="zh-CN" altLang="en-US" dirty="0">
-                <a:solidFill>
-                  <a:schemeClr val="tx1">
-                    <a:lumMod val="10000"/>
-                  </a:schemeClr>
-                </a:solidFill>
-                <a:latin typeface="+mn-ea"/>
-              </a:rPr>
-              <a:t>性能测试</a:t>
-            </a:r>
-            <a:r>
-              <a:rPr lang="en-US" altLang="zh-CN" dirty="0" smtClean="0">
-                <a:solidFill>
-                  <a:schemeClr val="tx1">
-                    <a:lumMod val="10000"/>
-                  </a:schemeClr>
-                </a:solidFill>
-                <a:latin typeface="+mn-ea"/>
-              </a:rPr>
-              <a:t>-</a:t>
-            </a:r>
-            <a:r>
-              <a:rPr lang="zh-CN" altLang="en-US" dirty="0" smtClean="0">
-                <a:solidFill>
-                  <a:schemeClr val="tx1">
-                    <a:lumMod val="10000"/>
-                  </a:schemeClr>
-                </a:solidFill>
-                <a:latin typeface="+mn-ea"/>
-              </a:rPr>
-              <a:t>调用</a:t>
-            </a:r>
-            <a:r>
-              <a:rPr lang="en-US" altLang="zh-CN" dirty="0" smtClean="0">
-                <a:solidFill>
-                  <a:schemeClr val="tx1">
-                    <a:lumMod val="10000"/>
-                  </a:schemeClr>
-                </a:solidFill>
-                <a:latin typeface="+mn-ea"/>
-              </a:rPr>
-              <a:t>jar</a:t>
-            </a:r>
-            <a:r>
-              <a:rPr lang="zh-CN" altLang="en-US" dirty="0" smtClean="0">
-                <a:solidFill>
-                  <a:schemeClr val="tx1">
-                    <a:lumMod val="10000"/>
-                  </a:schemeClr>
-                </a:solidFill>
-                <a:latin typeface="+mn-ea"/>
-              </a:rPr>
-              <a:t>包</a:t>
-            </a:r>
-            <a:endParaRPr lang="en-US" altLang="zh-CN" dirty="0" smtClean="0">
-              <a:solidFill>
-                <a:schemeClr val="tx1">
-                  <a:lumMod val="10000"/>
-                </a:schemeClr>
-              </a:solidFill>
-              <a:latin typeface="+mn-ea"/>
-            </a:endParaRPr>
-          </a:p>
-          <a:p>
-            <a:r>
-              <a:rPr lang="en-US" altLang="zh-CN" dirty="0" err="1">
-                <a:solidFill>
-                  <a:schemeClr val="tx1">
-                    <a:lumMod val="10000"/>
-                  </a:schemeClr>
-                </a:solidFill>
-                <a:latin typeface="+mn-ea"/>
-              </a:rPr>
-              <a:t>Jmeter</a:t>
-            </a:r>
-            <a:r>
-              <a:rPr lang="en-US" altLang="zh-CN" dirty="0">
-                <a:solidFill>
-                  <a:schemeClr val="tx1">
-                    <a:lumMod val="10000"/>
-                  </a:schemeClr>
-                </a:solidFill>
-                <a:latin typeface="+mn-ea"/>
-              </a:rPr>
-              <a:t> </a:t>
-            </a:r>
-            <a:r>
-              <a:rPr lang="zh-CN" altLang="en-US" dirty="0">
-                <a:solidFill>
-                  <a:schemeClr val="tx1">
-                    <a:lumMod val="10000"/>
-                  </a:schemeClr>
-                </a:solidFill>
-                <a:latin typeface="+mn-ea"/>
-              </a:rPr>
-              <a:t>性能测试</a:t>
-            </a:r>
-            <a:r>
-              <a:rPr lang="en-US" altLang="zh-CN" dirty="0">
-                <a:solidFill>
-                  <a:schemeClr val="tx1">
-                    <a:lumMod val="10000"/>
-                  </a:schemeClr>
-                </a:solidFill>
-                <a:latin typeface="+mn-ea"/>
-              </a:rPr>
-              <a:t>-</a:t>
-            </a:r>
-            <a:r>
-              <a:rPr lang="en-US" altLang="zh-CN" dirty="0" err="1">
-                <a:solidFill>
-                  <a:schemeClr val="tx1">
-                    <a:lumMod val="10000"/>
-                  </a:schemeClr>
-                </a:solidFill>
-                <a:latin typeface="+mn-ea"/>
-              </a:rPr>
-              <a:t>WebService</a:t>
-            </a:r>
-            <a:r>
-              <a:rPr lang="zh-CN" altLang="en-US" dirty="0">
-                <a:solidFill>
-                  <a:schemeClr val="tx1">
-                    <a:lumMod val="10000"/>
-                  </a:schemeClr>
-                </a:solidFill>
-                <a:latin typeface="+mn-ea"/>
-              </a:rPr>
-              <a:t>测试</a:t>
-            </a:r>
-            <a:endParaRPr lang="en-US" altLang="zh-CN" dirty="0">
-              <a:solidFill>
-                <a:schemeClr val="tx1">
-                  <a:lumMod val="10000"/>
-                </a:schemeClr>
-              </a:solidFill>
-              <a:latin typeface="+mn-ea"/>
-            </a:endParaRPr>
-          </a:p>
-          <a:p>
-            <a:r>
-              <a:rPr lang="en-US" altLang="zh-CN" dirty="0" err="1">
-                <a:solidFill>
-                  <a:schemeClr val="tx1">
-                    <a:lumMod val="10000"/>
-                  </a:schemeClr>
-                </a:solidFill>
-                <a:latin typeface="+mn-ea"/>
-              </a:rPr>
-              <a:t>Jmeter</a:t>
-            </a:r>
-            <a:r>
-              <a:rPr lang="en-US" altLang="zh-CN" dirty="0">
-                <a:solidFill>
-                  <a:schemeClr val="tx1">
-                    <a:lumMod val="10000"/>
-                  </a:schemeClr>
-                </a:solidFill>
-                <a:latin typeface="+mn-ea"/>
-              </a:rPr>
-              <a:t> </a:t>
-            </a:r>
-            <a:r>
-              <a:rPr lang="zh-CN" altLang="en-US" dirty="0">
-                <a:solidFill>
-                  <a:schemeClr val="tx1">
-                    <a:lumMod val="10000"/>
-                  </a:schemeClr>
-                </a:solidFill>
-                <a:latin typeface="+mn-ea"/>
-              </a:rPr>
-              <a:t>性能测试</a:t>
-            </a:r>
-            <a:r>
-              <a:rPr lang="en-US" altLang="zh-CN" dirty="0">
-                <a:solidFill>
-                  <a:schemeClr val="tx1">
-                    <a:lumMod val="10000"/>
-                  </a:schemeClr>
-                </a:solidFill>
-                <a:latin typeface="+mn-ea"/>
-              </a:rPr>
-              <a:t>-web</a:t>
-            </a:r>
-            <a:r>
-              <a:rPr lang="zh-CN" altLang="en-US" dirty="0">
-                <a:solidFill>
-                  <a:schemeClr val="tx1">
-                    <a:lumMod val="10000"/>
-                  </a:schemeClr>
-                </a:solidFill>
-                <a:latin typeface="+mn-ea"/>
-              </a:rPr>
-              <a:t>程序</a:t>
-            </a:r>
-            <a:endParaRPr lang="en-US" altLang="zh-CN" dirty="0">
-              <a:solidFill>
-                <a:schemeClr val="tx1">
-                  <a:lumMod val="10000"/>
-                </a:schemeClr>
-              </a:solidFill>
-              <a:latin typeface="+mn-ea"/>
-            </a:endParaRPr>
-          </a:p>
-          <a:p>
-            <a:r>
-              <a:rPr lang="en-US" altLang="zh-CN" dirty="0" err="1" smtClean="0">
-                <a:latin typeface="+mn-ea"/>
-              </a:rPr>
-              <a:t>Jmeter</a:t>
-            </a:r>
-            <a:r>
-              <a:rPr lang="zh-CN" altLang="en-US" dirty="0">
-                <a:latin typeface="+mn-ea"/>
-              </a:rPr>
-              <a:t> </a:t>
-            </a:r>
-            <a:r>
-              <a:rPr lang="zh-CN" altLang="en-US" dirty="0">
-                <a:solidFill>
-                  <a:schemeClr val="tx1">
-                    <a:lumMod val="10000"/>
-                  </a:schemeClr>
-                </a:solidFill>
-                <a:latin typeface="+mn-ea"/>
-              </a:rPr>
-              <a:t>性能测试</a:t>
-            </a:r>
-            <a:r>
-              <a:rPr lang="en-US" altLang="zh-CN" dirty="0">
-                <a:solidFill>
-                  <a:schemeClr val="tx1">
-                    <a:lumMod val="10000"/>
-                  </a:schemeClr>
-                </a:solidFill>
-                <a:latin typeface="+mn-ea"/>
-              </a:rPr>
-              <a:t>-</a:t>
-            </a:r>
-            <a:r>
-              <a:rPr lang="en-US" altLang="zh-CN" dirty="0" smtClean="0">
-                <a:latin typeface="+mn-ea"/>
-              </a:rPr>
-              <a:t>FTP</a:t>
-            </a:r>
-            <a:r>
-              <a:rPr lang="zh-CN" altLang="en-US" dirty="0">
-                <a:latin typeface="+mn-ea"/>
-              </a:rPr>
-              <a:t>程序</a:t>
-            </a:r>
-            <a:endParaRPr lang="en-US" altLang="zh-CN" dirty="0">
-              <a:solidFill>
-                <a:schemeClr val="tx1">
-                  <a:lumMod val="10000"/>
-                </a:schemeClr>
-              </a:solidFill>
-              <a:latin typeface="+mn-ea"/>
-            </a:endParaRPr>
-          </a:p>
-          <a:p>
-            <a:r>
-              <a:rPr lang="en-US" altLang="zh-CN" dirty="0" err="1" smtClean="0">
-                <a:solidFill>
-                  <a:schemeClr val="tx1">
-                    <a:lumMod val="10000"/>
-                  </a:schemeClr>
-                </a:solidFill>
-                <a:latin typeface="+mn-ea"/>
-              </a:rPr>
-              <a:t>jmeter</a:t>
-            </a:r>
-            <a:r>
-              <a:rPr lang="en-US" altLang="zh-CN" dirty="0" smtClean="0">
-                <a:solidFill>
-                  <a:schemeClr val="tx1">
-                    <a:lumMod val="10000"/>
-                  </a:schemeClr>
-                </a:solidFill>
-                <a:latin typeface="+mn-ea"/>
-              </a:rPr>
-              <a:t> </a:t>
-            </a:r>
-            <a:r>
-              <a:rPr lang="zh-CN" altLang="en-US" dirty="0" smtClean="0">
-                <a:solidFill>
-                  <a:schemeClr val="tx1">
-                    <a:lumMod val="10000"/>
-                  </a:schemeClr>
-                </a:solidFill>
-                <a:latin typeface="+mn-ea"/>
-              </a:rPr>
-              <a:t>性能</a:t>
-            </a:r>
-            <a:r>
-              <a:rPr lang="zh-CN" altLang="en-US" dirty="0">
-                <a:solidFill>
-                  <a:schemeClr val="tx1">
-                    <a:lumMod val="10000"/>
-                  </a:schemeClr>
-                </a:solidFill>
-                <a:latin typeface="+mn-ea"/>
-              </a:rPr>
-              <a:t>测试</a:t>
-            </a:r>
-            <a:r>
-              <a:rPr lang="en-US" altLang="zh-CN" dirty="0">
-                <a:solidFill>
-                  <a:schemeClr val="tx1">
-                    <a:lumMod val="10000"/>
-                  </a:schemeClr>
-                </a:solidFill>
-                <a:latin typeface="+mn-ea"/>
-              </a:rPr>
-              <a:t>-</a:t>
-            </a:r>
-            <a:r>
-              <a:rPr lang="zh-CN" altLang="en-US" dirty="0" smtClean="0">
-                <a:solidFill>
-                  <a:schemeClr val="tx1">
-                    <a:lumMod val="10000"/>
-                  </a:schemeClr>
-                </a:solidFill>
-                <a:latin typeface="+mn-ea"/>
-              </a:rPr>
-              <a:t>数据库</a:t>
-            </a:r>
-            <a:r>
-              <a:rPr lang="en-US" altLang="zh-CN" dirty="0" err="1">
-                <a:solidFill>
-                  <a:schemeClr val="tx1">
-                    <a:lumMod val="10000"/>
-                  </a:schemeClr>
-                </a:solidFill>
-                <a:latin typeface="+mn-ea"/>
-              </a:rPr>
-              <a:t>m</a:t>
-            </a:r>
-            <a:r>
-              <a:rPr lang="en-US" altLang="zh-CN" dirty="0" err="1" smtClean="0">
-                <a:solidFill>
-                  <a:schemeClr val="tx1">
-                    <a:lumMod val="10000"/>
-                  </a:schemeClr>
-                </a:solidFill>
-                <a:latin typeface="+mn-ea"/>
-              </a:rPr>
-              <a:t>ysql</a:t>
-            </a:r>
-            <a:endParaRPr lang="en-US" altLang="zh-CN" dirty="0">
-              <a:solidFill>
-                <a:schemeClr val="tx1">
-                  <a:lumMod val="10000"/>
-                </a:schemeClr>
-              </a:solidFill>
-              <a:latin typeface="+mn-ea"/>
-            </a:endParaRPr>
-          </a:p>
-          <a:p>
-            <a:r>
-              <a:rPr lang="en-US" altLang="zh-CN" dirty="0" err="1" smtClean="0">
-                <a:solidFill>
-                  <a:schemeClr val="tx1">
-                    <a:lumMod val="10000"/>
-                  </a:schemeClr>
-                </a:solidFill>
-                <a:latin typeface="+mn-ea"/>
-              </a:rPr>
-              <a:t>jmeter</a:t>
-            </a:r>
-            <a:r>
-              <a:rPr lang="en-US" altLang="zh-CN" dirty="0" smtClean="0">
-                <a:solidFill>
-                  <a:schemeClr val="tx1">
-                    <a:lumMod val="10000"/>
-                  </a:schemeClr>
-                </a:solidFill>
-                <a:latin typeface="+mn-ea"/>
-              </a:rPr>
-              <a:t> </a:t>
-            </a:r>
-            <a:r>
-              <a:rPr lang="zh-CN" altLang="en-US" dirty="0" smtClean="0">
-                <a:solidFill>
-                  <a:schemeClr val="tx1">
-                    <a:lumMod val="10000"/>
-                  </a:schemeClr>
-                </a:solidFill>
-                <a:latin typeface="+mn-ea"/>
-              </a:rPr>
-              <a:t>测试</a:t>
-            </a:r>
-            <a:r>
-              <a:rPr lang="zh-CN" altLang="en-US" dirty="0">
-                <a:solidFill>
-                  <a:schemeClr val="tx1">
-                    <a:lumMod val="10000"/>
-                  </a:schemeClr>
-                </a:solidFill>
-                <a:latin typeface="+mn-ea"/>
-              </a:rPr>
-              <a:t>结果分析</a:t>
-            </a:r>
-            <a:endParaRPr lang="en-US" altLang="zh-CN" dirty="0">
-              <a:solidFill>
-                <a:schemeClr val="tx1">
-                  <a:lumMod val="10000"/>
-                </a:schemeClr>
-              </a:solidFill>
-              <a:latin typeface="+mn-ea"/>
-            </a:endParaRPr>
-          </a:p>
-          <a:p>
-            <a:pPr marL="0" indent="0">
-              <a:buNone/>
-            </a:pPr>
-            <a:endParaRPr lang="zh-CN" altLang="en-US" dirty="0"/>
-          </a:p>
-        </p:txBody>
-      </p:sp>
-      <p:sp>
-        <p:nvSpPr>
-          <p:cNvPr id="2" name="标题 1"/>
-          <p:cNvSpPr>
-            <a:spLocks noGrp="1"/>
-          </p:cNvSpPr>
-          <p:nvPr>
-            <p:ph type="title"/>
-          </p:nvPr>
-        </p:nvSpPr>
-        <p:spPr>
-          <a:xfrm>
-            <a:off x="-20712" y="0"/>
-            <a:ext cx="9164712" cy="836712"/>
-          </a:xfrm>
-        </p:spPr>
-        <p:txBody>
-          <a:bodyPr/>
-          <a:lstStyle/>
-          <a:p>
-            <a:r>
-              <a:rPr lang="zh-CN" altLang="en-US" dirty="0" smtClean="0"/>
-              <a:t>本章大纲</a:t>
-            </a:r>
-            <a:endParaRPr lang="zh-CN" altLang="en-US" dirty="0"/>
-          </a:p>
-        </p:txBody>
-      </p:sp>
-    </p:spTree>
-    <p:extLst>
-      <p:ext uri="{BB962C8B-B14F-4D97-AF65-F5344CB8AC3E}">
-        <p14:creationId xmlns:p14="http://schemas.microsoft.com/office/powerpoint/2010/main" val="1208509171"/>
-      </p:ext>
-    </p:extLst>
-  </p:cSld>
-  <p:clrMapOvr>
-    <a:masterClrMapping/>
-  </p:clrMapOvr>
-  <p:timing>
-    <p:tnLst>
-      <p:par>
-        <p:cTn id="1" dur="indefinite" restart="never" nodeType="tmRoot"/>
-      </p:par>
-    </p:tnLst>
-  </p:timing>
-</p:sld>
-</file>
-
-<file path=ppt/slides/slide3.xml><?xml version="1.0" encoding="utf-8"?>
-<p:sld xmlns:a="http://schemas.openxmlformats.org/drawingml/2006/main" xmlns:r="http://schemas.openxmlformats.org/officeDocument/2006/relationships" xmlns:p="http://schemas.openxmlformats.org/presentationml/2006/main">
-  <p:cSld>
-    <p:spTree>
-      <p:nvGrpSpPr>
-        <p:cNvPr id="1" name=""/>
-        <p:cNvGrpSpPr/>
-        <p:nvPr/>
-      </p:nvGrpSpPr>
-      <p:grpSpPr>
-        <a:xfrm>
-          <a:off x="0" y="0"/>
-          <a:ext cx="0" cy="0"/>
-          <a:chOff x="0" y="0"/>
-          <a:chExt cx="0" cy="0"/>
-        </a:xfrm>
-      </p:grpSpPr>
-      <p:sp>
-        <p:nvSpPr>
-          <p:cNvPr id="2" name="内容占位符 1"/>
-          <p:cNvSpPr>
-            <a:spLocks noGrp="1"/>
-          </p:cNvSpPr>
-          <p:nvPr>
-            <p:ph idx="1"/>
-          </p:nvPr>
-        </p:nvSpPr>
-        <p:spPr/>
-        <p:txBody>
-          <a:bodyPr>
-            <a:normAutofit/>
-          </a:bodyPr>
-          <a:lstStyle/>
-          <a:p>
-            <a:r>
-              <a:rPr lang="en-US" altLang="zh-CN" sz="2400" dirty="0" err="1">
-                <a:latin typeface="+mn-ea"/>
-              </a:rPr>
-              <a:t>JMeterPlugin</a:t>
-            </a:r>
-            <a:r>
-              <a:rPr lang="zh-CN" altLang="en-US" sz="2400" dirty="0">
-                <a:latin typeface="+mn-ea"/>
-              </a:rPr>
-              <a:t>可以把</a:t>
-            </a:r>
-            <a:r>
-              <a:rPr lang="en-US" altLang="zh-CN" sz="2400" dirty="0" err="1">
-                <a:latin typeface="+mn-ea"/>
-              </a:rPr>
-              <a:t>JMeter</a:t>
-            </a:r>
-            <a:r>
-              <a:rPr lang="zh-CN" altLang="en-US" sz="2400" dirty="0">
-                <a:latin typeface="+mn-ea"/>
-              </a:rPr>
-              <a:t>生成的</a:t>
-            </a:r>
-            <a:r>
-              <a:rPr lang="en-US" altLang="zh-CN" sz="2400" dirty="0" err="1">
-                <a:latin typeface="+mn-ea"/>
-              </a:rPr>
-              <a:t>jtl</a:t>
-            </a:r>
-            <a:r>
-              <a:rPr lang="zh-CN" altLang="en-US" sz="2400" dirty="0">
-                <a:latin typeface="+mn-ea"/>
-              </a:rPr>
-              <a:t>文件做出很好的统计图，同时还支持机器的</a:t>
-            </a:r>
-            <a:r>
-              <a:rPr lang="en-US" altLang="zh-CN" sz="2400" dirty="0" err="1">
-                <a:latin typeface="+mn-ea"/>
-              </a:rPr>
-              <a:t>cpu</a:t>
-            </a:r>
-            <a:r>
-              <a:rPr lang="zh-CN" altLang="en-US" sz="2400" dirty="0">
-                <a:latin typeface="+mn-ea"/>
-              </a:rPr>
-              <a:t>、</a:t>
-            </a:r>
-            <a:r>
-              <a:rPr lang="en-US" altLang="zh-CN" sz="2400" dirty="0">
-                <a:latin typeface="+mn-ea"/>
-              </a:rPr>
-              <a:t>memory</a:t>
-            </a:r>
-            <a:r>
-              <a:rPr lang="zh-CN" altLang="en-US" sz="2400" dirty="0">
-                <a:latin typeface="+mn-ea"/>
-              </a:rPr>
-              <a:t>、</a:t>
-            </a:r>
-            <a:r>
-              <a:rPr lang="en-US" altLang="zh-CN" sz="2400" dirty="0">
-                <a:latin typeface="+mn-ea"/>
-              </a:rPr>
-              <a:t>swap</a:t>
-            </a:r>
-            <a:r>
-              <a:rPr lang="zh-CN" altLang="en-US" sz="2400" dirty="0">
-                <a:latin typeface="+mn-ea"/>
-              </a:rPr>
-              <a:t>、</a:t>
-            </a:r>
-            <a:r>
-              <a:rPr lang="en-US" altLang="zh-CN" sz="2400" dirty="0">
-                <a:latin typeface="+mn-ea"/>
-              </a:rPr>
-              <a:t>disk </a:t>
-            </a:r>
-            <a:r>
-              <a:rPr lang="en-US" altLang="zh-CN" sz="2400" dirty="0" err="1">
-                <a:latin typeface="+mn-ea"/>
-              </a:rPr>
-              <a:t>io</a:t>
-            </a:r>
-            <a:r>
-              <a:rPr lang="zh-CN" altLang="en-US" sz="2400" dirty="0">
-                <a:latin typeface="+mn-ea"/>
-              </a:rPr>
-              <a:t>和</a:t>
-            </a:r>
-            <a:r>
-              <a:rPr lang="en-US" altLang="zh-CN" sz="2400" dirty="0">
-                <a:latin typeface="+mn-ea"/>
-              </a:rPr>
-              <a:t>network</a:t>
-            </a:r>
-            <a:r>
-              <a:rPr lang="zh-CN" altLang="en-US" sz="2400" dirty="0">
-                <a:latin typeface="+mn-ea"/>
-              </a:rPr>
-              <a:t>的监控，是个不错的插件。</a:t>
-            </a:r>
-            <a:br>
-              <a:rPr lang="zh-CN" altLang="en-US" sz="2400" dirty="0">
-                <a:latin typeface="+mn-ea"/>
-              </a:rPr>
-            </a:br>
-            <a:r>
-              <a:rPr lang="en-US" altLang="zh-CN" sz="2400" dirty="0">
-                <a:latin typeface="+mn-ea"/>
-                <a:hlinkClick r:id="rId2"/>
-              </a:rPr>
-              <a:t>https://jmeter-plugins.org/downloads/old</a:t>
-            </a:r>
-            <a:r>
-              <a:rPr lang="en-US" altLang="zh-CN" sz="2400" dirty="0" smtClean="0">
-                <a:latin typeface="+mn-ea"/>
-                <a:hlinkClick r:id="rId2"/>
-              </a:rPr>
-              <a:t>/</a:t>
-            </a:r>
-            <a:endParaRPr lang="en-US" altLang="zh-CN" sz="2400" dirty="0" smtClean="0">
-              <a:latin typeface="+mn-ea"/>
-            </a:endParaRPr>
-          </a:p>
-          <a:p>
-            <a:r>
-              <a:rPr lang="en-US" altLang="zh-CN" sz="2400" dirty="0" err="1">
-                <a:latin typeface="+mn-ea"/>
-              </a:rPr>
-              <a:t>JMeterPlugins</a:t>
-            </a:r>
-            <a:r>
-              <a:rPr lang="en-US" altLang="zh-CN" sz="2400" dirty="0">
-                <a:latin typeface="+mn-ea"/>
-              </a:rPr>
-              <a:t>-Standard</a:t>
-            </a:r>
-            <a:r>
-              <a:rPr lang="zh-CN" altLang="en-US" sz="2400" dirty="0">
-                <a:latin typeface="+mn-ea"/>
-              </a:rPr>
-              <a:t>和</a:t>
-            </a:r>
-            <a:r>
-              <a:rPr lang="en-US" altLang="zh-CN" sz="2400" dirty="0" err="1">
-                <a:latin typeface="+mn-ea"/>
-              </a:rPr>
-              <a:t>JMeterPlugins</a:t>
-            </a:r>
-            <a:r>
-              <a:rPr lang="en-US" altLang="zh-CN" sz="2400" dirty="0">
-                <a:latin typeface="+mn-ea"/>
-              </a:rPr>
-              <a:t>-Extras</a:t>
-            </a:r>
-            <a:r>
-              <a:rPr lang="zh-CN" altLang="en-US" sz="2400" dirty="0">
-                <a:latin typeface="+mn-ea"/>
-              </a:rPr>
-              <a:t>是客户端的，</a:t>
-            </a:r>
-            <a:r>
-              <a:rPr lang="en-US" altLang="zh-CN" sz="2400" dirty="0">
-                <a:latin typeface="+mn-ea"/>
-              </a:rPr>
-              <a:t>ServerAgent</a:t>
-            </a:r>
-            <a:r>
-              <a:rPr lang="zh-CN" altLang="en-US" sz="2400" dirty="0">
-                <a:latin typeface="+mn-ea"/>
-              </a:rPr>
-              <a:t>是服务端的</a:t>
-            </a:r>
-          </a:p>
-        </p:txBody>
-      </p:sp>
-      <p:sp>
-        <p:nvSpPr>
-          <p:cNvPr id="3" name="标题 2"/>
-          <p:cNvSpPr>
-            <a:spLocks noGrp="1"/>
-          </p:cNvSpPr>
-          <p:nvPr>
-            <p:ph type="title"/>
-          </p:nvPr>
-        </p:nvSpPr>
-        <p:spPr/>
-        <p:txBody>
-          <a:bodyPr/>
-          <a:lstStyle/>
-          <a:p>
-            <a:endParaRPr lang="zh-CN" altLang="en-US"/>
-          </a:p>
-        </p:txBody>
-      </p:sp>
-    </p:spTree>
-    <p:extLst>
-      <p:ext uri="{BB962C8B-B14F-4D97-AF65-F5344CB8AC3E}">
-        <p14:creationId xmlns:p14="http://schemas.microsoft.com/office/powerpoint/2010/main" val="3362167886"/>
-      </p:ext>
-    </p:extLst>
-  </p:cSld>
-  <p:clrMapOvr>
-    <a:masterClrMapping/>
-  </p:clrMapOvr>
-  <p:timing>
-    <p:tnLst>
-      <p:par>
-        <p:cTn id="1" dur="indefinite" restart="never" nodeType="tmRoot"/>
-      </p:par>
-    </p:tnLst>
-  </p:timing>
-</p:sld>
-</file>
-
-<file path=ppt/slides/slide4.xml><?xml version="1.0" encoding="utf-8"?>
-<p:sld xmlns:a="http://schemas.openxmlformats.org/drawingml/2006/main" xmlns:r="http://schemas.openxmlformats.org/officeDocument/2006/relationships" xmlns:p="http://schemas.openxmlformats.org/presentationml/2006/main">
-  <p:cSld>
-    <p:spTree>
-      <p:nvGrpSpPr>
-        <p:cNvPr id="1" name=""/>
-        <p:cNvGrpSpPr/>
-        <p:nvPr/>
-      </p:nvGrpSpPr>
-      <p:grpSpPr>
-        <a:xfrm>
-          <a:off x="0" y="0"/>
-          <a:ext cx="0" cy="0"/>
-          <a:chOff x="0" y="0"/>
-          <a:chExt cx="0" cy="0"/>
-        </a:xfrm>
-      </p:grpSpPr>
-      <p:sp>
-        <p:nvSpPr>
-          <p:cNvPr id="2" name="内容占位符 1"/>
-          <p:cNvSpPr>
-            <a:spLocks noGrp="1"/>
-          </p:cNvSpPr>
-          <p:nvPr>
-            <p:ph idx="1"/>
-          </p:nvPr>
-        </p:nvSpPr>
-        <p:spPr>
-          <a:xfrm>
-            <a:off x="412376" y="1166018"/>
-            <a:ext cx="8686800" cy="4525963"/>
-          </a:xfrm>
-        </p:spPr>
-        <p:txBody>
-          <a:bodyPr>
-            <a:normAutofit/>
-          </a:bodyPr>
-          <a:lstStyle/>
-          <a:p>
-            <a:pPr marL="0" indent="0">
-              <a:buNone/>
-            </a:pPr>
-            <a:r>
-              <a:rPr lang="en-US" altLang="zh-CN" sz="2400" dirty="0" smtClean="0">
-                <a:solidFill>
-                  <a:srgbClr val="FF0000"/>
-                </a:solidFill>
-                <a:latin typeface="+mn-ea"/>
-              </a:rPr>
-              <a:t>JMeterPlugins-Standard-1.4.0.zip</a:t>
-            </a:r>
-          </a:p>
-          <a:p>
-            <a:pPr marL="0" indent="0">
-              <a:buNone/>
-            </a:pPr>
-            <a:r>
-              <a:rPr lang="en-US" altLang="zh-CN" sz="2400" dirty="0">
-                <a:solidFill>
-                  <a:srgbClr val="FF0000"/>
-                </a:solidFill>
-                <a:latin typeface="+mn-ea"/>
-              </a:rPr>
-              <a:t>ServerAgent-2.2.1.zip</a:t>
-            </a:r>
-          </a:p>
-          <a:p>
-            <a:r>
-              <a:rPr lang="zh-CN" altLang="en-US" sz="2400" dirty="0" smtClean="0">
-                <a:latin typeface="+mn-ea"/>
-              </a:rPr>
-              <a:t>把</a:t>
-            </a:r>
-            <a:r>
-              <a:rPr lang="en-US" altLang="zh-CN" sz="2400" dirty="0" smtClean="0">
-                <a:solidFill>
-                  <a:srgbClr val="FF0000"/>
-                </a:solidFill>
-                <a:latin typeface="+mn-ea"/>
-              </a:rPr>
-              <a:t>JMeterPlugins-Standard.jar</a:t>
-            </a:r>
-            <a:r>
-              <a:rPr lang="zh-CN" altLang="en-US" sz="2400" dirty="0" smtClean="0">
-                <a:latin typeface="+mn-ea"/>
-              </a:rPr>
-              <a:t>复制到</a:t>
-            </a:r>
-            <a:r>
-              <a:rPr lang="en-US" altLang="zh-CN" sz="2400" dirty="0" err="1" smtClean="0">
-                <a:latin typeface="+mn-ea"/>
-              </a:rPr>
-              <a:t>Jmeter</a:t>
-            </a:r>
-            <a:r>
-              <a:rPr lang="zh-CN" altLang="en-US" sz="2400" dirty="0" smtClean="0">
-                <a:latin typeface="+mn-ea"/>
-              </a:rPr>
-              <a:t>的</a:t>
-            </a:r>
-            <a:r>
-              <a:rPr lang="en-US" altLang="zh-CN" sz="2400" dirty="0" smtClean="0">
-                <a:latin typeface="+mn-ea"/>
-              </a:rPr>
-              <a:t>lib/</a:t>
-            </a:r>
-            <a:r>
-              <a:rPr lang="en-US" altLang="zh-CN" sz="2400" dirty="0" err="1" smtClean="0">
-                <a:latin typeface="+mn-ea"/>
-              </a:rPr>
-              <a:t>ext</a:t>
-            </a:r>
-            <a:r>
-              <a:rPr lang="zh-CN" altLang="en-US" sz="2400" dirty="0" smtClean="0">
-                <a:latin typeface="+mn-ea"/>
-              </a:rPr>
-              <a:t>目录下面，重启</a:t>
-            </a:r>
-            <a:r>
-              <a:rPr lang="en-US" altLang="zh-CN" sz="2400" dirty="0" err="1" smtClean="0">
-                <a:latin typeface="+mn-ea"/>
-              </a:rPr>
-              <a:t>Jmeter</a:t>
-            </a:r>
-            <a:endParaRPr lang="zh-CN" altLang="en-US" sz="2400" dirty="0">
-              <a:latin typeface="+mn-ea"/>
-            </a:endParaRPr>
-          </a:p>
-        </p:txBody>
-      </p:sp>
-      <p:sp>
-        <p:nvSpPr>
-          <p:cNvPr id="3" name="标题 2"/>
-          <p:cNvSpPr>
-            <a:spLocks noGrp="1"/>
-          </p:cNvSpPr>
-          <p:nvPr>
-            <p:ph type="title"/>
-          </p:nvPr>
-        </p:nvSpPr>
-        <p:spPr/>
-        <p:txBody>
-          <a:bodyPr/>
-          <a:lstStyle/>
-          <a:p>
-            <a:r>
-              <a:rPr lang="en-US" altLang="zh-CN" dirty="0" err="1" smtClean="0"/>
-              <a:t>Jmeter</a:t>
-            </a:r>
-            <a:r>
-              <a:rPr lang="zh-CN" altLang="en-US" dirty="0" smtClean="0"/>
-              <a:t>之资源图形监控</a:t>
-            </a:r>
-            <a:endParaRPr lang="zh-CN" altLang="en-US" dirty="0"/>
-          </a:p>
-        </p:txBody>
-      </p:sp>
-      <p:pic>
-        <p:nvPicPr>
-          <p:cNvPr id="1027" name="Picture 3"/>
-          <p:cNvPicPr>
-            <a:picLocks noChangeAspect="1" noChangeArrowheads="1"/>
-          </p:cNvPicPr>
-          <p:nvPr/>
-        </p:nvPicPr>
-        <p:blipFill>
-          <a:blip r:embed="rId2">
-            <a:extLst>
-              <a:ext uri="{28A0092B-C50C-407E-A947-70E740481C1C}">
-                <a14:useLocalDpi xmlns:a14="http://schemas.microsoft.com/office/drawing/2010/main" val="0"/>
-              </a:ext>
-            </a:extLst>
-          </a:blip>
-          <a:srcRect/>
-          <a:stretch>
-            <a:fillRect/>
-          </a:stretch>
-        </p:blipFill>
-        <p:spPr bwMode="auto">
-          <a:xfrm>
-            <a:off x="2195736" y="3356992"/>
-            <a:ext cx="5552129" cy="2922406"/>
-          </a:xfrm>
-          <a:prstGeom prst="rect">
-            <a:avLst/>
-          </a:prstGeom>
-          <a:noFill/>
-          <a:ln>
-            <a:noFill/>
-          </a:ln>
-          <a:effectLst/>
-          <a:extLst>
-            <a:ext uri="{909E8E84-426E-40DD-AFC4-6F175D3DCCD1}">
-              <a14:hiddenFill xmlns:a14="http://schemas.microsoft.com/office/drawing/2010/main">
-                <a:solidFill>
-                  <a:schemeClr val="accent1"/>
-                </a:solidFill>
-              </a14:hiddenFill>
-            </a:ext>
-            <a:ext uri="{91240B29-F687-4F45-9708-019B960494DF}">
-              <a14:hiddenLine xmlns:a14="http://schemas.microsoft.com/office/drawing/2010/main" w="9525">
-                <a:solidFill>
-                  <a:schemeClr val="tx1"/>
-                </a:solidFill>
-                <a:miter lim="800000"/>
-                <a:headEnd/>
-                <a:tailEnd/>
-              </a14:hiddenLine>
-            </a:ext>
-            <a:ext uri="{AF507438-7753-43E0-B8FC-AC1667EBCBE1}">
-              <a14:hiddenEffects xmlns:a14="http://schemas.microsoft.com/office/drawing/2010/main">
-                <a:effectLst>
-                  <a:outerShdw dist="35921" dir="2700000" algn="ctr" rotWithShape="0">
-                    <a:schemeClr val="bg2"/>
-                  </a:outerShdw>
-                </a:effectLst>
-              </a14:hiddenEffects>
-            </a:ext>
-          </a:extLst>
-        </p:spPr>
-      </p:pic>
-    </p:spTree>
-    <p:extLst>
-      <p:ext uri="{BB962C8B-B14F-4D97-AF65-F5344CB8AC3E}">
-        <p14:creationId xmlns:p14="http://schemas.microsoft.com/office/powerpoint/2010/main" val="2529038763"/>
-      </p:ext>
-    </p:extLst>
-  </p:cSld>
-  <p:clrMapOvr>
-    <a:masterClrMapping/>
-  </p:clrMapOvr>
-  <p:timing>
-    <p:tnLst>
-      <p:par>
-        <p:cTn id="1" dur="indefinite" restart="never" nodeType="tmRoot"/>
-      </p:par>
-    </p:tnLst>
-  </p:timing>
-</p:sld>
-</file>
-
-<file path=ppt/slides/slide5.xml><?xml version="1.0" encoding="utf-8"?>
-<p:sld xmlns:a="http://schemas.openxmlformats.org/drawingml/2006/main" xmlns:r="http://schemas.openxmlformats.org/officeDocument/2006/relationships" xmlns:p="http://schemas.openxmlformats.org/presentationml/2006/main">
-  <p:cSld>
-    <p:spTree>
-      <p:nvGrpSpPr>
-        <p:cNvPr id="1" name=""/>
-        <p:cNvGrpSpPr/>
-        <p:nvPr/>
-      </p:nvGrpSpPr>
-      <p:grpSpPr>
-        <a:xfrm>
-          <a:off x="0" y="0"/>
-          <a:ext cx="0" cy="0"/>
-          <a:chOff x="0" y="0"/>
-          <a:chExt cx="0" cy="0"/>
-        </a:xfrm>
-      </p:grpSpPr>
-      <p:sp>
-        <p:nvSpPr>
-          <p:cNvPr id="2" name="内容占位符 1"/>
-          <p:cNvSpPr>
-            <a:spLocks noGrp="1"/>
-          </p:cNvSpPr>
-          <p:nvPr>
-            <p:ph idx="1"/>
-          </p:nvPr>
-        </p:nvSpPr>
-        <p:spPr>
-          <a:xfrm>
-            <a:off x="323528" y="980728"/>
-            <a:ext cx="8928992" cy="4525963"/>
-          </a:xfrm>
-        </p:spPr>
-        <p:txBody>
-          <a:bodyPr>
-            <a:noAutofit/>
-          </a:bodyPr>
-          <a:lstStyle/>
-          <a:p>
-            <a:pPr marL="0" indent="0">
-              <a:lnSpc>
-                <a:spcPct val="120000"/>
-              </a:lnSpc>
-              <a:buNone/>
-            </a:pPr>
-            <a:r>
-              <a:rPr lang="en-US" altLang="zh-CN" sz="2400" dirty="0" smtClean="0">
-                <a:latin typeface="+mn-ea"/>
-              </a:rPr>
-              <a:t>ServerAgent</a:t>
-            </a:r>
-            <a:r>
-              <a:rPr lang="zh-CN" altLang="en-US" sz="2400" dirty="0">
-                <a:latin typeface="+mn-ea"/>
-              </a:rPr>
-              <a:t>放在</a:t>
-            </a:r>
-            <a:r>
-              <a:rPr lang="zh-CN" altLang="en-US" sz="2400" dirty="0">
-                <a:solidFill>
-                  <a:srgbClr val="FF0000"/>
-                </a:solidFill>
-                <a:latin typeface="+mn-ea"/>
-              </a:rPr>
-              <a:t>被压测的服务器</a:t>
-            </a:r>
-            <a:r>
-              <a:rPr lang="zh-CN" altLang="en-US" sz="2400" dirty="0">
-                <a:latin typeface="+mn-ea"/>
-              </a:rPr>
-              <a:t>上，是用来收集服务器相关性能指标（</a:t>
-            </a:r>
-            <a:r>
-              <a:rPr lang="en-US" altLang="zh-CN" sz="2400" dirty="0" err="1">
-                <a:latin typeface="+mn-ea"/>
-              </a:rPr>
-              <a:t>cpu</a:t>
-            </a:r>
-            <a:r>
-              <a:rPr lang="zh-CN" altLang="en-US" sz="2400" dirty="0">
-                <a:latin typeface="+mn-ea"/>
-              </a:rPr>
-              <a:t>、</a:t>
-            </a:r>
-            <a:r>
-              <a:rPr lang="en-US" altLang="zh-CN" sz="2400" dirty="0">
-                <a:latin typeface="+mn-ea"/>
-              </a:rPr>
-              <a:t>memory</a:t>
-            </a:r>
-            <a:r>
-              <a:rPr lang="zh-CN" altLang="en-US" sz="2400" dirty="0">
-                <a:latin typeface="+mn-ea"/>
-              </a:rPr>
-              <a:t>、</a:t>
-            </a:r>
-            <a:r>
-              <a:rPr lang="en-US" altLang="zh-CN" sz="2400" dirty="0" err="1">
-                <a:latin typeface="+mn-ea"/>
-              </a:rPr>
-              <a:t>tcp</a:t>
-            </a:r>
-            <a:r>
-              <a:rPr lang="zh-CN" altLang="en-US" sz="2400" dirty="0">
-                <a:latin typeface="+mn-ea"/>
-              </a:rPr>
-              <a:t>等）、以及</a:t>
-            </a:r>
-            <a:r>
-              <a:rPr lang="en-US" altLang="zh-CN" sz="2400" dirty="0" err="1">
-                <a:latin typeface="+mn-ea"/>
-              </a:rPr>
-              <a:t>jmx</a:t>
-            </a:r>
-            <a:r>
-              <a:rPr lang="zh-CN" altLang="en-US" sz="2400" dirty="0">
-                <a:latin typeface="+mn-ea"/>
-              </a:rPr>
-              <a:t>等</a:t>
-            </a:r>
-            <a:r>
-              <a:rPr lang="en-US" altLang="zh-CN" sz="2400" dirty="0">
-                <a:latin typeface="+mn-ea"/>
-              </a:rPr>
-              <a:t>metrics</a:t>
-            </a:r>
-            <a:r>
-              <a:rPr lang="zh-CN" altLang="en-US" sz="2400" dirty="0">
-                <a:latin typeface="+mn-ea"/>
-              </a:rPr>
-              <a:t>信 息，然后通过 </a:t>
-            </a:r>
-            <a:r>
-              <a:rPr lang="en-US" altLang="zh-CN" sz="2400" dirty="0">
-                <a:latin typeface="+mn-ea"/>
-              </a:rPr>
-              <a:t>TCP or </a:t>
-            </a:r>
-            <a:r>
-              <a:rPr lang="en-US" altLang="zh-CN" sz="2400" dirty="0" err="1" smtClean="0">
-                <a:latin typeface="+mn-ea"/>
-              </a:rPr>
-              <a:t>UDP</a:t>
-            </a:r>
-            <a:r>
-              <a:rPr lang="zh-CN" altLang="en-US" sz="2400" dirty="0" smtClean="0">
-                <a:latin typeface="+mn-ea"/>
-              </a:rPr>
-              <a:t>协议</a:t>
-            </a:r>
-            <a:r>
-              <a:rPr lang="zh-CN" altLang="en-US" sz="2400" dirty="0">
-                <a:latin typeface="+mn-ea"/>
-              </a:rPr>
-              <a:t>来发送给</a:t>
-            </a:r>
-            <a:r>
-              <a:rPr lang="en-US" altLang="zh-CN" sz="2400" dirty="0" err="1">
-                <a:latin typeface="+mn-ea"/>
-              </a:rPr>
-              <a:t>jmeter</a:t>
-            </a:r>
-            <a:r>
-              <a:rPr lang="zh-CN" altLang="en-US" sz="2400" dirty="0">
-                <a:latin typeface="+mn-ea"/>
-              </a:rPr>
-              <a:t>。启动后，默认监听</a:t>
-            </a:r>
-            <a:r>
-              <a:rPr lang="en-US" altLang="zh-CN" sz="2400" dirty="0">
-                <a:solidFill>
-                  <a:srgbClr val="FF0000"/>
-                </a:solidFill>
-                <a:latin typeface="+mn-ea"/>
-              </a:rPr>
-              <a:t>4444</a:t>
-            </a:r>
-            <a:r>
-              <a:rPr lang="zh-CN" altLang="en-US" sz="2400" dirty="0">
-                <a:latin typeface="+mn-ea"/>
-              </a:rPr>
-              <a:t>端口，</a:t>
-            </a:r>
-            <a:r>
-              <a:rPr lang="en-US" altLang="zh-CN" sz="2400" dirty="0">
-                <a:latin typeface="+mn-ea"/>
-              </a:rPr>
-              <a:t>ServerAgent</a:t>
-            </a:r>
-            <a:r>
-              <a:rPr lang="zh-CN" altLang="en-US" sz="2400" dirty="0">
-                <a:latin typeface="+mn-ea"/>
-              </a:rPr>
-              <a:t>是一个文本协议，可以使用任何客户端发送</a:t>
-            </a:r>
-            <a:r>
-              <a:rPr lang="en-US" altLang="zh-CN" sz="2400" dirty="0">
-                <a:latin typeface="+mn-ea"/>
-              </a:rPr>
-              <a:t>/</a:t>
-            </a:r>
-            <a:r>
-              <a:rPr lang="zh-CN" altLang="en-US" sz="2400" dirty="0">
-                <a:latin typeface="+mn-ea"/>
-              </a:rPr>
-              <a:t>接收</a:t>
-            </a:r>
-            <a:r>
-              <a:rPr lang="en-US" altLang="zh-CN" sz="2400" dirty="0">
-                <a:latin typeface="+mn-ea"/>
-              </a:rPr>
-              <a:t>metrics</a:t>
-            </a:r>
-            <a:r>
-              <a:rPr lang="zh-CN" altLang="en-US" sz="2400" dirty="0">
-                <a:latin typeface="+mn-ea"/>
-              </a:rPr>
-              <a:t>数据 信息。</a:t>
-            </a:r>
-            <a:br>
-              <a:rPr lang="zh-CN" altLang="en-US" sz="2400" dirty="0">
-                <a:latin typeface="+mn-ea"/>
-              </a:rPr>
-            </a:br>
-            <a:endParaRPr lang="zh-CN" altLang="en-US" sz="2400" dirty="0">
-              <a:latin typeface="+mn-ea"/>
-            </a:endParaRPr>
-          </a:p>
-          <a:p>
-            <a:pPr marL="0" indent="0">
-              <a:lnSpc>
-                <a:spcPct val="120000"/>
-              </a:lnSpc>
-              <a:buNone/>
-            </a:pPr>
-            <a:r>
-              <a:rPr lang="zh-CN" altLang="en-US" sz="2400" dirty="0">
-                <a:latin typeface="+mn-ea"/>
-              </a:rPr>
-              <a:t>下载地址（</a:t>
-            </a:r>
-            <a:r>
-              <a:rPr lang="en-US" altLang="zh-CN" sz="2400" dirty="0">
-                <a:latin typeface="+mn-ea"/>
-                <a:hlinkClick r:id="rId2"/>
-              </a:rPr>
-              <a:t>https://</a:t>
-            </a:r>
-            <a:r>
-              <a:rPr lang="en-US" altLang="zh-CN" sz="2400" dirty="0" smtClean="0">
-                <a:latin typeface="+mn-ea"/>
-                <a:hlinkClick r:id="rId2"/>
-              </a:rPr>
-              <a:t>jmeter-plugins.org/wiki/PerfMonAgent</a:t>
-            </a:r>
-            <a:r>
-              <a:rPr lang="en-US" altLang="zh-CN" sz="2400" dirty="0">
-                <a:latin typeface="+mn-ea"/>
-                <a:hlinkClick r:id="rId2"/>
-              </a:rPr>
-              <a:t>/</a:t>
-            </a:r>
-            <a:r>
-              <a:rPr lang="zh-CN" altLang="en-US" sz="2400" dirty="0" smtClean="0">
-                <a:latin typeface="+mn-ea"/>
-              </a:rPr>
-              <a:t>），</a:t>
-            </a:r>
-            <a:endParaRPr lang="en-US" altLang="zh-CN" sz="2400" dirty="0" smtClean="0">
-              <a:latin typeface="+mn-ea"/>
-            </a:endParaRPr>
-          </a:p>
-          <a:p>
-            <a:pPr marL="0" indent="0">
-              <a:lnSpc>
-                <a:spcPct val="120000"/>
-              </a:lnSpc>
-              <a:buNone/>
-            </a:pPr>
-            <a:r>
-              <a:rPr lang="zh-CN" altLang="en-US" sz="2400" dirty="0" smtClean="0">
-                <a:latin typeface="+mn-ea"/>
-              </a:rPr>
-              <a:t>解</a:t>
-            </a:r>
-            <a:r>
-              <a:rPr lang="zh-CN" altLang="en-US" sz="2400" dirty="0">
-                <a:latin typeface="+mn-ea"/>
-              </a:rPr>
-              <a:t>压后进入目录，执行</a:t>
-            </a:r>
-            <a:r>
-              <a:rPr lang="en-US" altLang="zh-CN" sz="2400" dirty="0">
-                <a:latin typeface="+mn-ea"/>
-              </a:rPr>
-              <a:t>startAgent.sh</a:t>
-            </a:r>
-            <a:r>
-              <a:rPr lang="zh-CN" altLang="en-US" sz="2400" dirty="0">
-                <a:latin typeface="+mn-ea"/>
-              </a:rPr>
-              <a:t>或</a:t>
-            </a:r>
-            <a:r>
-              <a:rPr lang="en-US" altLang="zh-CN" sz="2400" dirty="0">
-                <a:latin typeface="+mn-ea"/>
-              </a:rPr>
-              <a:t>startAgent.bat</a:t>
-            </a:r>
-            <a:r>
-              <a:rPr lang="zh-CN" altLang="en-US" sz="2400" dirty="0">
-                <a:latin typeface="+mn-ea"/>
-              </a:rPr>
-              <a:t>即可启动</a:t>
-            </a:r>
-            <a:r>
-              <a:rPr lang="en-US" altLang="zh-CN" sz="2400" dirty="0" smtClean="0">
-                <a:latin typeface="+mn-ea"/>
-              </a:rPr>
-              <a:t>agent</a:t>
-            </a:r>
-          </a:p>
-          <a:p>
-            <a:pPr marL="0" indent="0">
-              <a:lnSpc>
-                <a:spcPct val="120000"/>
-              </a:lnSpc>
-              <a:buNone/>
-            </a:pPr>
-            <a:r>
-              <a:rPr lang="zh-CN" altLang="en-US" sz="2400" dirty="0">
-                <a:solidFill>
-                  <a:srgbClr val="FF0000"/>
-                </a:solidFill>
-                <a:latin typeface="+mn-ea"/>
-              </a:rPr>
-              <a:t>请</a:t>
-            </a:r>
-            <a:r>
-              <a:rPr lang="zh-CN" altLang="en-US" sz="2400" dirty="0" smtClean="0">
-                <a:solidFill>
-                  <a:srgbClr val="FF0000"/>
-                </a:solidFill>
-                <a:latin typeface="+mn-ea"/>
-              </a:rPr>
-              <a:t>注意：</a:t>
-            </a:r>
-            <a:r>
-              <a:rPr lang="zh-CN" altLang="en-US" sz="2400" dirty="0" smtClean="0"/>
-              <a:t>安装</a:t>
-            </a:r>
-            <a:r>
-              <a:rPr lang="zh-CN" altLang="en-US" sz="2400" dirty="0"/>
-              <a:t>性能监控插件</a:t>
-            </a:r>
-            <a:r>
-              <a:rPr lang="en-US" altLang="zh-CN" sz="2400" dirty="0"/>
-              <a:t>(</a:t>
-            </a:r>
-            <a:r>
-              <a:rPr lang="en-US" altLang="zh-CN" sz="2400" dirty="0" err="1"/>
-              <a:t>jmeter</a:t>
-            </a:r>
-            <a:r>
-              <a:rPr lang="en-US" altLang="zh-CN" sz="2400" dirty="0"/>
-              <a:t>-plugins)</a:t>
-            </a:r>
-            <a:r>
-              <a:rPr lang="zh-CN" altLang="en-US" sz="2400" dirty="0"/>
-              <a:t>后报如下错误，由于</a:t>
-            </a:r>
-            <a:r>
-              <a:rPr lang="en-US" altLang="zh-CN" sz="2400" dirty="0" err="1"/>
-              <a:t>jmeter</a:t>
-            </a:r>
-            <a:r>
-              <a:rPr lang="zh-CN" altLang="en-US" sz="2400" dirty="0"/>
-              <a:t>版本过高</a:t>
-            </a:r>
-            <a:r>
-              <a:rPr lang="en-US" altLang="zh-CN" sz="2400" dirty="0"/>
-              <a:t>3.3</a:t>
-            </a:r>
-            <a:r>
-              <a:rPr lang="zh-CN" altLang="en-US" sz="2400" dirty="0"/>
-              <a:t>，</a:t>
-            </a:r>
-            <a:r>
-              <a:rPr lang="en-US" altLang="zh-CN" sz="2400" dirty="0"/>
-              <a:t>jmeter3.1</a:t>
-            </a:r>
-            <a:r>
-              <a:rPr lang="zh-CN" altLang="en-US" sz="2400" dirty="0"/>
-              <a:t>可以</a:t>
-            </a:r>
-            <a:r>
-              <a:rPr lang="zh-CN" altLang="en-US" sz="2400" dirty="0" smtClean="0"/>
-              <a:t>成功</a:t>
-            </a:r>
-            <a:endParaRPr lang="en-US" altLang="zh-CN" sz="2400" dirty="0" smtClean="0"/>
-          </a:p>
-          <a:p>
-            <a:pPr marL="0" indent="0">
-              <a:buNone/>
-            </a:pPr>
-            <a:r>
-              <a:rPr lang="en-US" altLang="zh-CN" sz="2400" dirty="0" err="1" smtClean="0"/>
-              <a:t>org.apache.jmeter.samplers.SampleSaveConfiguration.setFormatter</a:t>
-            </a:r>
-            <a:endParaRPr lang="zh-CN" altLang="en-US" sz="2400" dirty="0"/>
-          </a:p>
-        </p:txBody>
-      </p:sp>
-      <p:sp>
-        <p:nvSpPr>
-          <p:cNvPr id="3" name="标题 2"/>
-          <p:cNvSpPr>
-            <a:spLocks noGrp="1"/>
-          </p:cNvSpPr>
-          <p:nvPr>
-            <p:ph type="title"/>
-          </p:nvPr>
-        </p:nvSpPr>
-        <p:spPr/>
-        <p:txBody>
-          <a:bodyPr/>
-          <a:lstStyle/>
-          <a:p>
-            <a:r>
-              <a:rPr lang="en-US" altLang="zh-CN" dirty="0" err="1"/>
-              <a:t>Jmeter</a:t>
-            </a:r>
-            <a:r>
-              <a:rPr lang="zh-CN" altLang="en-US" dirty="0"/>
-              <a:t>之资源图形监控</a:t>
-            </a:r>
-          </a:p>
-        </p:txBody>
-      </p:sp>
-    </p:spTree>
-    <p:extLst>
-      <p:ext uri="{BB962C8B-B14F-4D97-AF65-F5344CB8AC3E}">
-        <p14:creationId xmlns:p14="http://schemas.microsoft.com/office/powerpoint/2010/main" val="2675445907"/>
-      </p:ext>
-    </p:extLst>
-  </p:cSld>
-  <p:clrMapOvr>
-    <a:masterClrMapping/>
-  </p:clrMapOvr>
-  <p:timing>
-    <p:tnLst>
-      <p:par>
-        <p:cTn id="1" dur="indefinite" restart="never" nodeType="tmRoot"/>
-      </p:par>
-    </p:tnLst>
-  </p:timing>
-</p:sld>
-</file>
-
-<file path=ppt/slides/slide6.xml><?xml version="1.0" encoding="utf-8"?>
-<p:sld xmlns:a="http://schemas.openxmlformats.org/drawingml/2006/main" xmlns:r="http://schemas.openxmlformats.org/officeDocument/2006/relationships" xmlns:p="http://schemas.openxmlformats.org/presentationml/2006/main">
-  <p:cSld>
-    <p:spTree>
-      <p:nvGrpSpPr>
-        <p:cNvPr id="1" name=""/>
-        <p:cNvGrpSpPr/>
-        <p:nvPr/>
-      </p:nvGrpSpPr>
-      <p:grpSpPr>
-        <a:xfrm>
-          <a:off x="0" y="0"/>
-          <a:ext cx="0" cy="0"/>
-          <a:chOff x="0" y="0"/>
-          <a:chExt cx="0" cy="0"/>
-        </a:xfrm>
-      </p:grpSpPr>
-      <p:sp>
-        <p:nvSpPr>
-          <p:cNvPr id="2" name="内容占位符 1"/>
-          <p:cNvSpPr>
-            <a:spLocks noGrp="1"/>
-          </p:cNvSpPr>
-          <p:nvPr>
-            <p:ph idx="1"/>
-          </p:nvPr>
-        </p:nvSpPr>
-        <p:spPr>
-          <a:xfrm>
-            <a:off x="395536" y="1268760"/>
-            <a:ext cx="8229600" cy="4525963"/>
-          </a:xfrm>
-        </p:spPr>
-        <p:txBody>
-          <a:bodyPr>
-            <a:normAutofit fontScale="62500" lnSpcReduction="20000"/>
-          </a:bodyPr>
-          <a:lstStyle/>
-          <a:p>
-            <a:r>
-              <a:rPr lang="en-US" altLang="zh-CN" dirty="0" err="1">
-                <a:latin typeface="+mn-ea"/>
-              </a:rPr>
-              <a:t>jp@gc</a:t>
-            </a:r>
-            <a:r>
-              <a:rPr lang="en-US" altLang="zh-CN" dirty="0">
-                <a:latin typeface="+mn-ea"/>
-              </a:rPr>
-              <a:t> - Bytes Throughput Over Time:</a:t>
-            </a:r>
-            <a:r>
-              <a:rPr lang="zh-CN" altLang="en-US" dirty="0">
-                <a:latin typeface="+mn-ea"/>
-              </a:rPr>
-              <a:t>不同时间吞吐量展示（图表） </a:t>
-            </a:r>
-            <a:br>
-              <a:rPr lang="zh-CN" altLang="en-US" dirty="0">
-                <a:latin typeface="+mn-ea"/>
-              </a:rPr>
-            </a:br>
-            <a:r>
-              <a:rPr lang="zh-CN" altLang="en-US" dirty="0">
-                <a:latin typeface="+mn-ea"/>
-              </a:rPr>
-              <a:t>聚合报告里，</a:t>
-            </a:r>
-            <a:r>
-              <a:rPr lang="en-US" altLang="zh-CN" dirty="0">
-                <a:latin typeface="+mn-ea"/>
-              </a:rPr>
-              <a:t>Throughput</a:t>
-            </a:r>
-            <a:r>
-              <a:rPr lang="zh-CN" altLang="en-US" dirty="0">
-                <a:latin typeface="+mn-ea"/>
-              </a:rPr>
-              <a:t>是按请求个数来展示的，比如说</a:t>
-            </a:r>
-            <a:r>
-              <a:rPr lang="en-US" altLang="zh-CN" dirty="0">
-                <a:latin typeface="+mn-ea"/>
-              </a:rPr>
-              <a:t>1.9/sec</a:t>
-            </a:r>
-            <a:r>
-              <a:rPr lang="zh-CN" altLang="en-US" dirty="0">
-                <a:latin typeface="+mn-ea"/>
-              </a:rPr>
-              <a:t>，就是每</a:t>
-            </a:r>
-            <a:r>
-              <a:rPr lang="en-US" altLang="zh-CN" dirty="0">
-                <a:latin typeface="+mn-ea"/>
-              </a:rPr>
-              <a:t>s</a:t>
-            </a:r>
-            <a:r>
-              <a:rPr lang="zh-CN" altLang="en-US" dirty="0">
-                <a:latin typeface="+mn-ea"/>
-              </a:rPr>
-              <a:t>发送</a:t>
-            </a:r>
-            <a:r>
-              <a:rPr lang="en-US" altLang="zh-CN" dirty="0">
-                <a:latin typeface="+mn-ea"/>
-              </a:rPr>
-              <a:t>1.9</a:t>
-            </a:r>
-            <a:r>
-              <a:rPr lang="zh-CN" altLang="en-US" dirty="0">
-                <a:latin typeface="+mn-ea"/>
-              </a:rPr>
-              <a:t>个请求；而这里的展示是按字节</a:t>
-            </a:r>
-            <a:r>
-              <a:rPr lang="en-US" altLang="zh-CN" dirty="0">
-                <a:latin typeface="+mn-ea"/>
-              </a:rPr>
-              <a:t>Bytes</a:t>
-            </a:r>
-            <a:r>
-              <a:rPr lang="zh-CN" altLang="en-US" dirty="0">
-                <a:latin typeface="+mn-ea"/>
-              </a:rPr>
-              <a:t>来展示的图表</a:t>
-            </a:r>
-          </a:p>
-          <a:p>
-            <a:r>
-              <a:rPr lang="en-US" altLang="zh-CN" dirty="0" err="1">
-                <a:latin typeface="+mn-ea"/>
-              </a:rPr>
-              <a:t>jp@gc</a:t>
-            </a:r>
-            <a:r>
-              <a:rPr lang="en-US" altLang="zh-CN" dirty="0">
-                <a:latin typeface="+mn-ea"/>
-              </a:rPr>
-              <a:t> - Composite Graph</a:t>
-            </a:r>
-            <a:r>
-              <a:rPr lang="zh-CN" altLang="en-US" dirty="0">
-                <a:latin typeface="+mn-ea"/>
-              </a:rPr>
-              <a:t>： 混合图表 </a:t>
-            </a:r>
-            <a:br>
-              <a:rPr lang="zh-CN" altLang="en-US" dirty="0">
-                <a:latin typeface="+mn-ea"/>
-              </a:rPr>
-            </a:br>
-            <a:r>
-              <a:rPr lang="zh-CN" altLang="en-US" dirty="0">
-                <a:latin typeface="+mn-ea"/>
-              </a:rPr>
-              <a:t>在它的</a:t>
-            </a:r>
-            <a:r>
-              <a:rPr lang="en-US" altLang="zh-CN" dirty="0">
-                <a:latin typeface="+mn-ea"/>
-              </a:rPr>
-              <a:t>Graphs</a:t>
-            </a:r>
-            <a:r>
-              <a:rPr lang="zh-CN" altLang="en-US" dirty="0">
-                <a:latin typeface="+mn-ea"/>
-              </a:rPr>
-              <a:t>里面可以设置多少个图表一起展示，它可以同时展示多个图表</a:t>
-            </a:r>
-          </a:p>
-          <a:p>
-            <a:r>
-              <a:rPr lang="en-US" altLang="zh-CN" dirty="0" err="1">
-                <a:latin typeface="+mn-ea"/>
-              </a:rPr>
-              <a:t>jp@gc</a:t>
-            </a:r>
-            <a:r>
-              <a:rPr lang="en-US" altLang="zh-CN" dirty="0">
-                <a:latin typeface="+mn-ea"/>
-              </a:rPr>
-              <a:t> - Hits per Second</a:t>
-            </a:r>
-            <a:r>
-              <a:rPr lang="zh-CN" altLang="en-US" dirty="0">
-                <a:latin typeface="+mn-ea"/>
-              </a:rPr>
-              <a:t>：每秒点击量</a:t>
-            </a:r>
-          </a:p>
-          <a:p>
-            <a:r>
-              <a:rPr lang="en-US" altLang="zh-CN" dirty="0" err="1">
-                <a:latin typeface="+mn-ea"/>
-              </a:rPr>
-              <a:t>jp@gc</a:t>
-            </a:r>
-            <a:r>
-              <a:rPr lang="en-US" altLang="zh-CN" dirty="0">
-                <a:latin typeface="+mn-ea"/>
-              </a:rPr>
-              <a:t> - </a:t>
-            </a:r>
-            <a:r>
-              <a:rPr lang="en-US" altLang="zh-CN" dirty="0" err="1">
-                <a:latin typeface="+mn-ea"/>
-              </a:rPr>
-              <a:t>PerfMon</a:t>
-            </a:r>
-            <a:r>
-              <a:rPr lang="en-US" altLang="zh-CN" dirty="0">
-                <a:latin typeface="+mn-ea"/>
-              </a:rPr>
-              <a:t> Metrics Collector</a:t>
-            </a:r>
-            <a:r>
-              <a:rPr lang="zh-CN" altLang="en-US" dirty="0">
-                <a:latin typeface="+mn-ea"/>
-              </a:rPr>
-              <a:t>：服务器性能监测控件，包括</a:t>
-            </a:r>
-            <a:r>
-              <a:rPr lang="en-US" altLang="zh-CN" dirty="0">
-                <a:latin typeface="+mn-ea"/>
-              </a:rPr>
-              <a:t>CPU</a:t>
-            </a:r>
-            <a:r>
-              <a:rPr lang="zh-CN" altLang="en-US" dirty="0">
-                <a:latin typeface="+mn-ea"/>
-              </a:rPr>
-              <a:t>，</a:t>
-            </a:r>
-            <a:r>
-              <a:rPr lang="en-US" altLang="zh-CN" dirty="0">
-                <a:latin typeface="+mn-ea"/>
-              </a:rPr>
-              <a:t>Memory</a:t>
-            </a:r>
-            <a:r>
-              <a:rPr lang="zh-CN" altLang="en-US" dirty="0">
-                <a:latin typeface="+mn-ea"/>
-              </a:rPr>
-              <a:t>，</a:t>
-            </a:r>
-            <a:r>
-              <a:rPr lang="en-US" altLang="zh-CN" dirty="0">
-                <a:latin typeface="+mn-ea"/>
-              </a:rPr>
-              <a:t>Network</a:t>
-            </a:r>
-            <a:r>
-              <a:rPr lang="zh-CN" altLang="en-US" dirty="0">
-                <a:latin typeface="+mn-ea"/>
-              </a:rPr>
-              <a:t>，</a:t>
-            </a:r>
-            <a:r>
-              <a:rPr lang="en-US" altLang="zh-CN" dirty="0">
-                <a:latin typeface="+mn-ea"/>
-              </a:rPr>
-              <a:t>I/O</a:t>
-            </a:r>
-            <a:r>
-              <a:rPr lang="zh-CN" altLang="en-US" dirty="0">
-                <a:latin typeface="+mn-ea"/>
-              </a:rPr>
-              <a:t>等等</a:t>
-            </a:r>
-          </a:p>
-          <a:p>
-            <a:r>
-              <a:rPr lang="en-US" altLang="zh-CN" dirty="0" err="1">
-                <a:latin typeface="+mn-ea"/>
-              </a:rPr>
-              <a:t>jp@gc</a:t>
-            </a:r>
-            <a:r>
-              <a:rPr lang="en-US" altLang="zh-CN" dirty="0">
-                <a:latin typeface="+mn-ea"/>
-              </a:rPr>
-              <a:t> - </a:t>
-            </a:r>
-            <a:r>
-              <a:rPr lang="en-US" altLang="zh-CN" dirty="0" err="1">
-                <a:latin typeface="+mn-ea"/>
-              </a:rPr>
-              <a:t>Reponse</a:t>
-            </a:r>
-            <a:r>
-              <a:rPr lang="en-US" altLang="zh-CN" dirty="0">
-                <a:latin typeface="+mn-ea"/>
-              </a:rPr>
-              <a:t> Latencies Over Time</a:t>
-            </a:r>
-            <a:r>
-              <a:rPr lang="zh-CN" altLang="en-US" dirty="0">
-                <a:latin typeface="+mn-ea"/>
-              </a:rPr>
-              <a:t>：记录客户端发送请求完成后，服务器端返回请求之前这段时间</a:t>
-            </a:r>
-          </a:p>
-          <a:p>
-            <a:r>
-              <a:rPr lang="en-US" altLang="zh-CN" dirty="0" err="1">
-                <a:latin typeface="+mn-ea"/>
-              </a:rPr>
-              <a:t>jp@gc</a:t>
-            </a:r>
-            <a:r>
-              <a:rPr lang="en-US" altLang="zh-CN" dirty="0">
-                <a:latin typeface="+mn-ea"/>
-              </a:rPr>
-              <a:t> - </a:t>
-            </a:r>
-            <a:r>
-              <a:rPr lang="en-US" altLang="zh-CN" dirty="0" err="1">
-                <a:latin typeface="+mn-ea"/>
-              </a:rPr>
-              <a:t>Reponse</a:t>
-            </a:r>
-            <a:r>
-              <a:rPr lang="en-US" altLang="zh-CN" dirty="0">
-                <a:latin typeface="+mn-ea"/>
-              </a:rPr>
-              <a:t> Times Distribution</a:t>
-            </a:r>
-            <a:r>
-              <a:rPr lang="zh-CN" altLang="en-US" dirty="0">
-                <a:latin typeface="+mn-ea"/>
-              </a:rPr>
-              <a:t>：</a:t>
-            </a:r>
-            <a:r>
-              <a:rPr lang="en-US" altLang="zh-CN" dirty="0">
-                <a:latin typeface="+mn-ea"/>
-              </a:rPr>
-              <a:t> </a:t>
-            </a:r>
-            <a:r>
-              <a:rPr lang="zh-CN" altLang="en-US" dirty="0">
-                <a:latin typeface="+mn-ea"/>
-              </a:rPr>
-              <a:t>显示测试的响应时间分布，</a:t>
-            </a:r>
-            <a:r>
-              <a:rPr lang="en-US" altLang="zh-CN" dirty="0">
-                <a:latin typeface="+mn-ea"/>
-              </a:rPr>
-              <a:t>X</a:t>
-            </a:r>
-            <a:r>
-              <a:rPr lang="zh-CN" altLang="en-US" dirty="0">
-                <a:latin typeface="+mn-ea"/>
-              </a:rPr>
-              <a:t>轴显示由时间间隔分组的响应时间，</a:t>
-            </a:r>
-            <a:r>
-              <a:rPr lang="en-US" altLang="zh-CN" dirty="0">
-                <a:latin typeface="+mn-ea"/>
-              </a:rPr>
-              <a:t>Y</a:t>
-            </a:r>
-            <a:r>
-              <a:rPr lang="zh-CN" altLang="en-US" dirty="0">
-                <a:latin typeface="+mn-ea"/>
-              </a:rPr>
-              <a:t>轴包含每个区间的样本数</a:t>
-            </a:r>
-          </a:p>
-          <a:p>
-            <a:r>
-              <a:rPr lang="en-US" altLang="zh-CN" dirty="0" err="1">
-                <a:latin typeface="+mn-ea"/>
-              </a:rPr>
-              <a:t>jp@gc</a:t>
-            </a:r>
-            <a:r>
-              <a:rPr lang="en-US" altLang="zh-CN" dirty="0">
-                <a:latin typeface="+mn-ea"/>
-              </a:rPr>
-              <a:t> - Transactions per Second</a:t>
-            </a:r>
-            <a:r>
-              <a:rPr lang="zh-CN" altLang="en-US" dirty="0">
-                <a:latin typeface="+mn-ea"/>
-              </a:rPr>
-              <a:t>：</a:t>
-            </a:r>
-            <a:r>
-              <a:rPr lang="en-US" altLang="zh-CN" dirty="0">
-                <a:latin typeface="+mn-ea"/>
-              </a:rPr>
-              <a:t> </a:t>
-            </a:r>
-            <a:r>
-              <a:rPr lang="zh-CN" altLang="en-US" dirty="0">
-                <a:latin typeface="+mn-ea"/>
-              </a:rPr>
-              <a:t>每秒事务数，服务器每秒处理的事务数</a:t>
-            </a:r>
-          </a:p>
-          <a:p>
-            <a:endParaRPr lang="zh-CN" altLang="en-US" dirty="0"/>
-          </a:p>
-        </p:txBody>
-      </p:sp>
-      <p:sp>
-        <p:nvSpPr>
-          <p:cNvPr id="3" name="标题 2"/>
-          <p:cNvSpPr>
-            <a:spLocks noGrp="1"/>
-          </p:cNvSpPr>
-          <p:nvPr>
-            <p:ph type="title"/>
-          </p:nvPr>
-        </p:nvSpPr>
-        <p:spPr/>
-        <p:txBody>
-          <a:bodyPr>
-            <a:normAutofit/>
-          </a:bodyPr>
-          <a:lstStyle/>
-          <a:p>
-            <a:r>
-              <a:rPr lang="zh-CN" altLang="en-US" dirty="0"/>
-              <a:t>常用组件简要</a:t>
-            </a:r>
-            <a:r>
-              <a:rPr lang="zh-CN" altLang="en-US" dirty="0" smtClean="0"/>
-              <a:t>介绍</a:t>
-            </a:r>
-            <a:endParaRPr lang="zh-CN" altLang="en-US" dirty="0"/>
-          </a:p>
-        </p:txBody>
-      </p:sp>
-    </p:spTree>
-    <p:extLst>
-      <p:ext uri="{BB962C8B-B14F-4D97-AF65-F5344CB8AC3E}">
-        <p14:creationId xmlns:p14="http://schemas.microsoft.com/office/powerpoint/2010/main" val="20312887"/>
-      </p:ext>
-    </p:extLst>
-  </p:cSld>
-  <p:clrMapOvr>
-    <a:masterClrMapping/>
-  </p:clrMapOvr>
-  <p:timing>
-    <p:tnLst>
-      <p:par>
-        <p:cTn id="1" dur="indefinite" restart="never" nodeType="tmRoot"/>
-      </p:par>
-    </p:tnLst>
-  </p:timing>
-</p:sld>
-</file>
-
-<file path=ppt/slides/slide7.xml><?xml version="1.0" encoding="utf-8"?>
-<p:sld xmlns:a="http://schemas.openxmlformats.org/drawingml/2006/main" xmlns:r="http://schemas.openxmlformats.org/officeDocument/2006/relationships" xmlns:p="http://schemas.openxmlformats.org/presentationml/2006/main">
-  <p:cSld>
-    <p:spTree>
-      <p:nvGrpSpPr>
-        <p:cNvPr id="1" name=""/>
-        <p:cNvGrpSpPr/>
-        <p:nvPr/>
-      </p:nvGrpSpPr>
-      <p:grpSpPr>
-        <a:xfrm>
-          <a:off x="0" y="0"/>
-          <a:ext cx="0" cy="0"/>
-          <a:chOff x="0" y="0"/>
-          <a:chExt cx="0" cy="0"/>
-        </a:xfrm>
-      </p:grpSpPr>
-      <p:sp>
-        <p:nvSpPr>
-          <p:cNvPr id="2" name="内容占位符 1"/>
-          <p:cNvSpPr>
-            <a:spLocks noGrp="1"/>
-          </p:cNvSpPr>
-          <p:nvPr>
-            <p:ph idx="1"/>
-          </p:nvPr>
-        </p:nvSpPr>
-        <p:spPr>
-          <a:xfrm>
-            <a:off x="287016" y="1484784"/>
-            <a:ext cx="8856984" cy="4525963"/>
-          </a:xfrm>
-        </p:spPr>
-        <p:txBody>
-          <a:bodyPr/>
-          <a:lstStyle/>
-          <a:p>
-            <a:pPr marL="0" indent="0">
-              <a:buNone/>
-            </a:pPr>
-            <a:r>
-              <a:rPr lang="zh-CN" altLang="en-US" dirty="0" smtClean="0">
-                <a:latin typeface="+mn-ea"/>
-              </a:rPr>
-              <a:t>场景</a:t>
-            </a:r>
-            <a:endParaRPr lang="en-US" altLang="zh-CN" dirty="0" smtClean="0">
-              <a:latin typeface="+mn-ea"/>
-            </a:endParaRPr>
-          </a:p>
-          <a:p>
-            <a:r>
-              <a:rPr lang="en-US" altLang="zh-CN" dirty="0" smtClean="0">
-                <a:latin typeface="+mn-ea"/>
-              </a:rPr>
-              <a:t>1S</a:t>
-            </a:r>
-            <a:r>
-              <a:rPr lang="zh-CN" altLang="en-US" dirty="0" smtClean="0">
-                <a:latin typeface="+mn-ea"/>
-              </a:rPr>
-              <a:t>增加</a:t>
-            </a:r>
-            <a:r>
-              <a:rPr lang="en-US" altLang="zh-CN" dirty="0" smtClean="0">
-                <a:latin typeface="+mn-ea"/>
-              </a:rPr>
-              <a:t>2</a:t>
-            </a:r>
-            <a:r>
-              <a:rPr lang="zh-CN" altLang="en-US" dirty="0" smtClean="0">
-                <a:latin typeface="+mn-ea"/>
-              </a:rPr>
-              <a:t>个线程；运行</a:t>
-            </a:r>
-            <a:r>
-              <a:rPr lang="en-US" altLang="zh-CN" dirty="0" smtClean="0">
-                <a:latin typeface="+mn-ea"/>
-              </a:rPr>
-              <a:t>1000</a:t>
-            </a:r>
-            <a:r>
-              <a:rPr lang="zh-CN" altLang="en-US" dirty="0" smtClean="0">
-                <a:latin typeface="+mn-ea"/>
-              </a:rPr>
-              <a:t>次</a:t>
-            </a:r>
-            <a:endParaRPr lang="en-US" altLang="zh-CN" dirty="0" smtClean="0">
-              <a:latin typeface="+mn-ea"/>
-            </a:endParaRPr>
-          </a:p>
-          <a:p>
-            <a:r>
-              <a:rPr lang="zh-CN" altLang="en-US" dirty="0">
-                <a:latin typeface="+mn-ea"/>
-              </a:rPr>
-              <a:t>分</a:t>
-            </a:r>
-            <a:r>
-              <a:rPr lang="zh-CN" altLang="en-US" dirty="0" smtClean="0">
-                <a:latin typeface="+mn-ea"/>
-              </a:rPr>
-              <a:t>别看</a:t>
-            </a:r>
-            <a:r>
-              <a:rPr lang="en-US" altLang="zh-CN" dirty="0" smtClean="0">
-                <a:latin typeface="+mn-ea"/>
-              </a:rPr>
-              <a:t>50</a:t>
-            </a:r>
-            <a:r>
-              <a:rPr lang="zh-CN" altLang="en-US" dirty="0" smtClean="0">
-                <a:latin typeface="+mn-ea"/>
-              </a:rPr>
-              <a:t>，</a:t>
-            </a:r>
-            <a:r>
-              <a:rPr lang="en-US" altLang="zh-CN" dirty="0" smtClean="0">
-                <a:latin typeface="+mn-ea"/>
-              </a:rPr>
-              <a:t>100</a:t>
-            </a:r>
-            <a:r>
-              <a:rPr lang="zh-CN" altLang="en-US" dirty="0" smtClean="0">
-                <a:latin typeface="+mn-ea"/>
-              </a:rPr>
-              <a:t>并发</a:t>
-            </a:r>
-            <a:r>
-              <a:rPr lang="zh-CN" altLang="en-US" dirty="0" smtClean="0">
-                <a:latin typeface="+mn-ea"/>
-              </a:rPr>
-              <a:t>下的表现</a:t>
-            </a:r>
-            <a:endParaRPr lang="en-US" altLang="zh-CN" dirty="0" smtClean="0">
-              <a:latin typeface="+mn-ea"/>
-            </a:endParaRPr>
-          </a:p>
-          <a:p>
-            <a:pPr marL="0" indent="0">
-              <a:buNone/>
-            </a:pPr>
-            <a:r>
-              <a:rPr lang="zh-CN" altLang="en-US" dirty="0" smtClean="0">
-                <a:latin typeface="+mn-ea"/>
-              </a:rPr>
-              <a:t>监控</a:t>
-            </a:r>
-            <a:endParaRPr lang="en-US" altLang="zh-CN" dirty="0" smtClean="0">
-              <a:latin typeface="+mn-ea"/>
-            </a:endParaRPr>
-          </a:p>
-          <a:p>
-            <a:r>
-              <a:rPr lang="zh-CN" altLang="en-US" dirty="0">
-                <a:latin typeface="+mn-ea"/>
-              </a:rPr>
-              <a:t>成功率、响应时间、标准差、</a:t>
-            </a:r>
-            <a:r>
-              <a:rPr lang="en-US" altLang="zh-CN" dirty="0">
-                <a:latin typeface="+mn-ea"/>
-              </a:rPr>
-              <a:t>CPU</a:t>
-            </a:r>
-            <a:r>
-              <a:rPr lang="zh-CN" altLang="en-US" dirty="0">
-                <a:latin typeface="+mn-ea"/>
-              </a:rPr>
-              <a:t>、</a:t>
-            </a:r>
-            <a:r>
-              <a:rPr lang="en-US" altLang="zh-CN" dirty="0" err="1">
-                <a:latin typeface="+mn-ea"/>
-              </a:rPr>
-              <a:t>Mem</a:t>
-            </a:r>
-            <a:r>
-              <a:rPr lang="zh-CN" altLang="en-US" dirty="0">
-                <a:latin typeface="+mn-ea"/>
-              </a:rPr>
-              <a:t>、</a:t>
-            </a:r>
-            <a:r>
-              <a:rPr lang="en-US" altLang="zh-CN" dirty="0">
-                <a:latin typeface="+mn-ea"/>
-              </a:rPr>
-              <a:t>IO</a:t>
-            </a:r>
-          </a:p>
-          <a:p>
-            <a:r>
-              <a:rPr lang="zh-CN" altLang="en-US" dirty="0">
-                <a:latin typeface="+mn-ea"/>
-              </a:rPr>
-              <a:t>资源监控需要</a:t>
-            </a:r>
-            <a:r>
-              <a:rPr lang="zh-CN" altLang="en-US" dirty="0" smtClean="0">
-                <a:latin typeface="+mn-ea"/>
-              </a:rPr>
-              <a:t>在</a:t>
-            </a:r>
-            <a:r>
-              <a:rPr lang="en-US" altLang="zh-CN" dirty="0" smtClean="0">
-                <a:latin typeface="+mn-ea"/>
-              </a:rPr>
-              <a:t>windows</a:t>
-            </a:r>
-            <a:r>
-              <a:rPr lang="zh-CN" altLang="en-US" dirty="0" smtClean="0">
-                <a:latin typeface="+mn-ea"/>
-              </a:rPr>
-              <a:t>下</a:t>
-            </a:r>
-            <a:r>
-              <a:rPr lang="zh-CN" altLang="en-US" dirty="0">
-                <a:latin typeface="+mn-ea"/>
-              </a:rPr>
-              <a:t>部署</a:t>
-            </a:r>
-            <a:r>
-              <a:rPr lang="zh-CN" altLang="en-US" dirty="0" smtClean="0">
-                <a:latin typeface="+mn-ea"/>
-              </a:rPr>
-              <a:t>监控</a:t>
-            </a:r>
-            <a:r>
-              <a:rPr lang="en-US" altLang="zh-CN" dirty="0" smtClean="0">
-                <a:latin typeface="+mn-ea"/>
-              </a:rPr>
-              <a:t>ServerAgent</a:t>
-            </a:r>
-            <a:endParaRPr lang="zh-CN" altLang="en-US" dirty="0">
-              <a:latin typeface="+mn-ea"/>
-            </a:endParaRPr>
-          </a:p>
-        </p:txBody>
-      </p:sp>
-      <p:sp>
-        <p:nvSpPr>
-          <p:cNvPr id="3" name="标题 2"/>
-          <p:cNvSpPr>
-            <a:spLocks noGrp="1"/>
-          </p:cNvSpPr>
-          <p:nvPr>
-            <p:ph type="title"/>
-          </p:nvPr>
-        </p:nvSpPr>
-        <p:spPr/>
-        <p:txBody>
-          <a:bodyPr>
-            <a:normAutofit/>
-          </a:bodyPr>
-          <a:lstStyle/>
-          <a:p>
-            <a:r>
-              <a:rPr lang="en-US" altLang="zh-CN" dirty="0" err="1"/>
-              <a:t>Jmeter</a:t>
-            </a:r>
-            <a:r>
-              <a:rPr lang="en-US" altLang="zh-CN" dirty="0"/>
-              <a:t> </a:t>
-            </a:r>
-            <a:r>
-              <a:rPr lang="zh-CN" altLang="en-US" dirty="0"/>
-              <a:t>性能测试</a:t>
-            </a:r>
-            <a:r>
-              <a:rPr lang="en-US" altLang="zh-CN" dirty="0"/>
-              <a:t>-</a:t>
-            </a:r>
-            <a:r>
-              <a:rPr lang="zh-CN" altLang="en-US" dirty="0"/>
-              <a:t>图形监控</a:t>
-            </a:r>
-          </a:p>
-        </p:txBody>
-      </p:sp>
-    </p:spTree>
-    <p:extLst>
-      <p:ext uri="{BB962C8B-B14F-4D97-AF65-F5344CB8AC3E}">
-        <p14:creationId xmlns:p14="http://schemas.microsoft.com/office/powerpoint/2010/main" val="733653089"/>
-      </p:ext>
-    </p:extLst>
-  </p:cSld>
-  <p:clrMapOvr>
-    <a:masterClrMapping/>
-  </p:clrMapOvr>
-  <p:timing>
-    <p:tnLst>
-      <p:par>
-        <p:cTn id="1" dur="indefinite" restart="never" nodeType="tmRoot"/>
-      </p:par>
-    </p:tnLst>
-  </p:timing>
-</p:sld>
-</file>
-
-<file path=ppt/slides/slide8.xml><?xml version="1.0" encoding="utf-8"?>
-<p:sld xmlns:a="http://schemas.openxmlformats.org/drawingml/2006/main" xmlns:r="http://schemas.openxmlformats.org/officeDocument/2006/relationships" xmlns:p="http://schemas.openxmlformats.org/presentationml/2006/main">
-  <p:cSld>
-    <p:spTree>
-      <p:nvGrpSpPr>
-        <p:cNvPr id="1" name=""/>
-        <p:cNvGrpSpPr/>
-        <p:nvPr/>
-      </p:nvGrpSpPr>
-      <p:grpSpPr>
-        <a:xfrm>
-          <a:off x="0" y="0"/>
-          <a:ext cx="0" cy="0"/>
-          <a:chOff x="0" y="0"/>
-          <a:chExt cx="0" cy="0"/>
-        </a:xfrm>
-      </p:grpSpPr>
-      <p:sp>
-        <p:nvSpPr>
-          <p:cNvPr id="2" name="内容占位符 1"/>
-          <p:cNvSpPr>
-            <a:spLocks noGrp="1"/>
-          </p:cNvSpPr>
-          <p:nvPr>
-            <p:ph idx="1"/>
-          </p:nvPr>
-        </p:nvSpPr>
         <p:spPr>
           <a:xfrm>
             <a:off x="395536" y="1052736"/>
@@ -9766,11 +6821,7 @@
             </a:pPr>
             <a:r>
               <a:rPr lang="zh-CN" altLang="en-US" dirty="0" smtClean="0"/>
-              <a:t>在其他地方直接使用转化后的</a:t>
-            </a:r>
-            <a:r>
-              <a:rPr lang="zh-CN" altLang="en-US" dirty="0" smtClean="0"/>
-              <a:t>变量  </a:t>
+              <a:t>在其他地方直接使用转化后的变量  </a:t>
             </a:r>
             <a:r>
               <a:rPr lang="en-US" altLang="zh-CN" dirty="0" smtClean="0"/>
@@ -9886,7 +6937,7 @@
     </p:spTree>
     <p:extLst>
       <p:ext uri="{BB962C8B-B14F-4D97-AF65-F5344CB8AC3E}">
-        <p14:creationId xmlns:p14="http://schemas.microsoft.com/office/powerpoint/2010/main" val="2981336108"/>
+        <p14:creationId xmlns:p14="http://schemas.microsoft.com/office/powerpoint/2010/main" val="669879267"/>
       </p:ext>
     </p:extLst>
   </p:cSld>
@@ -9903,7 +6954,7 @@
 </p:sld>
 </file>
 
-<file path=ppt/slides/slide9.xml><?xml version="1.0" encoding="utf-8"?>
+<file path=ppt/slides/slide14.xml><?xml version="1.0" encoding="utf-8"?>
 <p:sld xmlns:a="http://schemas.openxmlformats.org/drawingml/2006/main" xmlns:r="http://schemas.openxmlformats.org/officeDocument/2006/relationships" xmlns:p="http://schemas.openxmlformats.org/presentationml/2006/main">
   <p:cSld>
     <p:spTree>
@@ -10065,7 +7116,7 @@
         </p:blipFill>
         <p:spPr bwMode="auto">
           <a:xfrm>
-            <a:off x="-24341" y="4653136"/>
+            <a:off x="-3894" y="4005064"/>
             <a:ext cx="9037637" cy="1752600"/>
           </a:xfrm>
           <a:prstGeom prst="rect">
@@ -10109,7 +7160,2972 @@
     </p:spTree>
     <p:extLst>
       <p:ext uri="{BB962C8B-B14F-4D97-AF65-F5344CB8AC3E}">
-        <p14:creationId xmlns:p14="http://schemas.microsoft.com/office/powerpoint/2010/main" val="1526007603"/>
+        <p14:creationId xmlns:p14="http://schemas.microsoft.com/office/powerpoint/2010/main" val="141898150"/>
+      </p:ext>
+    </p:extLst>
+  </p:cSld>
+  <p:clrMapOvr>
+    <a:masterClrMapping/>
+  </p:clrMapOvr>
+  <p:timing>
+    <p:tnLst>
+      <p:par>
+        <p:cTn id="1" dur="indefinite" restart="never" nodeType="tmRoot"/>
+      </p:par>
+    </p:tnLst>
+  </p:timing>
+</p:sld>
+</file>
+
+<file path=ppt/slides/slide15.xml><?xml version="1.0" encoding="utf-8"?>
+<p:sld xmlns:a="http://schemas.openxmlformats.org/drawingml/2006/main" xmlns:r="http://schemas.openxmlformats.org/officeDocument/2006/relationships" xmlns:p="http://schemas.openxmlformats.org/presentationml/2006/main">
+  <p:cSld>
+    <p:spTree>
+      <p:nvGrpSpPr>
+        <p:cNvPr id="1" name=""/>
+        <p:cNvGrpSpPr/>
+        <p:nvPr/>
+      </p:nvGrpSpPr>
+      <p:grpSpPr>
+        <a:xfrm>
+          <a:off x="0" y="0"/>
+          <a:ext cx="0" cy="0"/>
+          <a:chOff x="0" y="0"/>
+          <a:chExt cx="0" cy="0"/>
+        </a:xfrm>
+      </p:grpSpPr>
+      <p:sp>
+        <p:nvSpPr>
+          <p:cNvPr id="2" name="内容占位符 1"/>
+          <p:cNvSpPr>
+            <a:spLocks noGrp="1"/>
+          </p:cNvSpPr>
+          <p:nvPr>
+            <p:ph idx="1"/>
+          </p:nvPr>
+        </p:nvSpPr>
+        <p:spPr>
+          <a:xfrm>
+            <a:off x="539552" y="1124744"/>
+            <a:ext cx="8229600" cy="4525963"/>
+          </a:xfrm>
+        </p:spPr>
+        <p:txBody>
+          <a:bodyPr/>
+          <a:lstStyle/>
+          <a:p>
+            <a:pPr marL="0" indent="0">
+              <a:buNone/>
+            </a:pPr>
+            <a:r>
+              <a:rPr lang="en-US" altLang="zh-CN" dirty="0"/>
+              <a:t>Jmeter3.2</a:t>
+            </a:r>
+            <a:r>
+              <a:rPr lang="zh-CN" altLang="en-US" smtClean="0"/>
+              <a:t>版本之后就</a:t>
+            </a:r>
+            <a:r>
+              <a:rPr lang="zh-CN" altLang="en-US" dirty="0" smtClean="0"/>
+              <a:t>没有</a:t>
+            </a:r>
+            <a:r>
+              <a:rPr lang="en-US" altLang="zh-CN" i="1" dirty="0"/>
+              <a:t>SOAP</a:t>
+            </a:r>
+            <a:r>
+              <a:rPr lang="en-US" altLang="zh-CN" dirty="0"/>
+              <a:t>/XML-RPC Request</a:t>
+            </a:r>
+            <a:r>
+              <a:rPr lang="zh-CN" altLang="en-US" dirty="0" smtClean="0"/>
+              <a:t>了</a:t>
+            </a:r>
+            <a:r>
+              <a:rPr lang="zh-CN" altLang="en-US" dirty="0"/>
+              <a:t>；可以直接使用</a:t>
+            </a:r>
+            <a:r>
+              <a:rPr lang="en-US" altLang="zh-CN" dirty="0">
+                <a:solidFill>
+                  <a:srgbClr val="FF0000"/>
+                </a:solidFill>
+              </a:rPr>
+              <a:t>HTTP</a:t>
+            </a:r>
+            <a:r>
+              <a:rPr lang="zh-CN" altLang="en-US" dirty="0">
+                <a:solidFill>
+                  <a:srgbClr val="FF0000"/>
+                </a:solidFill>
+              </a:rPr>
+              <a:t>请求</a:t>
+            </a:r>
+            <a:r>
+              <a:rPr lang="zh-CN" altLang="en-US" dirty="0"/>
+              <a:t>来进行发送</a:t>
+            </a:r>
+            <a:r>
+              <a:rPr lang="en-US" altLang="zh-CN" dirty="0"/>
+              <a:t>SOAP</a:t>
+            </a:r>
+            <a:r>
+              <a:rPr lang="zh-CN" altLang="en-US" dirty="0"/>
+              <a:t>请求进行测试</a:t>
+            </a:r>
+          </a:p>
+        </p:txBody>
+      </p:sp>
+      <p:sp>
+        <p:nvSpPr>
+          <p:cNvPr id="3" name="标题 2"/>
+          <p:cNvSpPr>
+            <a:spLocks noGrp="1"/>
+          </p:cNvSpPr>
+          <p:nvPr>
+            <p:ph type="title"/>
+          </p:nvPr>
+        </p:nvSpPr>
+        <p:spPr/>
+        <p:txBody>
+          <a:bodyPr/>
+          <a:lstStyle/>
+          <a:p>
+            <a:r>
+              <a:rPr lang="en-US" altLang="zh-CN" dirty="0" err="1"/>
+              <a:t>WebService</a:t>
+            </a:r>
+            <a:r>
+              <a:rPr lang="zh-CN" altLang="en-US" dirty="0"/>
+              <a:t>测试</a:t>
+            </a:r>
+          </a:p>
+        </p:txBody>
+      </p:sp>
+      <p:pic>
+        <p:nvPicPr>
+          <p:cNvPr id="4" name="Picture 2"/>
+          <p:cNvPicPr>
+            <a:picLocks noChangeAspect="1" noChangeArrowheads="1"/>
+          </p:cNvPicPr>
+          <p:nvPr/>
+        </p:nvPicPr>
+        <p:blipFill>
+          <a:blip r:embed="rId2">
+            <a:extLst>
+              <a:ext uri="{28A0092B-C50C-407E-A947-70E740481C1C}">
+                <a14:useLocalDpi xmlns:a14="http://schemas.microsoft.com/office/drawing/2010/main" val="0"/>
+              </a:ext>
+            </a:extLst>
+          </a:blip>
+          <a:srcRect/>
+          <a:stretch>
+            <a:fillRect/>
+          </a:stretch>
+        </p:blipFill>
+        <p:spPr bwMode="auto">
+          <a:xfrm>
+            <a:off x="755576" y="2564904"/>
+            <a:ext cx="7632848" cy="4032448"/>
+          </a:xfrm>
+          <a:prstGeom prst="rect">
+            <a:avLst/>
+          </a:prstGeom>
+          <a:noFill/>
+          <a:ln>
+            <a:noFill/>
+          </a:ln>
+          <a:effectLst/>
+          <a:extLst>
+            <a:ext uri="{909E8E84-426E-40DD-AFC4-6F175D3DCCD1}">
+              <a14:hiddenFill xmlns:a14="http://schemas.microsoft.com/office/drawing/2010/main">
+                <a:solidFill>
+                  <a:schemeClr val="accent1"/>
+                </a:solidFill>
+              </a14:hiddenFill>
+            </a:ext>
+            <a:ext uri="{91240B29-F687-4F45-9708-019B960494DF}">
+              <a14:hiddenLine xmlns:a14="http://schemas.microsoft.com/office/drawing/2010/main" w="9525">
+                <a:solidFill>
+                  <a:schemeClr val="tx1"/>
+                </a:solidFill>
+                <a:miter lim="800000"/>
+                <a:headEnd/>
+                <a:tailEnd/>
+              </a14:hiddenLine>
+            </a:ext>
+            <a:ext uri="{AF507438-7753-43E0-B8FC-AC1667EBCBE1}">
+              <a14:hiddenEffects xmlns:a14="http://schemas.microsoft.com/office/drawing/2010/main">
+                <a:effectLst>
+                  <a:outerShdw dist="35921" dir="2700000" algn="ctr" rotWithShape="0">
+                    <a:schemeClr val="bg2"/>
+                  </a:outerShdw>
+                </a:effectLst>
+              </a14:hiddenEffects>
+            </a:ext>
+          </a:extLst>
+        </p:spPr>
+      </p:pic>
+    </p:spTree>
+    <p:extLst>
+      <p:ext uri="{BB962C8B-B14F-4D97-AF65-F5344CB8AC3E}">
+        <p14:creationId xmlns:p14="http://schemas.microsoft.com/office/powerpoint/2010/main" val="3923016565"/>
+      </p:ext>
+    </p:extLst>
+  </p:cSld>
+  <p:clrMapOvr>
+    <a:masterClrMapping/>
+  </p:clrMapOvr>
+  <p:timing>
+    <p:tnLst>
+      <p:par>
+        <p:cTn id="1" dur="indefinite" restart="never" nodeType="tmRoot"/>
+      </p:par>
+    </p:tnLst>
+  </p:timing>
+</p:sld>
+</file>
+
+<file path=ppt/slides/slide2.xml><?xml version="1.0" encoding="utf-8"?>
+<p:sld xmlns:a="http://schemas.openxmlformats.org/drawingml/2006/main" xmlns:r="http://schemas.openxmlformats.org/officeDocument/2006/relationships" xmlns:p="http://schemas.openxmlformats.org/presentationml/2006/main">
+  <p:cSld>
+    <p:spTree>
+      <p:nvGrpSpPr>
+        <p:cNvPr id="1" name=""/>
+        <p:cNvGrpSpPr/>
+        <p:nvPr/>
+      </p:nvGrpSpPr>
+      <p:grpSpPr>
+        <a:xfrm>
+          <a:off x="0" y="0"/>
+          <a:ext cx="0" cy="0"/>
+          <a:chOff x="0" y="0"/>
+          <a:chExt cx="0" cy="0"/>
+        </a:xfrm>
+      </p:grpSpPr>
+      <p:sp>
+        <p:nvSpPr>
+          <p:cNvPr id="3" name="内容占位符 2"/>
+          <p:cNvSpPr>
+            <a:spLocks noGrp="1"/>
+          </p:cNvSpPr>
+          <p:nvPr>
+            <p:ph idx="1"/>
+          </p:nvPr>
+        </p:nvSpPr>
+        <p:spPr/>
+        <p:txBody>
+          <a:bodyPr>
+            <a:normAutofit/>
+          </a:bodyPr>
+          <a:lstStyle/>
+          <a:p>
+            <a:r>
+              <a:rPr lang="en-US" altLang="zh-CN" dirty="0" err="1" smtClean="0">
+                <a:solidFill>
+                  <a:schemeClr val="tx1">
+                    <a:lumMod val="10000"/>
+                  </a:schemeClr>
+                </a:solidFill>
+                <a:latin typeface="+mn-ea"/>
+              </a:rPr>
+              <a:t>JMeter</a:t>
+            </a:r>
+            <a:r>
+              <a:rPr lang="zh-CN" altLang="en-US" dirty="0" smtClean="0">
+                <a:solidFill>
+                  <a:schemeClr val="tx1">
+                    <a:lumMod val="10000"/>
+                  </a:schemeClr>
+                </a:solidFill>
+                <a:latin typeface="+mn-ea"/>
+              </a:rPr>
+              <a:t>性能测试</a:t>
+            </a:r>
+            <a:r>
+              <a:rPr lang="en-US" altLang="zh-CN" dirty="0" smtClean="0">
+                <a:solidFill>
+                  <a:schemeClr val="tx1">
+                    <a:lumMod val="10000"/>
+                  </a:schemeClr>
+                </a:solidFill>
+                <a:latin typeface="+mn-ea"/>
+              </a:rPr>
+              <a:t>-</a:t>
+            </a:r>
+            <a:r>
+              <a:rPr lang="zh-CN" altLang="en-US" dirty="0" smtClean="0">
+                <a:solidFill>
+                  <a:schemeClr val="tx1">
+                    <a:lumMod val="10000"/>
+                  </a:schemeClr>
+                </a:solidFill>
+                <a:latin typeface="+mn-ea"/>
+              </a:rPr>
+              <a:t>图形监控</a:t>
+            </a:r>
+            <a:endParaRPr lang="en-US" altLang="zh-CN" dirty="0" smtClean="0">
+              <a:solidFill>
+                <a:schemeClr val="tx1">
+                  <a:lumMod val="10000"/>
+                </a:schemeClr>
+              </a:solidFill>
+              <a:latin typeface="+mn-ea"/>
+            </a:endParaRPr>
+          </a:p>
+          <a:p>
+            <a:r>
+              <a:rPr lang="en-US" altLang="zh-CN" dirty="0" err="1" smtClean="0">
+                <a:solidFill>
+                  <a:schemeClr val="tx1">
+                    <a:lumMod val="10000"/>
+                  </a:schemeClr>
+                </a:solidFill>
+                <a:latin typeface="+mn-ea"/>
+              </a:rPr>
+              <a:t>JMeter</a:t>
+            </a:r>
+            <a:r>
+              <a:rPr lang="zh-CN" altLang="en-US" dirty="0" smtClean="0">
+                <a:solidFill>
+                  <a:schemeClr val="tx1">
+                    <a:lumMod val="10000"/>
+                  </a:schemeClr>
+                </a:solidFill>
+                <a:latin typeface="+mn-ea"/>
+              </a:rPr>
+              <a:t>性能</a:t>
+            </a:r>
+            <a:r>
+              <a:rPr lang="zh-CN" altLang="en-US" dirty="0">
+                <a:solidFill>
+                  <a:schemeClr val="tx1">
+                    <a:lumMod val="10000"/>
+                  </a:schemeClr>
+                </a:solidFill>
+                <a:latin typeface="+mn-ea"/>
+              </a:rPr>
+              <a:t>测试</a:t>
+            </a:r>
+            <a:r>
+              <a:rPr lang="en-US" altLang="zh-CN" dirty="0">
+                <a:solidFill>
+                  <a:schemeClr val="tx1">
+                    <a:lumMod val="10000"/>
+                  </a:schemeClr>
+                </a:solidFill>
+                <a:latin typeface="+mn-ea"/>
+              </a:rPr>
+              <a:t>-web</a:t>
+            </a:r>
+            <a:r>
+              <a:rPr lang="zh-CN" altLang="en-US" dirty="0">
+                <a:solidFill>
+                  <a:schemeClr val="tx1">
+                    <a:lumMod val="10000"/>
+                  </a:schemeClr>
+                </a:solidFill>
+                <a:latin typeface="+mn-ea"/>
+              </a:rPr>
+              <a:t>程序</a:t>
+            </a:r>
+            <a:endParaRPr lang="en-US" altLang="zh-CN" dirty="0">
+              <a:solidFill>
+                <a:schemeClr val="tx1">
+                  <a:lumMod val="10000"/>
+                </a:schemeClr>
+              </a:solidFill>
+              <a:latin typeface="+mn-ea"/>
+            </a:endParaRPr>
+          </a:p>
+          <a:p>
+            <a:r>
+              <a:rPr lang="en-US" altLang="zh-CN" dirty="0" err="1" smtClean="0">
+                <a:latin typeface="+mn-ea"/>
+              </a:rPr>
+              <a:t>JMeter</a:t>
+            </a:r>
+            <a:r>
+              <a:rPr lang="zh-CN" altLang="en-US" dirty="0" smtClean="0">
+                <a:solidFill>
+                  <a:schemeClr val="tx1">
+                    <a:lumMod val="10000"/>
+                  </a:schemeClr>
+                </a:solidFill>
+                <a:latin typeface="+mn-ea"/>
+              </a:rPr>
+              <a:t>性能</a:t>
+            </a:r>
+            <a:r>
+              <a:rPr lang="zh-CN" altLang="en-US" dirty="0">
+                <a:solidFill>
+                  <a:schemeClr val="tx1">
+                    <a:lumMod val="10000"/>
+                  </a:schemeClr>
+                </a:solidFill>
+                <a:latin typeface="+mn-ea"/>
+              </a:rPr>
+              <a:t>测试</a:t>
+            </a:r>
+            <a:r>
+              <a:rPr lang="en-US" altLang="zh-CN" dirty="0">
+                <a:solidFill>
+                  <a:schemeClr val="tx1">
+                    <a:lumMod val="10000"/>
+                  </a:schemeClr>
+                </a:solidFill>
+                <a:latin typeface="+mn-ea"/>
+              </a:rPr>
+              <a:t>-</a:t>
+            </a:r>
+            <a:r>
+              <a:rPr lang="en-US" altLang="zh-CN" dirty="0" smtClean="0">
+                <a:latin typeface="+mn-ea"/>
+              </a:rPr>
+              <a:t>FTP</a:t>
+            </a:r>
+            <a:r>
+              <a:rPr lang="zh-CN" altLang="en-US" dirty="0">
+                <a:latin typeface="+mn-ea"/>
+              </a:rPr>
+              <a:t>程序</a:t>
+            </a:r>
+            <a:endParaRPr lang="en-US" altLang="zh-CN" dirty="0">
+              <a:solidFill>
+                <a:schemeClr val="tx1">
+                  <a:lumMod val="10000"/>
+                </a:schemeClr>
+              </a:solidFill>
+              <a:latin typeface="+mn-ea"/>
+            </a:endParaRPr>
+          </a:p>
+          <a:p>
+            <a:r>
+              <a:rPr lang="en-US" altLang="zh-CN" dirty="0" err="1" smtClean="0">
+                <a:solidFill>
+                  <a:schemeClr val="tx1">
+                    <a:lumMod val="10000"/>
+                  </a:schemeClr>
+                </a:solidFill>
+                <a:latin typeface="+mn-ea"/>
+              </a:rPr>
+              <a:t>JMeter</a:t>
+            </a:r>
+            <a:r>
+              <a:rPr lang="zh-CN" altLang="en-US" dirty="0" smtClean="0">
+                <a:solidFill>
+                  <a:schemeClr val="tx1">
+                    <a:lumMod val="10000"/>
+                  </a:schemeClr>
+                </a:solidFill>
+                <a:latin typeface="+mn-ea"/>
+              </a:rPr>
+              <a:t>性能</a:t>
+            </a:r>
+            <a:r>
+              <a:rPr lang="zh-CN" altLang="en-US" dirty="0">
+                <a:solidFill>
+                  <a:schemeClr val="tx1">
+                    <a:lumMod val="10000"/>
+                  </a:schemeClr>
+                </a:solidFill>
+                <a:latin typeface="+mn-ea"/>
+              </a:rPr>
+              <a:t>测试</a:t>
+            </a:r>
+            <a:r>
+              <a:rPr lang="en-US" altLang="zh-CN" dirty="0">
+                <a:solidFill>
+                  <a:schemeClr val="tx1">
+                    <a:lumMod val="10000"/>
+                  </a:schemeClr>
+                </a:solidFill>
+                <a:latin typeface="+mn-ea"/>
+              </a:rPr>
+              <a:t>-</a:t>
+            </a:r>
+            <a:r>
+              <a:rPr lang="zh-CN" altLang="en-US" dirty="0" smtClean="0">
+                <a:solidFill>
+                  <a:schemeClr val="tx1">
+                    <a:lumMod val="10000"/>
+                  </a:schemeClr>
+                </a:solidFill>
+                <a:latin typeface="+mn-ea"/>
+              </a:rPr>
+              <a:t>数据库</a:t>
+            </a:r>
+            <a:r>
+              <a:rPr lang="en-US" altLang="zh-CN" dirty="0" err="1" smtClean="0">
+                <a:solidFill>
+                  <a:schemeClr val="tx1">
+                    <a:lumMod val="10000"/>
+                  </a:schemeClr>
+                </a:solidFill>
+                <a:latin typeface="+mn-ea"/>
+              </a:rPr>
+              <a:t>mysql</a:t>
+            </a:r>
+            <a:endParaRPr lang="en-US" altLang="zh-CN" dirty="0" smtClean="0">
+              <a:solidFill>
+                <a:schemeClr val="tx1">
+                  <a:lumMod val="10000"/>
+                </a:schemeClr>
+              </a:solidFill>
+              <a:latin typeface="+mn-ea"/>
+            </a:endParaRPr>
+          </a:p>
+          <a:p>
+            <a:r>
+              <a:rPr lang="en-US" altLang="zh-CN" dirty="0" err="1">
+                <a:solidFill>
+                  <a:schemeClr val="tx1">
+                    <a:lumMod val="10000"/>
+                  </a:schemeClr>
+                </a:solidFill>
+                <a:latin typeface="+mn-ea"/>
+              </a:rPr>
+              <a:t>JMeter</a:t>
+            </a:r>
+            <a:r>
+              <a:rPr lang="zh-CN" altLang="en-US" dirty="0">
+                <a:solidFill>
+                  <a:schemeClr val="tx1">
+                    <a:lumMod val="10000"/>
+                  </a:schemeClr>
+                </a:solidFill>
+                <a:latin typeface="+mn-ea"/>
+              </a:rPr>
+              <a:t>性能测试</a:t>
+            </a:r>
+            <a:r>
+              <a:rPr lang="en-US" altLang="zh-CN" dirty="0">
+                <a:solidFill>
+                  <a:schemeClr val="tx1">
+                    <a:lumMod val="10000"/>
+                  </a:schemeClr>
+                </a:solidFill>
+                <a:latin typeface="+mn-ea"/>
+              </a:rPr>
+              <a:t>-</a:t>
+            </a:r>
+            <a:r>
+              <a:rPr lang="zh-CN" altLang="en-US" dirty="0">
+                <a:solidFill>
+                  <a:schemeClr val="tx1">
+                    <a:lumMod val="10000"/>
+                  </a:schemeClr>
+                </a:solidFill>
+                <a:latin typeface="+mn-ea"/>
+              </a:rPr>
+              <a:t>调用</a:t>
+            </a:r>
+            <a:r>
+              <a:rPr lang="en-US" altLang="zh-CN" dirty="0">
+                <a:solidFill>
+                  <a:schemeClr val="tx1">
+                    <a:lumMod val="10000"/>
+                  </a:schemeClr>
+                </a:solidFill>
+                <a:latin typeface="+mn-ea"/>
+              </a:rPr>
+              <a:t>jar</a:t>
+            </a:r>
+            <a:r>
+              <a:rPr lang="zh-CN" altLang="en-US" dirty="0">
+                <a:solidFill>
+                  <a:schemeClr val="tx1">
+                    <a:lumMod val="10000"/>
+                  </a:schemeClr>
+                </a:solidFill>
+                <a:latin typeface="+mn-ea"/>
+              </a:rPr>
+              <a:t>包</a:t>
+            </a:r>
+            <a:endParaRPr lang="en-US" altLang="zh-CN" dirty="0">
+              <a:solidFill>
+                <a:schemeClr val="tx1">
+                  <a:lumMod val="10000"/>
+                </a:schemeClr>
+              </a:solidFill>
+              <a:latin typeface="+mn-ea"/>
+            </a:endParaRPr>
+          </a:p>
+          <a:p>
+            <a:r>
+              <a:rPr lang="en-US" altLang="zh-CN" dirty="0" err="1">
+                <a:solidFill>
+                  <a:schemeClr val="tx1">
+                    <a:lumMod val="10000"/>
+                  </a:schemeClr>
+                </a:solidFill>
+                <a:latin typeface="+mn-ea"/>
+              </a:rPr>
+              <a:t>JMeter</a:t>
+            </a:r>
+            <a:r>
+              <a:rPr lang="zh-CN" altLang="en-US" dirty="0">
+                <a:solidFill>
+                  <a:schemeClr val="tx1">
+                    <a:lumMod val="10000"/>
+                  </a:schemeClr>
+                </a:solidFill>
+                <a:latin typeface="+mn-ea"/>
+              </a:rPr>
+              <a:t>性能测试</a:t>
+            </a:r>
+            <a:r>
+              <a:rPr lang="en-US" altLang="zh-CN" dirty="0">
+                <a:solidFill>
+                  <a:schemeClr val="tx1">
+                    <a:lumMod val="10000"/>
+                  </a:schemeClr>
+                </a:solidFill>
+                <a:latin typeface="+mn-ea"/>
+              </a:rPr>
+              <a:t>-</a:t>
+            </a:r>
+            <a:r>
+              <a:rPr lang="en-US" altLang="zh-CN" dirty="0" err="1">
+                <a:solidFill>
+                  <a:schemeClr val="tx1">
+                    <a:lumMod val="10000"/>
+                  </a:schemeClr>
+                </a:solidFill>
+                <a:latin typeface="+mn-ea"/>
+              </a:rPr>
+              <a:t>WebService</a:t>
+            </a:r>
+            <a:r>
+              <a:rPr lang="zh-CN" altLang="en-US" dirty="0">
+                <a:solidFill>
+                  <a:schemeClr val="tx1">
+                    <a:lumMod val="10000"/>
+                  </a:schemeClr>
+                </a:solidFill>
+                <a:latin typeface="+mn-ea"/>
+              </a:rPr>
+              <a:t>测试</a:t>
+            </a:r>
+            <a:endParaRPr lang="en-US" altLang="zh-CN" dirty="0">
+              <a:solidFill>
+                <a:schemeClr val="tx1">
+                  <a:lumMod val="10000"/>
+                </a:schemeClr>
+              </a:solidFill>
+              <a:latin typeface="+mn-ea"/>
+            </a:endParaRPr>
+          </a:p>
+          <a:p>
+            <a:r>
+              <a:rPr lang="en-US" altLang="zh-CN" dirty="0" err="1" smtClean="0">
+                <a:solidFill>
+                  <a:schemeClr val="tx1">
+                    <a:lumMod val="10000"/>
+                  </a:schemeClr>
+                </a:solidFill>
+                <a:latin typeface="+mn-ea"/>
+              </a:rPr>
+              <a:t>JMeter</a:t>
+            </a:r>
+            <a:r>
+              <a:rPr lang="zh-CN" altLang="en-US" dirty="0" smtClean="0">
+                <a:solidFill>
+                  <a:schemeClr val="tx1">
+                    <a:lumMod val="10000"/>
+                  </a:schemeClr>
+                </a:solidFill>
+                <a:latin typeface="+mn-ea"/>
+              </a:rPr>
+              <a:t>测试</a:t>
+            </a:r>
+            <a:r>
+              <a:rPr lang="zh-CN" altLang="en-US" dirty="0">
+                <a:solidFill>
+                  <a:schemeClr val="tx1">
+                    <a:lumMod val="10000"/>
+                  </a:schemeClr>
+                </a:solidFill>
+                <a:latin typeface="+mn-ea"/>
+              </a:rPr>
+              <a:t>结果分析</a:t>
+            </a:r>
+            <a:endParaRPr lang="en-US" altLang="zh-CN" dirty="0">
+              <a:solidFill>
+                <a:schemeClr val="tx1">
+                  <a:lumMod val="10000"/>
+                </a:schemeClr>
+              </a:solidFill>
+              <a:latin typeface="+mn-ea"/>
+            </a:endParaRPr>
+          </a:p>
+          <a:p>
+            <a:pPr marL="0" indent="0">
+              <a:buNone/>
+            </a:pPr>
+            <a:endParaRPr lang="zh-CN" altLang="en-US" dirty="0"/>
+          </a:p>
+        </p:txBody>
+      </p:sp>
+      <p:sp>
+        <p:nvSpPr>
+          <p:cNvPr id="2" name="标题 1"/>
+          <p:cNvSpPr>
+            <a:spLocks noGrp="1"/>
+          </p:cNvSpPr>
+          <p:nvPr>
+            <p:ph type="title"/>
+          </p:nvPr>
+        </p:nvSpPr>
+        <p:spPr>
+          <a:xfrm>
+            <a:off x="-20712" y="0"/>
+            <a:ext cx="9164712" cy="836712"/>
+          </a:xfrm>
+        </p:spPr>
+        <p:txBody>
+          <a:bodyPr/>
+          <a:lstStyle/>
+          <a:p>
+            <a:r>
+              <a:rPr lang="zh-CN" altLang="en-US" dirty="0" smtClean="0"/>
+              <a:t>本章大纲</a:t>
+            </a:r>
+            <a:endParaRPr lang="zh-CN" altLang="en-US" dirty="0"/>
+          </a:p>
+        </p:txBody>
+      </p:sp>
+    </p:spTree>
+    <p:extLst>
+      <p:ext uri="{BB962C8B-B14F-4D97-AF65-F5344CB8AC3E}">
+        <p14:creationId xmlns:p14="http://schemas.microsoft.com/office/powerpoint/2010/main" val="2581949"/>
+      </p:ext>
+    </p:extLst>
+  </p:cSld>
+  <p:clrMapOvr>
+    <a:masterClrMapping/>
+  </p:clrMapOvr>
+  <p:timing>
+    <p:tnLst>
+      <p:par>
+        <p:cTn id="1" dur="indefinite" restart="never" nodeType="tmRoot"/>
+      </p:par>
+    </p:tnLst>
+  </p:timing>
+</p:sld>
+</file>
+
+<file path=ppt/slides/slide3.xml><?xml version="1.0" encoding="utf-8"?>
+<p:sld xmlns:a="http://schemas.openxmlformats.org/drawingml/2006/main" xmlns:r="http://schemas.openxmlformats.org/officeDocument/2006/relationships" xmlns:p="http://schemas.openxmlformats.org/presentationml/2006/main">
+  <p:cSld>
+    <p:spTree>
+      <p:nvGrpSpPr>
+        <p:cNvPr id="1" name=""/>
+        <p:cNvGrpSpPr/>
+        <p:nvPr/>
+      </p:nvGrpSpPr>
+      <p:grpSpPr>
+        <a:xfrm>
+          <a:off x="0" y="0"/>
+          <a:ext cx="0" cy="0"/>
+          <a:chOff x="0" y="0"/>
+          <a:chExt cx="0" cy="0"/>
+        </a:xfrm>
+      </p:grpSpPr>
+      <p:sp>
+        <p:nvSpPr>
+          <p:cNvPr id="2" name="内容占位符 1"/>
+          <p:cNvSpPr>
+            <a:spLocks noGrp="1"/>
+          </p:cNvSpPr>
+          <p:nvPr>
+            <p:ph idx="1"/>
+          </p:nvPr>
+        </p:nvSpPr>
+        <p:spPr/>
+        <p:txBody>
+          <a:bodyPr>
+            <a:normAutofit/>
+          </a:bodyPr>
+          <a:lstStyle/>
+          <a:p>
+            <a:pPr marL="0" indent="0">
+              <a:lnSpc>
+                <a:spcPct val="150000"/>
+              </a:lnSpc>
+              <a:buNone/>
+            </a:pPr>
+            <a:r>
+              <a:rPr lang="en-US" altLang="zh-CN" sz="2800" dirty="0"/>
+              <a:t>1</a:t>
+            </a:r>
+            <a:r>
+              <a:rPr lang="zh-CN" altLang="en-US" sz="2800" dirty="0"/>
+              <a:t>、</a:t>
+            </a:r>
+            <a:r>
+              <a:rPr lang="en-US" altLang="zh-CN" sz="2800" dirty="0">
+                <a:hlinkClick r:id="rId2"/>
+              </a:rPr>
+              <a:t>https://jmeter-plugins.org/downloads/all/</a:t>
+            </a:r>
+            <a:r>
+              <a:rPr lang="en-US" altLang="zh-CN" sz="2800" dirty="0"/>
+              <a:t>  </a:t>
+            </a:r>
+            <a:r>
+              <a:rPr lang="zh-CN" altLang="en-US" sz="2800" dirty="0"/>
+              <a:t>下载</a:t>
+            </a:r>
+            <a:r>
+              <a:rPr lang="en-US" altLang="zh-CN" sz="2800" dirty="0"/>
+              <a:t>plugins manager </a:t>
+            </a:r>
+            <a:r>
+              <a:rPr lang="zh-CN" altLang="en-US" sz="2800" dirty="0"/>
+              <a:t>，放到</a:t>
+            </a:r>
+            <a:r>
+              <a:rPr lang="en-US" altLang="zh-CN" sz="2800" dirty="0" err="1"/>
+              <a:t>jmeter</a:t>
+            </a:r>
+            <a:r>
+              <a:rPr lang="zh-CN" altLang="en-US" sz="2800" dirty="0"/>
+              <a:t>的</a:t>
+            </a:r>
+            <a:r>
+              <a:rPr lang="en-US" altLang="zh-CN" sz="2800" dirty="0"/>
+              <a:t>lib</a:t>
+            </a:r>
+            <a:r>
+              <a:rPr lang="zh-CN" altLang="en-US" sz="2800" dirty="0"/>
+              <a:t>下的</a:t>
+            </a:r>
+            <a:r>
+              <a:rPr lang="en-US" altLang="zh-CN" sz="2800" dirty="0" err="1"/>
+              <a:t>ext</a:t>
+            </a:r>
+            <a:r>
+              <a:rPr lang="zh-CN" altLang="en-US" sz="2800" dirty="0"/>
+              <a:t>目录中</a:t>
+            </a:r>
+          </a:p>
+          <a:p>
+            <a:pPr marL="0" indent="0">
+              <a:lnSpc>
+                <a:spcPct val="150000"/>
+              </a:lnSpc>
+              <a:buNone/>
+            </a:pPr>
+            <a:r>
+              <a:rPr lang="en-US" altLang="zh-CN" sz="2800" dirty="0"/>
+              <a:t>2</a:t>
+            </a:r>
+            <a:r>
+              <a:rPr lang="zh-CN" altLang="en-US" sz="2800" dirty="0"/>
+              <a:t>、重启</a:t>
+            </a:r>
+            <a:r>
+              <a:rPr lang="en-US" altLang="zh-CN" sz="2800" dirty="0" err="1"/>
+              <a:t>jmeter</a:t>
+            </a:r>
+            <a:r>
+              <a:rPr lang="zh-CN" altLang="en-US" sz="2800" dirty="0"/>
+              <a:t>才可以生效</a:t>
+            </a:r>
+          </a:p>
+          <a:p>
+            <a:pPr marL="0" indent="0">
+              <a:lnSpc>
+                <a:spcPct val="150000"/>
+              </a:lnSpc>
+              <a:buNone/>
+            </a:pPr>
+            <a:r>
+              <a:rPr lang="en-US" altLang="zh-CN" sz="2800" dirty="0"/>
+              <a:t>3</a:t>
+            </a:r>
+            <a:r>
+              <a:rPr lang="zh-CN" altLang="en-US" sz="2800" dirty="0"/>
+              <a:t>、重启</a:t>
+            </a:r>
+            <a:r>
+              <a:rPr lang="en-US" altLang="zh-CN" sz="2800" dirty="0" err="1"/>
+              <a:t>jmeter</a:t>
+            </a:r>
+            <a:r>
+              <a:rPr lang="zh-CN" altLang="en-US" sz="2800" dirty="0"/>
+              <a:t>后，选择菜单“选项”</a:t>
+            </a:r>
+            <a:r>
+              <a:rPr lang="en-US" altLang="zh-CN" sz="2800" dirty="0"/>
+              <a:t>&gt;“plugins manager”&gt;</a:t>
+            </a:r>
+            <a:r>
+              <a:rPr lang="zh-CN" altLang="en-US" sz="2800" dirty="0"/>
+              <a:t>之后在此对话框中进行选择</a:t>
+            </a:r>
+            <a:r>
+              <a:rPr lang="zh-CN" altLang="en-US" sz="2800" dirty="0" smtClean="0"/>
+              <a:t>安装</a:t>
+            </a:r>
+            <a:endParaRPr lang="en-US" altLang="zh-CN" sz="2800" dirty="0" smtClean="0"/>
+          </a:p>
+          <a:p>
+            <a:pPr marL="0" indent="0">
+              <a:lnSpc>
+                <a:spcPct val="150000"/>
+              </a:lnSpc>
+              <a:buNone/>
+            </a:pPr>
+            <a:r>
+              <a:rPr lang="en-US" altLang="zh-CN" sz="2800" b="1" dirty="0"/>
+              <a:t>Custom </a:t>
+            </a:r>
+            <a:r>
+              <a:rPr lang="en-US" altLang="zh-CN" sz="2800" b="1" dirty="0" err="1"/>
+              <a:t>JMeter</a:t>
+            </a:r>
+            <a:r>
+              <a:rPr lang="en-US" altLang="zh-CN" sz="2800" b="1"/>
+              <a:t> Functions </a:t>
+            </a:r>
+          </a:p>
+          <a:p>
+            <a:pPr marL="0" indent="0">
+              <a:lnSpc>
+                <a:spcPct val="150000"/>
+              </a:lnSpc>
+              <a:buNone/>
+            </a:pPr>
+            <a:endParaRPr lang="zh-CN" altLang="en-US" sz="2800" dirty="0"/>
+          </a:p>
+        </p:txBody>
+      </p:sp>
+      <p:sp>
+        <p:nvSpPr>
+          <p:cNvPr id="3" name="标题 2"/>
+          <p:cNvSpPr>
+            <a:spLocks noGrp="1"/>
+          </p:cNvSpPr>
+          <p:nvPr>
+            <p:ph type="title"/>
+          </p:nvPr>
+        </p:nvSpPr>
+        <p:spPr/>
+        <p:txBody>
+          <a:bodyPr/>
+          <a:lstStyle/>
+          <a:p>
+            <a:r>
+              <a:rPr lang="zh-CN" altLang="en-US" dirty="0" smtClean="0"/>
+              <a:t>安装</a:t>
+            </a:r>
+            <a:r>
+              <a:rPr lang="en-US" altLang="zh-CN" dirty="0" err="1" smtClean="0"/>
+              <a:t>JMeterplugins</a:t>
+            </a:r>
+            <a:r>
+              <a:rPr lang="en-US" altLang="zh-CN" dirty="0"/>
+              <a:t> manager </a:t>
+            </a:r>
+            <a:endParaRPr lang="zh-CN" altLang="en-US" dirty="0"/>
+          </a:p>
+        </p:txBody>
+      </p:sp>
+    </p:spTree>
+    <p:extLst>
+      <p:ext uri="{BB962C8B-B14F-4D97-AF65-F5344CB8AC3E}">
+        <p14:creationId xmlns:p14="http://schemas.microsoft.com/office/powerpoint/2010/main" val="1955844568"/>
+      </p:ext>
+    </p:extLst>
+  </p:cSld>
+  <p:clrMapOvr>
+    <a:masterClrMapping/>
+  </p:clrMapOvr>
+  <p:timing>
+    <p:tnLst>
+      <p:par>
+        <p:cTn id="1" dur="indefinite" restart="never" nodeType="tmRoot"/>
+      </p:par>
+    </p:tnLst>
+  </p:timing>
+</p:sld>
+</file>
+
+<file path=ppt/slides/slide4.xml><?xml version="1.0" encoding="utf-8"?>
+<p:sld xmlns:a="http://schemas.openxmlformats.org/drawingml/2006/main" xmlns:r="http://schemas.openxmlformats.org/officeDocument/2006/relationships" xmlns:p="http://schemas.openxmlformats.org/presentationml/2006/main">
+  <p:cSld>
+    <p:spTree>
+      <p:nvGrpSpPr>
+        <p:cNvPr id="1" name=""/>
+        <p:cNvGrpSpPr/>
+        <p:nvPr/>
+      </p:nvGrpSpPr>
+      <p:grpSpPr>
+        <a:xfrm>
+          <a:off x="0" y="0"/>
+          <a:ext cx="0" cy="0"/>
+          <a:chOff x="0" y="0"/>
+          <a:chExt cx="0" cy="0"/>
+        </a:xfrm>
+      </p:grpSpPr>
+      <p:sp>
+        <p:nvSpPr>
+          <p:cNvPr id="2" name="内容占位符 1"/>
+          <p:cNvSpPr>
+            <a:spLocks noGrp="1"/>
+          </p:cNvSpPr>
+          <p:nvPr>
+            <p:ph idx="1"/>
+          </p:nvPr>
+        </p:nvSpPr>
+        <p:spPr>
+          <a:xfrm>
+            <a:off x="107504" y="980728"/>
+            <a:ext cx="8928992" cy="4525963"/>
+          </a:xfrm>
+        </p:spPr>
+        <p:txBody>
+          <a:bodyPr>
+            <a:noAutofit/>
+          </a:bodyPr>
+          <a:lstStyle/>
+          <a:p>
+            <a:pPr marL="0" indent="0">
+              <a:lnSpc>
+                <a:spcPct val="150000"/>
+              </a:lnSpc>
+              <a:buNone/>
+            </a:pPr>
+            <a:r>
+              <a:rPr lang="en-US" altLang="zh-CN" sz="2400" dirty="0" smtClean="0">
+                <a:latin typeface="+mn-ea"/>
+              </a:rPr>
+              <a:t>ServerAgent</a:t>
+            </a:r>
+            <a:r>
+              <a:rPr lang="zh-CN" altLang="en-US" sz="2400" dirty="0">
+                <a:latin typeface="+mn-ea"/>
+              </a:rPr>
+              <a:t>放在</a:t>
+            </a:r>
+            <a:r>
+              <a:rPr lang="zh-CN" altLang="en-US" sz="2400" dirty="0">
+                <a:solidFill>
+                  <a:srgbClr val="FF0000"/>
+                </a:solidFill>
+                <a:latin typeface="+mn-ea"/>
+              </a:rPr>
+              <a:t>被压测的服务器</a:t>
+            </a:r>
+            <a:r>
+              <a:rPr lang="zh-CN" altLang="en-US" sz="2400" dirty="0">
+                <a:latin typeface="+mn-ea"/>
+              </a:rPr>
+              <a:t>上，是用来收集服务器相关性能指标（</a:t>
+            </a:r>
+            <a:r>
+              <a:rPr lang="en-US" altLang="zh-CN" sz="2400" dirty="0" err="1">
+                <a:latin typeface="+mn-ea"/>
+              </a:rPr>
+              <a:t>cpu</a:t>
+            </a:r>
+            <a:r>
+              <a:rPr lang="zh-CN" altLang="en-US" sz="2400" dirty="0">
+                <a:latin typeface="+mn-ea"/>
+              </a:rPr>
+              <a:t>、</a:t>
+            </a:r>
+            <a:r>
+              <a:rPr lang="en-US" altLang="zh-CN" sz="2400" dirty="0">
+                <a:latin typeface="+mn-ea"/>
+              </a:rPr>
+              <a:t>memory</a:t>
+            </a:r>
+            <a:r>
+              <a:rPr lang="zh-CN" altLang="en-US" sz="2400" dirty="0">
+                <a:latin typeface="+mn-ea"/>
+              </a:rPr>
+              <a:t>、</a:t>
+            </a:r>
+            <a:r>
+              <a:rPr lang="en-US" altLang="zh-CN" sz="2400" dirty="0" err="1">
+                <a:latin typeface="+mn-ea"/>
+              </a:rPr>
+              <a:t>tcp</a:t>
+            </a:r>
+            <a:r>
+              <a:rPr lang="zh-CN" altLang="en-US" sz="2400" dirty="0">
+                <a:latin typeface="+mn-ea"/>
+              </a:rPr>
+              <a:t>等）、以及</a:t>
+            </a:r>
+            <a:r>
+              <a:rPr lang="en-US" altLang="zh-CN" sz="2400" dirty="0" err="1">
+                <a:latin typeface="+mn-ea"/>
+              </a:rPr>
+              <a:t>jmx</a:t>
+            </a:r>
+            <a:r>
+              <a:rPr lang="zh-CN" altLang="en-US" sz="2400" dirty="0">
+                <a:latin typeface="+mn-ea"/>
+              </a:rPr>
+              <a:t>等</a:t>
+            </a:r>
+            <a:r>
+              <a:rPr lang="en-US" altLang="zh-CN" sz="2400" dirty="0">
+                <a:latin typeface="+mn-ea"/>
+              </a:rPr>
+              <a:t>metrics</a:t>
+            </a:r>
+            <a:r>
+              <a:rPr lang="zh-CN" altLang="en-US" sz="2400" dirty="0">
+                <a:latin typeface="+mn-ea"/>
+              </a:rPr>
+              <a:t>信 息，然后通过 </a:t>
+            </a:r>
+            <a:r>
+              <a:rPr lang="en-US" altLang="zh-CN" sz="2400" dirty="0">
+                <a:latin typeface="+mn-ea"/>
+              </a:rPr>
+              <a:t>TCP or </a:t>
+            </a:r>
+            <a:r>
+              <a:rPr lang="en-US" altLang="zh-CN" sz="2400" dirty="0" err="1" smtClean="0">
+                <a:latin typeface="+mn-ea"/>
+              </a:rPr>
+              <a:t>UDP</a:t>
+            </a:r>
+            <a:r>
+              <a:rPr lang="zh-CN" altLang="en-US" sz="2400" dirty="0" smtClean="0">
+                <a:latin typeface="+mn-ea"/>
+              </a:rPr>
+              <a:t>协议</a:t>
+            </a:r>
+            <a:r>
+              <a:rPr lang="zh-CN" altLang="en-US" sz="2400" dirty="0">
+                <a:latin typeface="+mn-ea"/>
+              </a:rPr>
+              <a:t>来发送给</a:t>
+            </a:r>
+            <a:r>
+              <a:rPr lang="en-US" altLang="zh-CN" sz="2400" dirty="0" err="1">
+                <a:latin typeface="+mn-ea"/>
+              </a:rPr>
+              <a:t>jmeter</a:t>
+            </a:r>
+            <a:r>
+              <a:rPr lang="zh-CN" altLang="en-US" sz="2400" dirty="0">
+                <a:latin typeface="+mn-ea"/>
+              </a:rPr>
+              <a:t>。启动后，默认监听</a:t>
+            </a:r>
+            <a:r>
+              <a:rPr lang="en-US" altLang="zh-CN" sz="2400" dirty="0">
+                <a:solidFill>
+                  <a:srgbClr val="FF0000"/>
+                </a:solidFill>
+                <a:latin typeface="+mn-ea"/>
+              </a:rPr>
+              <a:t>4444</a:t>
+            </a:r>
+            <a:r>
+              <a:rPr lang="zh-CN" altLang="en-US" sz="2400" dirty="0">
+                <a:latin typeface="+mn-ea"/>
+              </a:rPr>
+              <a:t>端口，</a:t>
+            </a:r>
+            <a:r>
+              <a:rPr lang="en-US" altLang="zh-CN" sz="2400" dirty="0">
+                <a:latin typeface="+mn-ea"/>
+              </a:rPr>
+              <a:t>ServerAgent</a:t>
+            </a:r>
+            <a:r>
+              <a:rPr lang="zh-CN" altLang="en-US" sz="2400" dirty="0">
+                <a:latin typeface="+mn-ea"/>
+              </a:rPr>
+              <a:t>是一个文本协议，可以使用任何客户端发送</a:t>
+            </a:r>
+            <a:r>
+              <a:rPr lang="en-US" altLang="zh-CN" sz="2400" dirty="0">
+                <a:latin typeface="+mn-ea"/>
+              </a:rPr>
+              <a:t>/</a:t>
+            </a:r>
+            <a:r>
+              <a:rPr lang="zh-CN" altLang="en-US" sz="2400" dirty="0">
+                <a:latin typeface="+mn-ea"/>
+              </a:rPr>
+              <a:t>接收</a:t>
+            </a:r>
+            <a:r>
+              <a:rPr lang="en-US" altLang="zh-CN" sz="2400" dirty="0">
+                <a:latin typeface="+mn-ea"/>
+              </a:rPr>
+              <a:t>metrics</a:t>
+            </a:r>
+            <a:r>
+              <a:rPr lang="zh-CN" altLang="en-US" sz="2400" dirty="0">
+                <a:latin typeface="+mn-ea"/>
+              </a:rPr>
+              <a:t>数据 信息。</a:t>
+            </a:r>
+            <a:br>
+              <a:rPr lang="zh-CN" altLang="en-US" sz="2400" dirty="0">
+                <a:latin typeface="+mn-ea"/>
+              </a:rPr>
+            </a:br>
+            <a:r>
+              <a:rPr lang="zh-CN" altLang="en-US" sz="2400" dirty="0" smtClean="0">
+                <a:latin typeface="+mn-ea"/>
+              </a:rPr>
+              <a:t>下载</a:t>
+            </a:r>
+            <a:r>
+              <a:rPr lang="zh-CN" altLang="en-US" sz="2400" dirty="0">
+                <a:latin typeface="+mn-ea"/>
+              </a:rPr>
+              <a:t>地址（</a:t>
+            </a:r>
+            <a:r>
+              <a:rPr lang="en-US" altLang="zh-CN" sz="2400" dirty="0">
+                <a:latin typeface="+mn-ea"/>
+                <a:hlinkClick r:id="rId2"/>
+              </a:rPr>
+              <a:t>https://</a:t>
+            </a:r>
+            <a:r>
+              <a:rPr lang="en-US" altLang="zh-CN" sz="2400" dirty="0" smtClean="0">
+                <a:latin typeface="+mn-ea"/>
+                <a:hlinkClick r:id="rId2"/>
+              </a:rPr>
+              <a:t>jmeter-plugins.org/wiki/PerfMonAgent</a:t>
+            </a:r>
+            <a:r>
+              <a:rPr lang="en-US" altLang="zh-CN" sz="2400" dirty="0">
+                <a:latin typeface="+mn-ea"/>
+                <a:hlinkClick r:id="rId2"/>
+              </a:rPr>
+              <a:t>/</a:t>
+            </a:r>
+            <a:r>
+              <a:rPr lang="zh-CN" altLang="en-US" sz="2400" dirty="0" smtClean="0">
+                <a:latin typeface="+mn-ea"/>
+              </a:rPr>
+              <a:t>），</a:t>
+            </a:r>
+            <a:endParaRPr lang="en-US" altLang="zh-CN" sz="2400" dirty="0" smtClean="0">
+              <a:latin typeface="+mn-ea"/>
+            </a:endParaRPr>
+          </a:p>
+          <a:p>
+            <a:pPr marL="0" indent="0">
+              <a:lnSpc>
+                <a:spcPct val="150000"/>
+              </a:lnSpc>
+              <a:buNone/>
+            </a:pPr>
+            <a:r>
+              <a:rPr lang="zh-CN" altLang="en-US" sz="2400" dirty="0" smtClean="0">
+                <a:latin typeface="+mn-ea"/>
+              </a:rPr>
+              <a:t>解</a:t>
+            </a:r>
+            <a:r>
+              <a:rPr lang="zh-CN" altLang="en-US" sz="2400" dirty="0">
+                <a:latin typeface="+mn-ea"/>
+              </a:rPr>
+              <a:t>压后进入目录，执行</a:t>
+            </a:r>
+            <a:r>
+              <a:rPr lang="en-US" altLang="zh-CN" sz="2400" dirty="0">
+                <a:latin typeface="+mn-ea"/>
+              </a:rPr>
+              <a:t>startAgent.sh</a:t>
+            </a:r>
+            <a:r>
+              <a:rPr lang="zh-CN" altLang="en-US" sz="2400" dirty="0">
+                <a:latin typeface="+mn-ea"/>
+              </a:rPr>
+              <a:t>或</a:t>
+            </a:r>
+            <a:r>
+              <a:rPr lang="en-US" altLang="zh-CN" sz="2400" dirty="0">
+                <a:latin typeface="+mn-ea"/>
+              </a:rPr>
+              <a:t>startAgent.bat</a:t>
+            </a:r>
+            <a:r>
+              <a:rPr lang="zh-CN" altLang="en-US" sz="2400" dirty="0">
+                <a:latin typeface="+mn-ea"/>
+              </a:rPr>
+              <a:t>即可启动</a:t>
+            </a:r>
+            <a:r>
+              <a:rPr lang="en-US" altLang="zh-CN" sz="2400" dirty="0" smtClean="0">
+                <a:latin typeface="+mn-ea"/>
+              </a:rPr>
+              <a:t>agent</a:t>
+            </a:r>
+          </a:p>
+        </p:txBody>
+      </p:sp>
+      <p:sp>
+        <p:nvSpPr>
+          <p:cNvPr id="3" name="标题 2"/>
+          <p:cNvSpPr>
+            <a:spLocks noGrp="1"/>
+          </p:cNvSpPr>
+          <p:nvPr>
+            <p:ph type="title"/>
+          </p:nvPr>
+        </p:nvSpPr>
+        <p:spPr/>
+        <p:txBody>
+          <a:bodyPr/>
+          <a:lstStyle/>
+          <a:p>
+            <a:r>
+              <a:rPr lang="en-US" altLang="zh-CN" dirty="0" err="1" smtClean="0"/>
+              <a:t>JMeter</a:t>
+            </a:r>
+            <a:r>
+              <a:rPr lang="zh-CN" altLang="en-US" dirty="0"/>
+              <a:t>之资源图形监控</a:t>
+            </a:r>
+          </a:p>
+        </p:txBody>
+      </p:sp>
+    </p:spTree>
+    <p:extLst>
+      <p:ext uri="{BB962C8B-B14F-4D97-AF65-F5344CB8AC3E}">
+        <p14:creationId xmlns:p14="http://schemas.microsoft.com/office/powerpoint/2010/main" val="2478930604"/>
+      </p:ext>
+    </p:extLst>
+  </p:cSld>
+  <p:clrMapOvr>
+    <a:masterClrMapping/>
+  </p:clrMapOvr>
+  <p:timing>
+    <p:tnLst>
+      <p:par>
+        <p:cTn id="1" dur="indefinite" restart="never" nodeType="tmRoot"/>
+      </p:par>
+    </p:tnLst>
+  </p:timing>
+</p:sld>
+</file>
+
+<file path=ppt/slides/slide5.xml><?xml version="1.0" encoding="utf-8"?>
+<p:sld xmlns:a="http://schemas.openxmlformats.org/drawingml/2006/main" xmlns:r="http://schemas.openxmlformats.org/officeDocument/2006/relationships" xmlns:p="http://schemas.openxmlformats.org/presentationml/2006/main">
+  <p:cSld>
+    <p:spTree>
+      <p:nvGrpSpPr>
+        <p:cNvPr id="1" name=""/>
+        <p:cNvGrpSpPr/>
+        <p:nvPr/>
+      </p:nvGrpSpPr>
+      <p:grpSpPr>
+        <a:xfrm>
+          <a:off x="0" y="0"/>
+          <a:ext cx="0" cy="0"/>
+          <a:chOff x="0" y="0"/>
+          <a:chExt cx="0" cy="0"/>
+        </a:xfrm>
+      </p:grpSpPr>
+      <p:sp>
+        <p:nvSpPr>
+          <p:cNvPr id="2" name="内容占位符 1"/>
+          <p:cNvSpPr>
+            <a:spLocks noGrp="1"/>
+          </p:cNvSpPr>
+          <p:nvPr>
+            <p:ph idx="1"/>
+          </p:nvPr>
+        </p:nvSpPr>
+        <p:spPr>
+          <a:xfrm>
+            <a:off x="395536" y="1268760"/>
+            <a:ext cx="8229600" cy="5256584"/>
+          </a:xfrm>
+        </p:spPr>
+        <p:txBody>
+          <a:bodyPr>
+            <a:normAutofit fontScale="47500" lnSpcReduction="20000"/>
+          </a:bodyPr>
+          <a:lstStyle/>
+          <a:p>
+            <a:pPr>
+              <a:lnSpc>
+                <a:spcPct val="170000"/>
+              </a:lnSpc>
+              <a:spcBef>
+                <a:spcPts val="0"/>
+              </a:spcBef>
+            </a:pPr>
+            <a:r>
+              <a:rPr lang="en-US" altLang="zh-CN" dirty="0">
+                <a:latin typeface="+mn-ea"/>
+              </a:rPr>
+              <a:t>jp@gc - Bytes Throughput Over Time:</a:t>
+            </a:r>
+            <a:r>
+              <a:rPr lang="zh-CN" altLang="en-US" dirty="0">
+                <a:latin typeface="+mn-ea"/>
+              </a:rPr>
+              <a:t>不同时间吞吐量展示（图表） </a:t>
+            </a:r>
+            <a:br>
+              <a:rPr lang="zh-CN" altLang="en-US" dirty="0">
+                <a:latin typeface="+mn-ea"/>
+              </a:rPr>
+            </a:br>
+            <a:r>
+              <a:rPr lang="zh-CN" altLang="en-US" dirty="0">
+                <a:latin typeface="+mn-ea"/>
+              </a:rPr>
+              <a:t>聚合报告里，</a:t>
+            </a:r>
+            <a:r>
+              <a:rPr lang="en-US" altLang="zh-CN" dirty="0">
+                <a:latin typeface="+mn-ea"/>
+              </a:rPr>
+              <a:t>Throughput</a:t>
+            </a:r>
+            <a:r>
+              <a:rPr lang="zh-CN" altLang="en-US" dirty="0">
+                <a:latin typeface="+mn-ea"/>
+              </a:rPr>
+              <a:t>是按请求个数来展示的，比如说</a:t>
+            </a:r>
+            <a:r>
+              <a:rPr lang="en-US" altLang="zh-CN" dirty="0">
+                <a:latin typeface="+mn-ea"/>
+              </a:rPr>
+              <a:t>1.9/sec</a:t>
+            </a:r>
+            <a:r>
+              <a:rPr lang="zh-CN" altLang="en-US" dirty="0">
+                <a:latin typeface="+mn-ea"/>
+              </a:rPr>
+              <a:t>，就是每</a:t>
+            </a:r>
+            <a:r>
+              <a:rPr lang="en-US" altLang="zh-CN" dirty="0">
+                <a:latin typeface="+mn-ea"/>
+              </a:rPr>
+              <a:t>s</a:t>
+            </a:r>
+            <a:r>
+              <a:rPr lang="zh-CN" altLang="en-US" dirty="0">
+                <a:latin typeface="+mn-ea"/>
+              </a:rPr>
+              <a:t>发送</a:t>
+            </a:r>
+            <a:r>
+              <a:rPr lang="en-US" altLang="zh-CN" dirty="0">
+                <a:latin typeface="+mn-ea"/>
+              </a:rPr>
+              <a:t>1.9</a:t>
+            </a:r>
+            <a:r>
+              <a:rPr lang="zh-CN" altLang="en-US" dirty="0">
+                <a:latin typeface="+mn-ea"/>
+              </a:rPr>
+              <a:t>个请求；而这里的展示是按字节</a:t>
+            </a:r>
+            <a:r>
+              <a:rPr lang="en-US" altLang="zh-CN" dirty="0">
+                <a:latin typeface="+mn-ea"/>
+              </a:rPr>
+              <a:t>Bytes</a:t>
+            </a:r>
+            <a:r>
+              <a:rPr lang="zh-CN" altLang="en-US" dirty="0">
+                <a:latin typeface="+mn-ea"/>
+              </a:rPr>
+              <a:t>来展示的图表</a:t>
+            </a:r>
+          </a:p>
+          <a:p>
+            <a:pPr>
+              <a:lnSpc>
+                <a:spcPct val="170000"/>
+              </a:lnSpc>
+              <a:spcBef>
+                <a:spcPts val="0"/>
+              </a:spcBef>
+            </a:pPr>
+            <a:r>
+              <a:rPr lang="en-US" altLang="zh-CN" dirty="0">
+                <a:latin typeface="+mn-ea"/>
+              </a:rPr>
+              <a:t>jp@gc - Composite Graph</a:t>
+            </a:r>
+            <a:r>
+              <a:rPr lang="zh-CN" altLang="en-US" dirty="0">
+                <a:latin typeface="+mn-ea"/>
+              </a:rPr>
+              <a:t>： 混合图表 </a:t>
+            </a:r>
+            <a:br>
+              <a:rPr lang="zh-CN" altLang="en-US" dirty="0">
+                <a:latin typeface="+mn-ea"/>
+              </a:rPr>
+            </a:br>
+            <a:r>
+              <a:rPr lang="zh-CN" altLang="en-US" dirty="0">
+                <a:latin typeface="+mn-ea"/>
+              </a:rPr>
+              <a:t>在它的</a:t>
+            </a:r>
+            <a:r>
+              <a:rPr lang="en-US" altLang="zh-CN" dirty="0">
+                <a:latin typeface="+mn-ea"/>
+              </a:rPr>
+              <a:t>Graphs</a:t>
+            </a:r>
+            <a:r>
+              <a:rPr lang="zh-CN" altLang="en-US" dirty="0">
+                <a:latin typeface="+mn-ea"/>
+              </a:rPr>
+              <a:t>里面可以设置多少个图表一起展示，它可以同时展示多个图表</a:t>
+            </a:r>
+          </a:p>
+          <a:p>
+            <a:pPr>
+              <a:lnSpc>
+                <a:spcPct val="170000"/>
+              </a:lnSpc>
+              <a:spcBef>
+                <a:spcPts val="0"/>
+              </a:spcBef>
+            </a:pPr>
+            <a:r>
+              <a:rPr lang="en-US" altLang="zh-CN" dirty="0">
+                <a:latin typeface="+mn-ea"/>
+              </a:rPr>
+              <a:t>jp@gc - Hits per Second</a:t>
+            </a:r>
+            <a:r>
+              <a:rPr lang="zh-CN" altLang="en-US" dirty="0">
+                <a:latin typeface="+mn-ea"/>
+              </a:rPr>
+              <a:t>：每秒点击量</a:t>
+            </a:r>
+          </a:p>
+          <a:p>
+            <a:pPr>
+              <a:lnSpc>
+                <a:spcPct val="170000"/>
+              </a:lnSpc>
+              <a:spcBef>
+                <a:spcPts val="0"/>
+              </a:spcBef>
+            </a:pPr>
+            <a:r>
+              <a:rPr lang="en-US" altLang="zh-CN" dirty="0">
+                <a:latin typeface="+mn-ea"/>
+              </a:rPr>
+              <a:t>jp@gc - PerfMon Metrics Collector</a:t>
+            </a:r>
+            <a:r>
+              <a:rPr lang="zh-CN" altLang="en-US" dirty="0">
+                <a:latin typeface="+mn-ea"/>
+              </a:rPr>
+              <a:t>：服务器性能监测控件，包括</a:t>
+            </a:r>
+            <a:r>
+              <a:rPr lang="en-US" altLang="zh-CN" dirty="0">
+                <a:latin typeface="+mn-ea"/>
+              </a:rPr>
+              <a:t>CPU</a:t>
+            </a:r>
+            <a:r>
+              <a:rPr lang="zh-CN" altLang="en-US" dirty="0">
+                <a:latin typeface="+mn-ea"/>
+              </a:rPr>
+              <a:t>，</a:t>
+            </a:r>
+            <a:r>
+              <a:rPr lang="en-US" altLang="zh-CN" dirty="0">
+                <a:latin typeface="+mn-ea"/>
+              </a:rPr>
+              <a:t>Memory</a:t>
+            </a:r>
+            <a:r>
+              <a:rPr lang="zh-CN" altLang="en-US" dirty="0">
+                <a:latin typeface="+mn-ea"/>
+              </a:rPr>
+              <a:t>，</a:t>
+            </a:r>
+            <a:r>
+              <a:rPr lang="en-US" altLang="zh-CN" dirty="0">
+                <a:latin typeface="+mn-ea"/>
+              </a:rPr>
+              <a:t>Network</a:t>
+            </a:r>
+            <a:r>
+              <a:rPr lang="zh-CN" altLang="en-US" dirty="0">
+                <a:latin typeface="+mn-ea"/>
+              </a:rPr>
+              <a:t>，</a:t>
+            </a:r>
+            <a:r>
+              <a:rPr lang="en-US" altLang="zh-CN" dirty="0">
+                <a:latin typeface="+mn-ea"/>
+              </a:rPr>
+              <a:t>I/O</a:t>
+            </a:r>
+            <a:r>
+              <a:rPr lang="zh-CN" altLang="en-US" dirty="0">
+                <a:latin typeface="+mn-ea"/>
+              </a:rPr>
+              <a:t>等等</a:t>
+            </a:r>
+          </a:p>
+          <a:p>
+            <a:pPr>
+              <a:lnSpc>
+                <a:spcPct val="170000"/>
+              </a:lnSpc>
+              <a:spcBef>
+                <a:spcPts val="0"/>
+              </a:spcBef>
+            </a:pPr>
+            <a:r>
+              <a:rPr lang="en-US" altLang="zh-CN" dirty="0">
+                <a:latin typeface="+mn-ea"/>
+              </a:rPr>
+              <a:t>jp@gc - Reponse Latencies Over Time</a:t>
+            </a:r>
+            <a:r>
+              <a:rPr lang="zh-CN" altLang="en-US" dirty="0">
+                <a:latin typeface="+mn-ea"/>
+              </a:rPr>
+              <a:t>：记录客户端发送请求完成后，服务器端返回请求之前这段时间</a:t>
+            </a:r>
+          </a:p>
+          <a:p>
+            <a:pPr>
+              <a:lnSpc>
+                <a:spcPct val="170000"/>
+              </a:lnSpc>
+              <a:spcBef>
+                <a:spcPts val="0"/>
+              </a:spcBef>
+            </a:pPr>
+            <a:r>
+              <a:rPr lang="en-US" altLang="zh-CN" dirty="0">
+                <a:latin typeface="+mn-ea"/>
+              </a:rPr>
+              <a:t>jp@gc - Reponse Times Distribution</a:t>
+            </a:r>
+            <a:r>
+              <a:rPr lang="zh-CN" altLang="en-US" dirty="0">
+                <a:latin typeface="+mn-ea"/>
+              </a:rPr>
+              <a:t>：</a:t>
+            </a:r>
+            <a:r>
+              <a:rPr lang="en-US" altLang="zh-CN" dirty="0">
+                <a:latin typeface="+mn-ea"/>
+              </a:rPr>
+              <a:t> </a:t>
+            </a:r>
+            <a:r>
+              <a:rPr lang="zh-CN" altLang="en-US" dirty="0">
+                <a:latin typeface="+mn-ea"/>
+              </a:rPr>
+              <a:t>显示测试的响应时间分布，</a:t>
+            </a:r>
+            <a:r>
+              <a:rPr lang="en-US" altLang="zh-CN" dirty="0">
+                <a:latin typeface="+mn-ea"/>
+              </a:rPr>
+              <a:t>X</a:t>
+            </a:r>
+            <a:r>
+              <a:rPr lang="zh-CN" altLang="en-US" dirty="0">
+                <a:latin typeface="+mn-ea"/>
+              </a:rPr>
+              <a:t>轴显示由时间间隔分组的响应时间，</a:t>
+            </a:r>
+            <a:r>
+              <a:rPr lang="en-US" altLang="zh-CN" dirty="0">
+                <a:latin typeface="+mn-ea"/>
+              </a:rPr>
+              <a:t>Y</a:t>
+            </a:r>
+            <a:r>
+              <a:rPr lang="zh-CN" altLang="en-US" dirty="0">
+                <a:latin typeface="+mn-ea"/>
+              </a:rPr>
+              <a:t>轴包含每个区间的样本数</a:t>
+            </a:r>
+          </a:p>
+          <a:p>
+            <a:pPr>
+              <a:lnSpc>
+                <a:spcPct val="170000"/>
+              </a:lnSpc>
+              <a:spcBef>
+                <a:spcPts val="0"/>
+              </a:spcBef>
+            </a:pPr>
+            <a:r>
+              <a:rPr lang="en-US" altLang="zh-CN" dirty="0">
+                <a:latin typeface="+mn-ea"/>
+              </a:rPr>
+              <a:t>jp@gc - Transactions per Second</a:t>
+            </a:r>
+            <a:r>
+              <a:rPr lang="zh-CN" altLang="en-US" dirty="0">
+                <a:latin typeface="+mn-ea"/>
+              </a:rPr>
+              <a:t>：</a:t>
+            </a:r>
+            <a:r>
+              <a:rPr lang="en-US" altLang="zh-CN" dirty="0">
+                <a:latin typeface="+mn-ea"/>
+              </a:rPr>
+              <a:t> </a:t>
+            </a:r>
+            <a:r>
+              <a:rPr lang="zh-CN" altLang="en-US" dirty="0">
+                <a:latin typeface="+mn-ea"/>
+              </a:rPr>
+              <a:t>每秒事务数，服务器每秒处理的事务数</a:t>
+            </a:r>
+          </a:p>
+          <a:p>
+            <a:endParaRPr lang="zh-CN" altLang="en-US" dirty="0"/>
+          </a:p>
+        </p:txBody>
+      </p:sp>
+      <p:sp>
+        <p:nvSpPr>
+          <p:cNvPr id="3" name="标题 2"/>
+          <p:cNvSpPr>
+            <a:spLocks noGrp="1"/>
+          </p:cNvSpPr>
+          <p:nvPr>
+            <p:ph type="title"/>
+          </p:nvPr>
+        </p:nvSpPr>
+        <p:spPr/>
+        <p:txBody>
+          <a:bodyPr>
+            <a:normAutofit/>
+          </a:bodyPr>
+          <a:lstStyle/>
+          <a:p>
+            <a:r>
+              <a:rPr lang="zh-CN" altLang="en-US" dirty="0"/>
+              <a:t>常用组件简要</a:t>
+            </a:r>
+            <a:r>
+              <a:rPr lang="zh-CN" altLang="en-US" dirty="0" smtClean="0"/>
+              <a:t>介绍</a:t>
+            </a:r>
+            <a:endParaRPr lang="zh-CN" altLang="en-US" dirty="0"/>
+          </a:p>
+        </p:txBody>
+      </p:sp>
+    </p:spTree>
+    <p:extLst>
+      <p:ext uri="{BB962C8B-B14F-4D97-AF65-F5344CB8AC3E}">
+        <p14:creationId xmlns:p14="http://schemas.microsoft.com/office/powerpoint/2010/main" val="1923737032"/>
+      </p:ext>
+    </p:extLst>
+  </p:cSld>
+  <p:clrMapOvr>
+    <a:masterClrMapping/>
+  </p:clrMapOvr>
+  <p:timing>
+    <p:tnLst>
+      <p:par>
+        <p:cTn id="1" dur="indefinite" restart="never" nodeType="tmRoot"/>
+      </p:par>
+    </p:tnLst>
+  </p:timing>
+</p:sld>
+</file>
+
+<file path=ppt/slides/slide6.xml><?xml version="1.0" encoding="utf-8"?>
+<p:sld xmlns:a="http://schemas.openxmlformats.org/drawingml/2006/main" xmlns:r="http://schemas.openxmlformats.org/officeDocument/2006/relationships" xmlns:p="http://schemas.openxmlformats.org/presentationml/2006/main">
+  <p:cSld>
+    <p:spTree>
+      <p:nvGrpSpPr>
+        <p:cNvPr id="1" name=""/>
+        <p:cNvGrpSpPr/>
+        <p:nvPr/>
+      </p:nvGrpSpPr>
+      <p:grpSpPr>
+        <a:xfrm>
+          <a:off x="0" y="0"/>
+          <a:ext cx="0" cy="0"/>
+          <a:chOff x="0" y="0"/>
+          <a:chExt cx="0" cy="0"/>
+        </a:xfrm>
+      </p:grpSpPr>
+      <p:sp>
+        <p:nvSpPr>
+          <p:cNvPr id="2" name="内容占位符 1"/>
+          <p:cNvSpPr>
+            <a:spLocks noGrp="1"/>
+          </p:cNvSpPr>
+          <p:nvPr>
+            <p:ph idx="1"/>
+          </p:nvPr>
+        </p:nvSpPr>
+        <p:spPr>
+          <a:xfrm>
+            <a:off x="287016" y="1484784"/>
+            <a:ext cx="9181528" cy="4525963"/>
+          </a:xfrm>
+        </p:spPr>
+        <p:txBody>
+          <a:bodyPr/>
+          <a:lstStyle/>
+          <a:p>
+            <a:pPr marL="0" indent="0">
+              <a:buNone/>
+            </a:pPr>
+            <a:r>
+              <a:rPr lang="zh-CN" altLang="en-US" dirty="0" smtClean="0">
+                <a:latin typeface="+mn-ea"/>
+              </a:rPr>
+              <a:t>场景</a:t>
+            </a:r>
+            <a:endParaRPr lang="en-US" altLang="zh-CN" dirty="0" smtClean="0">
+              <a:latin typeface="+mn-ea"/>
+            </a:endParaRPr>
+          </a:p>
+          <a:p>
+            <a:r>
+              <a:rPr lang="en-US" altLang="zh-CN" dirty="0" smtClean="0">
+                <a:latin typeface="+mn-ea"/>
+              </a:rPr>
+              <a:t>1S</a:t>
+            </a:r>
+            <a:r>
+              <a:rPr lang="zh-CN" altLang="en-US" dirty="0" smtClean="0">
+                <a:latin typeface="+mn-ea"/>
+              </a:rPr>
+              <a:t>增加</a:t>
+            </a:r>
+            <a:r>
+              <a:rPr lang="en-US" altLang="zh-CN" dirty="0" smtClean="0">
+                <a:latin typeface="+mn-ea"/>
+              </a:rPr>
+              <a:t>2</a:t>
+            </a:r>
+            <a:r>
+              <a:rPr lang="zh-CN" altLang="en-US" dirty="0" smtClean="0">
+                <a:latin typeface="+mn-ea"/>
+              </a:rPr>
+              <a:t>个线程；运行</a:t>
+            </a:r>
+            <a:r>
+              <a:rPr lang="en-US" altLang="zh-CN" dirty="0" smtClean="0">
+                <a:latin typeface="+mn-ea"/>
+              </a:rPr>
+              <a:t>1000</a:t>
+            </a:r>
+            <a:r>
+              <a:rPr lang="zh-CN" altLang="en-US" dirty="0" smtClean="0">
+                <a:latin typeface="+mn-ea"/>
+              </a:rPr>
+              <a:t>次，并发登录的性能</a:t>
+            </a:r>
+            <a:endParaRPr lang="en-US" altLang="zh-CN" dirty="0" smtClean="0">
+              <a:latin typeface="+mn-ea"/>
+            </a:endParaRPr>
+          </a:p>
+          <a:p>
+            <a:r>
+              <a:rPr lang="zh-CN" altLang="en-US" dirty="0">
+                <a:latin typeface="+mn-ea"/>
+              </a:rPr>
+              <a:t>分</a:t>
+            </a:r>
+            <a:r>
+              <a:rPr lang="zh-CN" altLang="en-US" dirty="0" smtClean="0">
+                <a:latin typeface="+mn-ea"/>
+              </a:rPr>
+              <a:t>别看</a:t>
+            </a:r>
+            <a:r>
+              <a:rPr lang="en-US" altLang="zh-CN" dirty="0" smtClean="0">
+                <a:latin typeface="+mn-ea"/>
+              </a:rPr>
+              <a:t>50</a:t>
+            </a:r>
+            <a:r>
+              <a:rPr lang="zh-CN" altLang="en-US" dirty="0" smtClean="0">
+                <a:latin typeface="+mn-ea"/>
+              </a:rPr>
+              <a:t>，</a:t>
+            </a:r>
+            <a:r>
+              <a:rPr lang="en-US" altLang="zh-CN" dirty="0" smtClean="0">
+                <a:latin typeface="+mn-ea"/>
+              </a:rPr>
+              <a:t>100</a:t>
+            </a:r>
+            <a:r>
+              <a:rPr lang="zh-CN" altLang="en-US" dirty="0" smtClean="0">
+                <a:latin typeface="+mn-ea"/>
+              </a:rPr>
+              <a:t>并发下的表现</a:t>
+            </a:r>
+            <a:endParaRPr lang="en-US" altLang="zh-CN" dirty="0" smtClean="0">
+              <a:latin typeface="+mn-ea"/>
+            </a:endParaRPr>
+          </a:p>
+          <a:p>
+            <a:pPr marL="0" indent="0">
+              <a:buNone/>
+            </a:pPr>
+            <a:r>
+              <a:rPr lang="zh-CN" altLang="en-US" dirty="0" smtClean="0">
+                <a:latin typeface="+mn-ea"/>
+              </a:rPr>
+              <a:t>监控</a:t>
+            </a:r>
+            <a:endParaRPr lang="en-US" altLang="zh-CN" dirty="0" smtClean="0">
+              <a:latin typeface="+mn-ea"/>
+            </a:endParaRPr>
+          </a:p>
+          <a:p>
+            <a:r>
+              <a:rPr lang="zh-CN" altLang="en-US" dirty="0">
+                <a:latin typeface="+mn-ea"/>
+              </a:rPr>
+              <a:t>成功率、响应时间、标准差、</a:t>
+            </a:r>
+            <a:r>
+              <a:rPr lang="en-US" altLang="zh-CN" dirty="0">
+                <a:latin typeface="+mn-ea"/>
+              </a:rPr>
+              <a:t>CPU</a:t>
+            </a:r>
+            <a:r>
+              <a:rPr lang="zh-CN" altLang="en-US" dirty="0">
+                <a:latin typeface="+mn-ea"/>
+              </a:rPr>
+              <a:t>、</a:t>
+            </a:r>
+            <a:r>
+              <a:rPr lang="en-US" altLang="zh-CN" dirty="0">
+                <a:latin typeface="+mn-ea"/>
+              </a:rPr>
+              <a:t>Mem</a:t>
+            </a:r>
+            <a:r>
+              <a:rPr lang="zh-CN" altLang="en-US" dirty="0">
+                <a:latin typeface="+mn-ea"/>
+              </a:rPr>
+              <a:t>、</a:t>
+            </a:r>
+            <a:r>
+              <a:rPr lang="en-US" altLang="zh-CN" dirty="0">
+                <a:latin typeface="+mn-ea"/>
+              </a:rPr>
+              <a:t>IO</a:t>
+            </a:r>
+          </a:p>
+          <a:p>
+            <a:r>
+              <a:rPr lang="zh-CN" altLang="en-US" dirty="0">
+                <a:latin typeface="+mn-ea"/>
+              </a:rPr>
+              <a:t>资源监控需要</a:t>
+            </a:r>
+            <a:r>
+              <a:rPr lang="zh-CN" altLang="en-US" dirty="0" smtClean="0">
+                <a:latin typeface="+mn-ea"/>
+              </a:rPr>
+              <a:t>在</a:t>
+            </a:r>
+            <a:r>
+              <a:rPr lang="en-US" altLang="zh-CN" dirty="0" smtClean="0">
+                <a:latin typeface="+mn-ea"/>
+              </a:rPr>
+              <a:t>windows</a:t>
+            </a:r>
+            <a:r>
+              <a:rPr lang="zh-CN" altLang="en-US" dirty="0" smtClean="0">
+                <a:latin typeface="+mn-ea"/>
+              </a:rPr>
+              <a:t>下</a:t>
+            </a:r>
+            <a:r>
+              <a:rPr lang="zh-CN" altLang="en-US" dirty="0">
+                <a:latin typeface="+mn-ea"/>
+              </a:rPr>
+              <a:t>部署</a:t>
+            </a:r>
+            <a:r>
+              <a:rPr lang="zh-CN" altLang="en-US" dirty="0" smtClean="0">
+                <a:latin typeface="+mn-ea"/>
+              </a:rPr>
+              <a:t>监控</a:t>
+            </a:r>
+            <a:endParaRPr lang="en-US" altLang="zh-CN" dirty="0" smtClean="0">
+              <a:latin typeface="+mn-ea"/>
+            </a:endParaRPr>
+          </a:p>
+          <a:p>
+            <a:pPr marL="0" indent="0">
+              <a:buNone/>
+            </a:pPr>
+            <a:r>
+              <a:rPr lang="en-US" altLang="zh-CN" dirty="0" smtClean="0">
+                <a:latin typeface="+mn-ea"/>
+              </a:rPr>
+              <a:t>ServerAgent</a:t>
+            </a:r>
+            <a:endParaRPr lang="zh-CN" altLang="en-US" dirty="0">
+              <a:latin typeface="+mn-ea"/>
+            </a:endParaRPr>
+          </a:p>
+          <a:p>
+            <a:endParaRPr lang="zh-CN" altLang="en-US" dirty="0">
+              <a:latin typeface="+mn-ea"/>
+            </a:endParaRPr>
+          </a:p>
+        </p:txBody>
+      </p:sp>
+      <p:sp>
+        <p:nvSpPr>
+          <p:cNvPr id="3" name="标题 2"/>
+          <p:cNvSpPr>
+            <a:spLocks noGrp="1"/>
+          </p:cNvSpPr>
+          <p:nvPr>
+            <p:ph type="title"/>
+          </p:nvPr>
+        </p:nvSpPr>
+        <p:spPr/>
+        <p:txBody>
+          <a:bodyPr>
+            <a:normAutofit/>
+          </a:bodyPr>
+          <a:lstStyle/>
+          <a:p>
+            <a:r>
+              <a:rPr lang="en-US" altLang="zh-CN" dirty="0" err="1"/>
+              <a:t>JMeter</a:t>
+            </a:r>
+            <a:r>
+              <a:rPr lang="zh-CN" altLang="en-US" dirty="0"/>
+              <a:t>之</a:t>
+            </a:r>
+            <a:r>
+              <a:rPr lang="en-US" altLang="zh-CN" dirty="0"/>
+              <a:t>Web</a:t>
+            </a:r>
+            <a:r>
+              <a:rPr lang="zh-CN" altLang="en-US" dirty="0"/>
+              <a:t>程序</a:t>
+            </a:r>
+          </a:p>
+        </p:txBody>
+      </p:sp>
+    </p:spTree>
+    <p:extLst>
+      <p:ext uri="{BB962C8B-B14F-4D97-AF65-F5344CB8AC3E}">
+        <p14:creationId xmlns:p14="http://schemas.microsoft.com/office/powerpoint/2010/main" val="628307794"/>
+      </p:ext>
+    </p:extLst>
+  </p:cSld>
+  <p:clrMapOvr>
+    <a:masterClrMapping/>
+  </p:clrMapOvr>
+  <p:timing>
+    <p:tnLst>
+      <p:par>
+        <p:cTn id="1" dur="indefinite" restart="never" nodeType="tmRoot"/>
+      </p:par>
+    </p:tnLst>
+  </p:timing>
+</p:sld>
+</file>
+
+<file path=ppt/slides/slide7.xml><?xml version="1.0" encoding="utf-8"?>
+<p:sld xmlns:a="http://schemas.openxmlformats.org/drawingml/2006/main" xmlns:r="http://schemas.openxmlformats.org/officeDocument/2006/relationships" xmlns:p="http://schemas.openxmlformats.org/presentationml/2006/main">
+  <p:cSld>
+    <p:spTree>
+      <p:nvGrpSpPr>
+        <p:cNvPr id="1" name=""/>
+        <p:cNvGrpSpPr/>
+        <p:nvPr/>
+      </p:nvGrpSpPr>
+      <p:grpSpPr>
+        <a:xfrm>
+          <a:off x="0" y="0"/>
+          <a:ext cx="0" cy="0"/>
+          <a:chOff x="0" y="0"/>
+          <a:chExt cx="0" cy="0"/>
+        </a:xfrm>
+      </p:grpSpPr>
+      <p:sp>
+        <p:nvSpPr>
+          <p:cNvPr id="2" name="内容占位符 1"/>
+          <p:cNvSpPr>
+            <a:spLocks noGrp="1"/>
+          </p:cNvSpPr>
+          <p:nvPr>
+            <p:ph idx="1"/>
+          </p:nvPr>
+        </p:nvSpPr>
+        <p:spPr/>
+        <p:txBody>
+          <a:bodyPr>
+            <a:normAutofit/>
+          </a:bodyPr>
+          <a:lstStyle/>
+          <a:p>
+            <a:pPr marL="0" indent="0">
+              <a:buFont typeface="Arial" pitchFamily="34" charset="0"/>
+              <a:buNone/>
+            </a:pPr>
+            <a:r>
+              <a:rPr lang="zh-CN" altLang="en-US" dirty="0">
+                <a:latin typeface="+mn-ea"/>
+              </a:rPr>
+              <a:t>步骤</a:t>
+            </a:r>
+            <a:endParaRPr lang="en-US" altLang="zh-CN" dirty="0">
+              <a:latin typeface="+mn-ea"/>
+            </a:endParaRPr>
+          </a:p>
+          <a:p>
+            <a:r>
+              <a:rPr lang="en-US" altLang="zh-CN" dirty="0" err="1">
+                <a:latin typeface="+mn-ea"/>
+              </a:rPr>
+              <a:t>badboy</a:t>
+            </a:r>
+            <a:r>
+              <a:rPr lang="zh-CN" altLang="en-US" dirty="0" smtClean="0">
+                <a:latin typeface="+mn-ea"/>
+              </a:rPr>
+              <a:t>录制</a:t>
+            </a:r>
+            <a:r>
+              <a:rPr lang="en-US" altLang="zh-CN" dirty="0" smtClean="0">
+                <a:latin typeface="+mn-ea"/>
+              </a:rPr>
+              <a:t>(</a:t>
+            </a:r>
+            <a:r>
+              <a:rPr lang="zh-CN" altLang="en-US" dirty="0" smtClean="0">
+                <a:latin typeface="+mn-ea"/>
+              </a:rPr>
+              <a:t>或者使用</a:t>
+            </a:r>
+            <a:r>
+              <a:rPr lang="en-US" altLang="zh-CN" dirty="0" smtClean="0">
+                <a:latin typeface="+mn-ea"/>
+              </a:rPr>
+              <a:t>fiddler</a:t>
+            </a:r>
+            <a:r>
+              <a:rPr lang="zh-CN" altLang="en-US" dirty="0" smtClean="0">
+                <a:latin typeface="+mn-ea"/>
+              </a:rPr>
+              <a:t>抓包</a:t>
+            </a:r>
+            <a:r>
+              <a:rPr lang="en-US" altLang="zh-CN" dirty="0" smtClean="0">
+                <a:latin typeface="+mn-ea"/>
+              </a:rPr>
+              <a:t>)</a:t>
+            </a:r>
+            <a:endParaRPr lang="en-US" altLang="zh-CN" dirty="0">
+              <a:latin typeface="+mn-ea"/>
+            </a:endParaRPr>
+          </a:p>
+          <a:p>
+            <a:r>
+              <a:rPr lang="zh-CN" altLang="en-US" dirty="0">
+                <a:latin typeface="+mn-ea"/>
+              </a:rPr>
+              <a:t>导入</a:t>
+            </a:r>
+            <a:r>
+              <a:rPr lang="en-US" altLang="zh-CN" dirty="0" err="1">
+                <a:latin typeface="+mn-ea"/>
+              </a:rPr>
+              <a:t>jmeter</a:t>
+            </a:r>
+            <a:endParaRPr lang="en-US" altLang="zh-CN" dirty="0">
+              <a:latin typeface="+mn-ea"/>
+            </a:endParaRPr>
+          </a:p>
+          <a:p>
+            <a:r>
+              <a:rPr lang="zh-CN" altLang="en-US" dirty="0">
+                <a:solidFill>
+                  <a:srgbClr val="FF0000"/>
+                </a:solidFill>
+                <a:latin typeface="+mn-ea"/>
+              </a:rPr>
+              <a:t>参数化、检查点、集合点</a:t>
+            </a:r>
+            <a:endParaRPr lang="en-US" altLang="zh-CN" dirty="0">
+              <a:solidFill>
+                <a:srgbClr val="FF0000"/>
+              </a:solidFill>
+              <a:latin typeface="+mn-ea"/>
+            </a:endParaRPr>
+          </a:p>
+          <a:p>
+            <a:r>
+              <a:rPr lang="zh-CN" altLang="en-US" dirty="0">
+                <a:latin typeface="+mn-ea"/>
+              </a:rPr>
+              <a:t>指标监控、资源监控</a:t>
+            </a:r>
+            <a:endParaRPr lang="en-US" altLang="zh-CN" dirty="0">
+              <a:latin typeface="+mn-ea"/>
+            </a:endParaRPr>
+          </a:p>
+          <a:p>
+            <a:r>
+              <a:rPr lang="zh-CN" altLang="en-US" dirty="0">
+                <a:latin typeface="+mn-ea"/>
+              </a:rPr>
+              <a:t>报告（可导入</a:t>
+            </a:r>
+            <a:r>
+              <a:rPr lang="zh-CN" altLang="en-US" dirty="0" smtClean="0">
+                <a:latin typeface="+mn-ea"/>
+              </a:rPr>
+              <a:t>到</a:t>
+            </a:r>
+            <a:r>
+              <a:rPr lang="en-US" altLang="zh-CN" dirty="0" err="1" smtClean="0">
+                <a:latin typeface="+mn-ea"/>
+              </a:rPr>
+              <a:t>xls</a:t>
+            </a:r>
+            <a:r>
+              <a:rPr lang="zh-CN" altLang="en-US" dirty="0" smtClean="0">
+                <a:latin typeface="+mn-ea"/>
+              </a:rPr>
+              <a:t>，并行</a:t>
+            </a:r>
+            <a:r>
+              <a:rPr lang="zh-CN" altLang="en-US" dirty="0">
+                <a:latin typeface="+mn-ea"/>
+              </a:rPr>
+              <a:t>生成报表</a:t>
+            </a:r>
+            <a:r>
+              <a:rPr lang="zh-CN" altLang="en-US" dirty="0">
+                <a:latin typeface="华文楷体" panose="02010600040101010101" pitchFamily="2" charset="-122"/>
+                <a:ea typeface="华文楷体" panose="02010600040101010101" pitchFamily="2" charset="-122"/>
+              </a:rPr>
+              <a:t>）</a:t>
+            </a:r>
+          </a:p>
+        </p:txBody>
+      </p:sp>
+      <p:sp>
+        <p:nvSpPr>
+          <p:cNvPr id="3" name="标题 2"/>
+          <p:cNvSpPr>
+            <a:spLocks noGrp="1"/>
+          </p:cNvSpPr>
+          <p:nvPr>
+            <p:ph type="title"/>
+          </p:nvPr>
+        </p:nvSpPr>
+        <p:spPr/>
+        <p:txBody>
+          <a:bodyPr/>
+          <a:lstStyle/>
+          <a:p>
+            <a:r>
+              <a:rPr lang="en-US" altLang="zh-CN" dirty="0" err="1" smtClean="0"/>
+              <a:t>JMeter</a:t>
+            </a:r>
+            <a:r>
+              <a:rPr lang="zh-CN" altLang="en-US" dirty="0"/>
+              <a:t>之</a:t>
+            </a:r>
+            <a:r>
+              <a:rPr lang="en-US" altLang="zh-CN" dirty="0"/>
+              <a:t>Web</a:t>
+            </a:r>
+            <a:r>
+              <a:rPr lang="zh-CN" altLang="en-US" dirty="0"/>
+              <a:t>程序</a:t>
+            </a:r>
+          </a:p>
+        </p:txBody>
+      </p:sp>
+    </p:spTree>
+    <p:extLst>
+      <p:ext uri="{BB962C8B-B14F-4D97-AF65-F5344CB8AC3E}">
+        <p14:creationId xmlns:p14="http://schemas.microsoft.com/office/powerpoint/2010/main" val="3110060245"/>
+      </p:ext>
+    </p:extLst>
+  </p:cSld>
+  <p:clrMapOvr>
+    <a:masterClrMapping/>
+  </p:clrMapOvr>
+  <p:timing>
+    <p:tnLst>
+      <p:par>
+        <p:cTn id="1" dur="indefinite" restart="never" nodeType="tmRoot"/>
+      </p:par>
+    </p:tnLst>
+  </p:timing>
+</p:sld>
+</file>
+
+<file path=ppt/slides/slide8.xml><?xml version="1.0" encoding="utf-8"?>
+<p:sld xmlns:a="http://schemas.openxmlformats.org/drawingml/2006/main" xmlns:r="http://schemas.openxmlformats.org/officeDocument/2006/relationships" xmlns:p="http://schemas.openxmlformats.org/presentationml/2006/main">
+  <p:cSld>
+    <p:spTree>
+      <p:nvGrpSpPr>
+        <p:cNvPr id="1" name=""/>
+        <p:cNvGrpSpPr/>
+        <p:nvPr/>
+      </p:nvGrpSpPr>
+      <p:grpSpPr>
+        <a:xfrm>
+          <a:off x="0" y="0"/>
+          <a:ext cx="0" cy="0"/>
+          <a:chOff x="0" y="0"/>
+          <a:chExt cx="0" cy="0"/>
+        </a:xfrm>
+      </p:grpSpPr>
+      <p:sp>
+        <p:nvSpPr>
+          <p:cNvPr id="2" name="内容占位符 1"/>
+          <p:cNvSpPr>
+            <a:spLocks noGrp="1"/>
+          </p:cNvSpPr>
+          <p:nvPr>
+            <p:ph idx="1"/>
+          </p:nvPr>
+        </p:nvSpPr>
+        <p:spPr>
+          <a:xfrm>
+            <a:off x="456405" y="908720"/>
+            <a:ext cx="8229600" cy="4525963"/>
+          </a:xfrm>
+        </p:spPr>
+        <p:txBody>
+          <a:bodyPr/>
+          <a:lstStyle/>
+          <a:p>
+            <a:r>
+              <a:rPr lang="zh-CN" altLang="en-US" dirty="0" smtClean="0">
+                <a:latin typeface="+mn-ea"/>
+              </a:rPr>
+              <a:t>需求：</a:t>
+            </a:r>
+            <a:endParaRPr lang="en-US" altLang="zh-CN" dirty="0" smtClean="0">
+              <a:latin typeface="+mn-ea"/>
+            </a:endParaRPr>
+          </a:p>
+          <a:p>
+            <a:pPr lvl="1"/>
+            <a:r>
+              <a:rPr lang="zh-CN" altLang="en-US" dirty="0">
+                <a:latin typeface="+mn-ea"/>
+              </a:rPr>
+              <a:t>上</a:t>
+            </a:r>
+            <a:r>
+              <a:rPr lang="zh-CN" altLang="en-US" dirty="0" smtClean="0">
+                <a:latin typeface="+mn-ea"/>
+              </a:rPr>
+              <a:t>传文件</a:t>
+            </a:r>
+            <a:r>
+              <a:rPr lang="zh-CN" altLang="en-US" dirty="0">
+                <a:latin typeface="+mn-ea"/>
+              </a:rPr>
+              <a:t>到服务器</a:t>
+            </a:r>
+            <a:r>
+              <a:rPr lang="en-US" altLang="zh-CN" dirty="0" smtClean="0">
+                <a:latin typeface="+mn-ea"/>
+              </a:rPr>
+              <a:t>put</a:t>
+            </a:r>
+          </a:p>
+          <a:p>
+            <a:pPr lvl="1"/>
+            <a:r>
+              <a:rPr lang="zh-CN" altLang="en-US" dirty="0" smtClean="0">
+                <a:latin typeface="+mn-ea"/>
+              </a:rPr>
+              <a:t>下载文件到本地</a:t>
+            </a:r>
+            <a:r>
+              <a:rPr lang="en-US" altLang="zh-CN" dirty="0" smtClean="0">
+                <a:latin typeface="+mn-ea"/>
+              </a:rPr>
+              <a:t>get</a:t>
+            </a:r>
+          </a:p>
+          <a:p>
+            <a:pPr marL="0" indent="0">
+              <a:buNone/>
+            </a:pPr>
+            <a:r>
+              <a:rPr lang="zh-CN" altLang="en-US" dirty="0" smtClean="0">
+                <a:latin typeface="+mn-ea"/>
+              </a:rPr>
+              <a:t>添加</a:t>
+            </a:r>
+            <a:r>
+              <a:rPr lang="en-US" altLang="zh-CN" dirty="0" smtClean="0">
+                <a:latin typeface="+mn-ea"/>
+              </a:rPr>
+              <a:t>-&gt;sampler-&gt; FTP </a:t>
+            </a:r>
+            <a:r>
+              <a:rPr lang="zh-CN" altLang="en-US" dirty="0" smtClean="0">
+                <a:latin typeface="+mn-ea"/>
+              </a:rPr>
+              <a:t>服务器</a:t>
+            </a:r>
+            <a:endParaRPr lang="en-US" altLang="zh-CN" dirty="0" smtClean="0">
+              <a:latin typeface="+mn-ea"/>
+            </a:endParaRPr>
+          </a:p>
+          <a:p>
+            <a:pPr marL="0" indent="0">
+              <a:buNone/>
+            </a:pPr>
+            <a:r>
+              <a:rPr lang="zh-CN" altLang="en-US" dirty="0" smtClean="0">
+                <a:latin typeface="+mn-ea"/>
+              </a:rPr>
+              <a:t>注意：“</a:t>
+            </a:r>
+            <a:r>
+              <a:rPr lang="en-US" altLang="zh-CN" dirty="0">
+                <a:latin typeface="+mn-ea"/>
+              </a:rPr>
+              <a:t>FTP</a:t>
+            </a:r>
+            <a:r>
+              <a:rPr lang="zh-CN" altLang="en-US" dirty="0">
+                <a:latin typeface="+mn-ea"/>
+              </a:rPr>
+              <a:t>请求缺省值</a:t>
+            </a:r>
+            <a:r>
+              <a:rPr lang="zh-CN" altLang="en-US" dirty="0" smtClean="0">
+                <a:latin typeface="+mn-ea"/>
+              </a:rPr>
+              <a:t>”</a:t>
+            </a:r>
+            <a:r>
+              <a:rPr lang="en-US" altLang="zh-CN" dirty="0" smtClean="0">
+                <a:latin typeface="+mn-ea"/>
+              </a:rPr>
+              <a:t> </a:t>
+            </a:r>
+            <a:r>
+              <a:rPr lang="zh-CN" altLang="en-US" dirty="0" smtClean="0">
+                <a:latin typeface="+mn-ea"/>
+              </a:rPr>
+              <a:t>的使用</a:t>
+            </a:r>
+            <a:endParaRPr lang="zh-CN" altLang="en-US" dirty="0">
+              <a:latin typeface="+mn-ea"/>
+            </a:endParaRPr>
+          </a:p>
+        </p:txBody>
+      </p:sp>
+      <p:sp>
+        <p:nvSpPr>
+          <p:cNvPr id="3" name="标题 2"/>
+          <p:cNvSpPr>
+            <a:spLocks noGrp="1"/>
+          </p:cNvSpPr>
+          <p:nvPr>
+            <p:ph type="title"/>
+          </p:nvPr>
+        </p:nvSpPr>
+        <p:spPr/>
+        <p:txBody>
+          <a:bodyPr/>
+          <a:lstStyle/>
+          <a:p>
+            <a:r>
+              <a:rPr lang="en-US" altLang="zh-CN" dirty="0" err="1" smtClean="0"/>
+              <a:t>JMeter</a:t>
+            </a:r>
+            <a:r>
+              <a:rPr lang="zh-CN" altLang="en-US" dirty="0" smtClean="0"/>
+              <a:t>之</a:t>
+            </a:r>
+            <a:r>
+              <a:rPr lang="en-US" altLang="zh-CN" dirty="0" smtClean="0"/>
+              <a:t>FTP</a:t>
+            </a:r>
+            <a:r>
+              <a:rPr lang="zh-CN" altLang="en-US" dirty="0" smtClean="0"/>
+              <a:t>程序</a:t>
+            </a:r>
+            <a:endParaRPr lang="zh-CN" altLang="en-US" dirty="0"/>
+          </a:p>
+        </p:txBody>
+      </p:sp>
+      <p:pic>
+        <p:nvPicPr>
+          <p:cNvPr id="1026" name="Picture 2"/>
+          <p:cNvPicPr>
+            <a:picLocks noChangeAspect="1" noChangeArrowheads="1"/>
+          </p:cNvPicPr>
+          <p:nvPr/>
+        </p:nvPicPr>
+        <p:blipFill>
+          <a:blip r:embed="rId2">
+            <a:extLst>
+              <a:ext uri="{28A0092B-C50C-407E-A947-70E740481C1C}">
+                <a14:useLocalDpi xmlns:a14="http://schemas.microsoft.com/office/drawing/2010/main" val="0"/>
+              </a:ext>
+            </a:extLst>
+          </a:blip>
+          <a:srcRect/>
+          <a:stretch>
+            <a:fillRect/>
+          </a:stretch>
+        </p:blipFill>
+        <p:spPr bwMode="auto">
+          <a:xfrm>
+            <a:off x="1711457" y="3789040"/>
+            <a:ext cx="5782609" cy="2543621"/>
+          </a:xfrm>
+          <a:prstGeom prst="rect">
+            <a:avLst/>
+          </a:prstGeom>
+          <a:noFill/>
+          <a:ln>
+            <a:noFill/>
+          </a:ln>
+          <a:effectLst/>
+          <a:extLst>
+            <a:ext uri="{909E8E84-426E-40DD-AFC4-6F175D3DCCD1}">
+              <a14:hiddenFill xmlns:a14="http://schemas.microsoft.com/office/drawing/2010/main">
+                <a:solidFill>
+                  <a:schemeClr val="accent1"/>
+                </a:solidFill>
+              </a14:hiddenFill>
+            </a:ext>
+            <a:ext uri="{91240B29-F687-4F45-9708-019B960494DF}">
+              <a14:hiddenLine xmlns:a14="http://schemas.microsoft.com/office/drawing/2010/main" w="9525">
+                <a:solidFill>
+                  <a:schemeClr val="tx1"/>
+                </a:solidFill>
+                <a:miter lim="800000"/>
+                <a:headEnd/>
+                <a:tailEnd/>
+              </a14:hiddenLine>
+            </a:ext>
+            <a:ext uri="{AF507438-7753-43E0-B8FC-AC1667EBCBE1}">
+              <a14:hiddenEffects xmlns:a14="http://schemas.microsoft.com/office/drawing/2010/main">
+                <a:effectLst>
+                  <a:outerShdw dist="35921" dir="2700000" algn="ctr" rotWithShape="0">
+                    <a:schemeClr val="bg2"/>
+                  </a:outerShdw>
+                </a:effectLst>
+              </a14:hiddenEffects>
+            </a:ext>
+          </a:extLst>
+        </p:spPr>
+      </p:pic>
+    </p:spTree>
+    <p:extLst>
+      <p:ext uri="{BB962C8B-B14F-4D97-AF65-F5344CB8AC3E}">
+        <p14:creationId xmlns:p14="http://schemas.microsoft.com/office/powerpoint/2010/main" val="3109882463"/>
+      </p:ext>
+    </p:extLst>
+  </p:cSld>
+  <p:clrMapOvr>
+    <a:masterClrMapping/>
+  </p:clrMapOvr>
+  <p:timing>
+    <p:tnLst>
+      <p:par>
+        <p:cTn id="1" dur="indefinite" restart="never" nodeType="tmRoot"/>
+      </p:par>
+    </p:tnLst>
+  </p:timing>
+</p:sld>
+</file>
+
+<file path=ppt/slides/slide9.xml><?xml version="1.0" encoding="utf-8"?>
+<p:sld xmlns:a="http://schemas.openxmlformats.org/drawingml/2006/main" xmlns:r="http://schemas.openxmlformats.org/officeDocument/2006/relationships" xmlns:p="http://schemas.openxmlformats.org/presentationml/2006/main">
+  <p:cSld>
+    <p:spTree>
+      <p:nvGrpSpPr>
+        <p:cNvPr id="1" name=""/>
+        <p:cNvGrpSpPr/>
+        <p:nvPr/>
+      </p:nvGrpSpPr>
+      <p:grpSpPr>
+        <a:xfrm>
+          <a:off x="0" y="0"/>
+          <a:ext cx="0" cy="0"/>
+          <a:chOff x="0" y="0"/>
+          <a:chExt cx="0" cy="0"/>
+        </a:xfrm>
+      </p:grpSpPr>
+      <p:sp>
+        <p:nvSpPr>
+          <p:cNvPr id="2" name="内容占位符 1"/>
+          <p:cNvSpPr>
+            <a:spLocks noGrp="1"/>
+          </p:cNvSpPr>
+          <p:nvPr>
+            <p:ph idx="1"/>
+          </p:nvPr>
+        </p:nvSpPr>
+        <p:spPr>
+          <a:xfrm>
+            <a:off x="539552" y="908720"/>
+            <a:ext cx="8229600" cy="4525963"/>
+          </a:xfrm>
+        </p:spPr>
+        <p:txBody>
+          <a:bodyPr>
+            <a:noAutofit/>
+          </a:bodyPr>
+          <a:lstStyle/>
+          <a:p>
+            <a:pPr marL="0" indent="0">
+              <a:buNone/>
+            </a:pPr>
+            <a:r>
+              <a:rPr lang="zh-CN" altLang="en-US" sz="2400" dirty="0" smtClean="0">
+                <a:latin typeface="+mn-ea"/>
+              </a:rPr>
+              <a:t>需求</a:t>
+            </a:r>
+            <a:endParaRPr lang="en-US" altLang="zh-CN" sz="2400" dirty="0" smtClean="0">
+              <a:latin typeface="+mn-ea"/>
+            </a:endParaRPr>
+          </a:p>
+          <a:p>
+            <a:r>
+              <a:rPr lang="zh-CN" altLang="en-US" sz="2400" dirty="0" smtClean="0">
+                <a:latin typeface="+mn-ea"/>
+              </a:rPr>
+              <a:t>测试</a:t>
+            </a:r>
+            <a:r>
+              <a:rPr lang="en-US" altLang="zh-CN" sz="2400" dirty="0" smtClean="0">
+                <a:latin typeface="+mn-ea"/>
+              </a:rPr>
+              <a:t>student</a:t>
+            </a:r>
+            <a:r>
+              <a:rPr lang="zh-CN" altLang="en-US" sz="2400" dirty="0" smtClean="0">
+                <a:latin typeface="+mn-ea"/>
+              </a:rPr>
+              <a:t>表</a:t>
+            </a:r>
+            <a:endParaRPr lang="en-US" altLang="zh-CN" sz="2400" dirty="0" smtClean="0">
+              <a:latin typeface="+mn-ea"/>
+            </a:endParaRPr>
+          </a:p>
+          <a:p>
+            <a:pPr marL="0" indent="0">
+              <a:buNone/>
+            </a:pPr>
+            <a:r>
+              <a:rPr lang="zh-CN" altLang="en-US" sz="2400" dirty="0" smtClean="0">
+                <a:latin typeface="+mn-ea"/>
+              </a:rPr>
+              <a:t>环境准备</a:t>
+            </a:r>
+            <a:endParaRPr lang="en-US" altLang="zh-CN" sz="2400" dirty="0" smtClean="0">
+              <a:latin typeface="+mn-ea"/>
+            </a:endParaRPr>
+          </a:p>
+          <a:p>
+            <a:pPr marL="0" indent="0">
+              <a:buNone/>
+            </a:pPr>
+            <a:r>
+              <a:rPr lang="en-US" altLang="zh-CN" sz="2400" dirty="0"/>
+              <a:t>https://dev.mysql.com/downloads/connector/j</a:t>
+            </a:r>
+            <a:r>
+              <a:rPr lang="en-US" altLang="zh-CN" sz="2400" dirty="0" smtClean="0"/>
+              <a:t>/</a:t>
+            </a:r>
+            <a:endParaRPr lang="en-US" altLang="zh-CN" sz="2400" dirty="0" smtClean="0">
+              <a:latin typeface="+mn-ea"/>
+            </a:endParaRPr>
+          </a:p>
+          <a:p>
+            <a:r>
+              <a:rPr lang="en-US" altLang="zh-CN" sz="2400" dirty="0" err="1">
+                <a:latin typeface="+mn-ea"/>
+              </a:rPr>
+              <a:t>mysql</a:t>
+            </a:r>
+            <a:r>
+              <a:rPr lang="zh-CN" altLang="en-US" sz="2400" dirty="0" smtClean="0">
+                <a:latin typeface="+mn-ea"/>
+              </a:rPr>
+              <a:t>驱动 </a:t>
+            </a:r>
+            <a:r>
+              <a:rPr lang="en-US" altLang="zh-CN" sz="2400" dirty="0">
+                <a:latin typeface="+mn-ea"/>
+              </a:rPr>
+              <a:t>mysql-connector-java-5.1.6-bin.jar</a:t>
+            </a:r>
+          </a:p>
+          <a:p>
+            <a:r>
+              <a:rPr lang="en-US" altLang="zh-CN" sz="2400" dirty="0" err="1">
+                <a:latin typeface="+mn-ea"/>
+              </a:rPr>
+              <a:t>jmeter</a:t>
+            </a:r>
+            <a:r>
+              <a:rPr lang="en-US" altLang="zh-CN" sz="2400" dirty="0">
+                <a:latin typeface="+mn-ea"/>
+              </a:rPr>
+              <a:t>-&gt;jdbc </a:t>
+            </a:r>
+            <a:r>
+              <a:rPr lang="zh-CN" altLang="en-US" sz="2400" dirty="0">
+                <a:latin typeface="+mn-ea"/>
+              </a:rPr>
+              <a:t>配置</a:t>
+            </a:r>
+            <a:endParaRPr lang="en-US" altLang="zh-CN" sz="2400" dirty="0">
+              <a:latin typeface="+mn-ea"/>
+            </a:endParaRPr>
+          </a:p>
+          <a:p>
+            <a:r>
+              <a:rPr lang="en-US" altLang="zh-CN" sz="2400" dirty="0" err="1">
+                <a:latin typeface="+mn-ea"/>
+              </a:rPr>
+              <a:t>jmeter</a:t>
+            </a:r>
+            <a:r>
+              <a:rPr lang="en-US" altLang="zh-CN" sz="2400" dirty="0">
+                <a:latin typeface="+mn-ea"/>
+              </a:rPr>
+              <a:t>-&gt;jdbc</a:t>
+            </a:r>
+            <a:r>
+              <a:rPr lang="zh-CN" altLang="en-US" sz="2400" dirty="0" smtClean="0">
+                <a:latin typeface="+mn-ea"/>
+              </a:rPr>
+              <a:t>请求</a:t>
+            </a:r>
+            <a:endParaRPr lang="en-US" altLang="zh-CN" sz="2400" dirty="0">
+              <a:latin typeface="+mn-ea"/>
+            </a:endParaRPr>
+          </a:p>
+          <a:p>
+            <a:pPr marL="0" indent="0">
+              <a:buNone/>
+            </a:pPr>
+            <a:r>
+              <a:rPr lang="zh-CN" altLang="en-US" sz="2400" dirty="0" smtClean="0">
+                <a:latin typeface="+mn-ea"/>
+              </a:rPr>
+              <a:t>步骤：</a:t>
+            </a:r>
+            <a:endParaRPr lang="en-US" altLang="zh-CN" sz="2400" dirty="0" smtClean="0">
+              <a:latin typeface="+mn-ea"/>
+            </a:endParaRPr>
+          </a:p>
+          <a:p>
+            <a:pPr marL="457200" indent="-457200">
+              <a:buFont typeface="+mj-lt"/>
+              <a:buAutoNum type="arabicPeriod"/>
+            </a:pPr>
+            <a:r>
+              <a:rPr lang="zh-CN" altLang="en-US" sz="2400" dirty="0">
+                <a:latin typeface="+mn-ea"/>
+              </a:rPr>
+              <a:t>在测试计划中加入</a:t>
+            </a:r>
+            <a:r>
+              <a:rPr lang="en-US" altLang="zh-CN" sz="2400" dirty="0">
+                <a:latin typeface="+mn-ea"/>
+              </a:rPr>
+              <a:t>jar</a:t>
+            </a:r>
+            <a:r>
+              <a:rPr lang="zh-CN" altLang="en-US" sz="2400" dirty="0">
+                <a:latin typeface="+mn-ea"/>
+              </a:rPr>
+              <a:t>包</a:t>
+            </a:r>
+            <a:endParaRPr lang="en-US" altLang="zh-CN" sz="2400" dirty="0">
+              <a:latin typeface="+mn-ea"/>
+            </a:endParaRPr>
+          </a:p>
+          <a:p>
+            <a:pPr marL="457200" indent="-457200">
+              <a:buFont typeface="+mj-lt"/>
+              <a:buAutoNum type="arabicPeriod"/>
+            </a:pPr>
+            <a:r>
+              <a:rPr lang="en-US" altLang="zh-CN" sz="2400" dirty="0">
+                <a:latin typeface="+mn-ea"/>
+              </a:rPr>
+              <a:t>jdbc</a:t>
+            </a:r>
+            <a:r>
+              <a:rPr lang="zh-CN" altLang="en-US" sz="2400" dirty="0" smtClean="0">
+                <a:latin typeface="+mn-ea"/>
+              </a:rPr>
+              <a:t>配置 </a:t>
+            </a:r>
+            <a:r>
+              <a:rPr lang="en-US" altLang="zh-CN" sz="2400" dirty="0" err="1">
+                <a:solidFill>
+                  <a:srgbClr val="FF0000"/>
+                </a:solidFill>
+                <a:latin typeface="+mn-ea"/>
+              </a:rPr>
+              <a:t>jdbc:mysql</a:t>
+            </a:r>
+            <a:r>
+              <a:rPr lang="en-US" altLang="zh-CN" sz="2400" dirty="0">
+                <a:solidFill>
+                  <a:srgbClr val="FF0000"/>
+                </a:solidFill>
+                <a:latin typeface="+mn-ea"/>
+              </a:rPr>
+              <a:t>://</a:t>
+            </a:r>
+            <a:r>
+              <a:rPr lang="en-US" altLang="zh-CN" sz="2400" dirty="0" smtClean="0">
+                <a:solidFill>
+                  <a:srgbClr val="FF0000"/>
+                </a:solidFill>
+                <a:latin typeface="+mn-ea"/>
+              </a:rPr>
+              <a:t>localhost:3306/test</a:t>
+            </a:r>
+          </a:p>
+          <a:p>
+            <a:pPr marL="0" indent="0">
+              <a:buNone/>
+            </a:pPr>
+            <a:r>
+              <a:rPr lang="en-US" altLang="zh-CN" sz="2400" dirty="0" err="1">
+                <a:solidFill>
+                  <a:srgbClr val="FF0000"/>
+                </a:solidFill>
+                <a:latin typeface="+mn-ea"/>
+              </a:rPr>
+              <a:t>com.mysql.jdbc.Driver</a:t>
+            </a:r>
+            <a:endParaRPr lang="en-US" altLang="zh-CN" sz="2400" dirty="0">
+              <a:solidFill>
+                <a:srgbClr val="FF0000"/>
+              </a:solidFill>
+              <a:latin typeface="+mn-ea"/>
+            </a:endParaRPr>
+          </a:p>
+          <a:p>
+            <a:pPr marL="457200" indent="-457200">
+              <a:buFont typeface="+mj-lt"/>
+              <a:buAutoNum type="arabicPeriod" startAt="3"/>
+            </a:pPr>
+            <a:r>
+              <a:rPr lang="en-US" altLang="zh-CN" sz="2400" dirty="0">
+                <a:latin typeface="+mn-ea"/>
+              </a:rPr>
+              <a:t>jdbc</a:t>
+            </a:r>
+            <a:r>
+              <a:rPr lang="zh-CN" altLang="en-US" sz="2400" dirty="0">
+                <a:latin typeface="+mn-ea"/>
+              </a:rPr>
+              <a:t>请求</a:t>
+            </a:r>
+            <a:endParaRPr lang="en-US" altLang="zh-CN" sz="2400" dirty="0">
+              <a:latin typeface="+mn-ea"/>
+            </a:endParaRPr>
+          </a:p>
+          <a:p>
+            <a:pPr marL="457200" indent="-457200">
+              <a:buFont typeface="+mj-lt"/>
+              <a:buAutoNum type="arabicPeriod" startAt="3"/>
+            </a:pPr>
+            <a:r>
+              <a:rPr lang="zh-CN" altLang="en-US" sz="2400" dirty="0">
+                <a:latin typeface="+mn-ea"/>
+              </a:rPr>
+              <a:t>断言、结</a:t>
+            </a:r>
+            <a:r>
+              <a:rPr lang="zh-CN" altLang="en-US" sz="2400" dirty="0" smtClean="0">
+                <a:latin typeface="+mn-ea"/>
+              </a:rPr>
+              <a:t>果树</a:t>
+            </a:r>
+            <a:endParaRPr lang="en-US" altLang="zh-CN" sz="2400" dirty="0">
+              <a:latin typeface="+mn-ea"/>
+            </a:endParaRPr>
+          </a:p>
+        </p:txBody>
+      </p:sp>
+      <p:sp>
+        <p:nvSpPr>
+          <p:cNvPr id="3" name="标题 2"/>
+          <p:cNvSpPr>
+            <a:spLocks noGrp="1"/>
+          </p:cNvSpPr>
+          <p:nvPr>
+            <p:ph type="title"/>
+          </p:nvPr>
+        </p:nvSpPr>
+        <p:spPr/>
+        <p:txBody>
+          <a:bodyPr/>
+          <a:lstStyle/>
+          <a:p>
+            <a:r>
+              <a:rPr lang="en-US" altLang="zh-CN" dirty="0" err="1" smtClean="0"/>
+              <a:t>JMeter</a:t>
+            </a:r>
+            <a:r>
+              <a:rPr lang="zh-CN" altLang="en-US" dirty="0" smtClean="0"/>
+              <a:t>之</a:t>
+            </a:r>
+            <a:r>
+              <a:rPr lang="zh-CN" altLang="en-US" dirty="0"/>
+              <a:t>数据库</a:t>
+            </a:r>
+          </a:p>
+        </p:txBody>
+      </p:sp>
+    </p:spTree>
+    <p:extLst>
+      <p:ext uri="{BB962C8B-B14F-4D97-AF65-F5344CB8AC3E}">
+        <p14:creationId xmlns:p14="http://schemas.microsoft.com/office/powerpoint/2010/main" val="338828237"/>
       </p:ext>
     </p:extLst>
   </p:cSld>
